--- a/thuyết trình CSDL.pptx
+++ b/thuyết trình CSDL.pptx
@@ -2,39 +2,36 @@
 <file path=ppt/presentation.xml><?xml version="1.0" encoding="utf-8"?>
 <p:presentation xmlns:a="http://schemas.openxmlformats.org/drawingml/2006/main" xmlns:r="http://schemas.openxmlformats.org/officeDocument/2006/relationships" xmlns:p="http://schemas.openxmlformats.org/presentationml/2006/main" showSpecialPlsOnTitleSld="0" strictFirstAndLastChars="0" embedTrueTypeFonts="1" saveSubsetFonts="1" autoCompressPictures="0">
   <p:sldMasterIdLst>
-    <p:sldMasterId id="2147483661" r:id="rId1"/>
+    <p:sldMasterId id="2147483648" r:id="rId1"/>
   </p:sldMasterIdLst>
   <p:notesMasterIdLst>
-    <p:notesMasterId r:id="rId14"/>
+    <p:notesMasterId r:id="rId4"/>
   </p:notesMasterIdLst>
   <p:sldIdLst>
-    <p:sldId id="256" r:id="rId2"/>
-    <p:sldId id="258" r:id="rId3"/>
-    <p:sldId id="259" r:id="rId4"/>
-    <p:sldId id="257" r:id="rId5"/>
-    <p:sldId id="263" r:id="rId6"/>
-    <p:sldId id="264" r:id="rId7"/>
-    <p:sldId id="265" r:id="rId8"/>
-    <p:sldId id="266" r:id="rId9"/>
-    <p:sldId id="267" r:id="rId10"/>
-    <p:sldId id="281" r:id="rId11"/>
-    <p:sldId id="268" r:id="rId12"/>
-    <p:sldId id="279" r:id="rId13"/>
+    <p:sldId id="256" r:id="rId3"/>
+    <p:sldId id="258" r:id="rId5"/>
+    <p:sldId id="259" r:id="rId6"/>
+    <p:sldId id="257" r:id="rId7"/>
+    <p:sldId id="263" r:id="rId8"/>
+    <p:sldId id="264" r:id="rId9"/>
+    <p:sldId id="265" r:id="rId10"/>
+    <p:sldId id="266" r:id="rId11"/>
+    <p:sldId id="267" r:id="rId12"/>
+    <p:sldId id="281" r:id="rId13"/>
+    <p:sldId id="268" r:id="rId14"/>
+    <p:sldId id="284" r:id="rId15"/>
+    <p:sldId id="279" r:id="rId16"/>
   </p:sldIdLst>
   <p:sldSz cx="9144000" cy="5143500" type="screen16x9"/>
   <p:notesSz cx="6858000" cy="9144000"/>
   <p:embeddedFontLst>
     <p:embeddedFont>
-      <p:font typeface="Lato Light" panose="020F0302020204030203" charset="0"/>
-      <p:regular r:id="rId15"/>
-      <p:bold r:id="rId16"/>
-      <p:italic r:id="rId17"/>
-      <p:boldItalic r:id="rId18"/>
+      <p:font typeface="Lato Light" panose="020F0502020204030203"/>
+      <p:regular r:id="rId20"/>
     </p:embeddedFont>
     <p:embeddedFont>
-      <p:font typeface="Roboto Slab Regular" panose="020B0604020202020204" charset="0"/>
-      <p:regular r:id="rId19"/>
-      <p:bold r:id="rId20"/>
+      <p:font typeface="Roboto Slab Regular"/>
+      <p:regular r:id="rId21"/>
     </p:embeddedFont>
   </p:embeddedFontLst>
   <p:defaultTextStyle>
@@ -62,15 +59,15 @@
       <a:buClr>
         <a:srgbClr val="000000"/>
       </a:buClr>
-      <a:buFont typeface="Arial"/>
+      <a:buFont typeface="Arial" panose="020B0604020202020204"/>
       <a:defRPr sz="1400" b="0" i="0" u="none" strike="noStrike" cap="none">
         <a:solidFill>
           <a:srgbClr val="000000"/>
         </a:solidFill>
-        <a:latin typeface="Arial"/>
-        <a:ea typeface="Arial"/>
-        <a:cs typeface="Arial"/>
-        <a:sym typeface="Arial"/>
+        <a:latin typeface="Arial" panose="020B0604020202020204"/>
+        <a:ea typeface="Arial" panose="020B0604020202020204"/>
+        <a:cs typeface="Arial" panose="020B0604020202020204"/>
+        <a:sym typeface="Arial" panose="020B0604020202020204"/>
       </a:defRPr>
     </a:lvl1pPr>
     <a:lvl2pPr marR="0" lvl="1" algn="l" rtl="0">
@@ -86,15 +83,15 @@
       <a:buClr>
         <a:srgbClr val="000000"/>
       </a:buClr>
-      <a:buFont typeface="Arial"/>
+      <a:buFont typeface="Arial" panose="020B0604020202020204"/>
       <a:defRPr sz="1400" b="0" i="0" u="none" strike="noStrike" cap="none">
         <a:solidFill>
           <a:srgbClr val="000000"/>
         </a:solidFill>
-        <a:latin typeface="Arial"/>
-        <a:ea typeface="Arial"/>
-        <a:cs typeface="Arial"/>
-        <a:sym typeface="Arial"/>
+        <a:latin typeface="Arial" panose="020B0604020202020204"/>
+        <a:ea typeface="Arial" panose="020B0604020202020204"/>
+        <a:cs typeface="Arial" panose="020B0604020202020204"/>
+        <a:sym typeface="Arial" panose="020B0604020202020204"/>
       </a:defRPr>
     </a:lvl2pPr>
     <a:lvl3pPr marR="0" lvl="2" algn="l" rtl="0">
@@ -110,15 +107,15 @@
       <a:buClr>
         <a:srgbClr val="000000"/>
       </a:buClr>
-      <a:buFont typeface="Arial"/>
+      <a:buFont typeface="Arial" panose="020B0604020202020204"/>
       <a:defRPr sz="1400" b="0" i="0" u="none" strike="noStrike" cap="none">
         <a:solidFill>
           <a:srgbClr val="000000"/>
         </a:solidFill>
-        <a:latin typeface="Arial"/>
-        <a:ea typeface="Arial"/>
-        <a:cs typeface="Arial"/>
-        <a:sym typeface="Arial"/>
+        <a:latin typeface="Arial" panose="020B0604020202020204"/>
+        <a:ea typeface="Arial" panose="020B0604020202020204"/>
+        <a:cs typeface="Arial" panose="020B0604020202020204"/>
+        <a:sym typeface="Arial" panose="020B0604020202020204"/>
       </a:defRPr>
     </a:lvl3pPr>
     <a:lvl4pPr marR="0" lvl="3" algn="l" rtl="0">
@@ -134,15 +131,15 @@
       <a:buClr>
         <a:srgbClr val="000000"/>
       </a:buClr>
-      <a:buFont typeface="Arial"/>
+      <a:buFont typeface="Arial" panose="020B0604020202020204"/>
       <a:defRPr sz="1400" b="0" i="0" u="none" strike="noStrike" cap="none">
         <a:solidFill>
           <a:srgbClr val="000000"/>
         </a:solidFill>
-        <a:latin typeface="Arial"/>
-        <a:ea typeface="Arial"/>
-        <a:cs typeface="Arial"/>
-        <a:sym typeface="Arial"/>
+        <a:latin typeface="Arial" panose="020B0604020202020204"/>
+        <a:ea typeface="Arial" panose="020B0604020202020204"/>
+        <a:cs typeface="Arial" panose="020B0604020202020204"/>
+        <a:sym typeface="Arial" panose="020B0604020202020204"/>
       </a:defRPr>
     </a:lvl4pPr>
     <a:lvl5pPr marR="0" lvl="4" algn="l" rtl="0">
@@ -158,15 +155,15 @@
       <a:buClr>
         <a:srgbClr val="000000"/>
       </a:buClr>
-      <a:buFont typeface="Arial"/>
+      <a:buFont typeface="Arial" panose="020B0604020202020204"/>
       <a:defRPr sz="1400" b="0" i="0" u="none" strike="noStrike" cap="none">
         <a:solidFill>
           <a:srgbClr val="000000"/>
         </a:solidFill>
-        <a:latin typeface="Arial"/>
-        <a:ea typeface="Arial"/>
-        <a:cs typeface="Arial"/>
-        <a:sym typeface="Arial"/>
+        <a:latin typeface="Arial" panose="020B0604020202020204"/>
+        <a:ea typeface="Arial" panose="020B0604020202020204"/>
+        <a:cs typeface="Arial" panose="020B0604020202020204"/>
+        <a:sym typeface="Arial" panose="020B0604020202020204"/>
       </a:defRPr>
     </a:lvl5pPr>
     <a:lvl6pPr marR="0" lvl="5" algn="l" rtl="0">
@@ -182,15 +179,15 @@
       <a:buClr>
         <a:srgbClr val="000000"/>
       </a:buClr>
-      <a:buFont typeface="Arial"/>
+      <a:buFont typeface="Arial" panose="020B0604020202020204"/>
       <a:defRPr sz="1400" b="0" i="0" u="none" strike="noStrike" cap="none">
         <a:solidFill>
           <a:srgbClr val="000000"/>
         </a:solidFill>
-        <a:latin typeface="Arial"/>
-        <a:ea typeface="Arial"/>
-        <a:cs typeface="Arial"/>
-        <a:sym typeface="Arial"/>
+        <a:latin typeface="Arial" panose="020B0604020202020204"/>
+        <a:ea typeface="Arial" panose="020B0604020202020204"/>
+        <a:cs typeface="Arial" panose="020B0604020202020204"/>
+        <a:sym typeface="Arial" panose="020B0604020202020204"/>
       </a:defRPr>
     </a:lvl6pPr>
     <a:lvl7pPr marR="0" lvl="6" algn="l" rtl="0">
@@ -206,15 +203,15 @@
       <a:buClr>
         <a:srgbClr val="000000"/>
       </a:buClr>
-      <a:buFont typeface="Arial"/>
+      <a:buFont typeface="Arial" panose="020B0604020202020204"/>
       <a:defRPr sz="1400" b="0" i="0" u="none" strike="noStrike" cap="none">
         <a:solidFill>
           <a:srgbClr val="000000"/>
         </a:solidFill>
-        <a:latin typeface="Arial"/>
-        <a:ea typeface="Arial"/>
-        <a:cs typeface="Arial"/>
-        <a:sym typeface="Arial"/>
+        <a:latin typeface="Arial" panose="020B0604020202020204"/>
+        <a:ea typeface="Arial" panose="020B0604020202020204"/>
+        <a:cs typeface="Arial" panose="020B0604020202020204"/>
+        <a:sym typeface="Arial" panose="020B0604020202020204"/>
       </a:defRPr>
     </a:lvl7pPr>
     <a:lvl8pPr marR="0" lvl="7" algn="l" rtl="0">
@@ -230,15 +227,15 @@
       <a:buClr>
         <a:srgbClr val="000000"/>
       </a:buClr>
-      <a:buFont typeface="Arial"/>
+      <a:buFont typeface="Arial" panose="020B0604020202020204"/>
       <a:defRPr sz="1400" b="0" i="0" u="none" strike="noStrike" cap="none">
         <a:solidFill>
           <a:srgbClr val="000000"/>
         </a:solidFill>
-        <a:latin typeface="Arial"/>
-        <a:ea typeface="Arial"/>
-        <a:cs typeface="Arial"/>
-        <a:sym typeface="Arial"/>
+        <a:latin typeface="Arial" panose="020B0604020202020204"/>
+        <a:ea typeface="Arial" panose="020B0604020202020204"/>
+        <a:cs typeface="Arial" panose="020B0604020202020204"/>
+        <a:sym typeface="Arial" panose="020B0604020202020204"/>
       </a:defRPr>
     </a:lvl8pPr>
     <a:lvl9pPr marR="0" lvl="8" algn="l" rtl="0">
@@ -254,15 +251,15 @@
       <a:buClr>
         <a:srgbClr val="000000"/>
       </a:buClr>
-      <a:buFont typeface="Arial"/>
+      <a:buFont typeface="Arial" panose="020B0604020202020204"/>
       <a:defRPr sz="1400" b="0" i="0" u="none" strike="noStrike" cap="none">
         <a:solidFill>
           <a:srgbClr val="000000"/>
         </a:solidFill>
-        <a:latin typeface="Arial"/>
-        <a:ea typeface="Arial"/>
-        <a:cs typeface="Arial"/>
-        <a:sym typeface="Arial"/>
+        <a:latin typeface="Arial" panose="020B0604020202020204"/>
+        <a:ea typeface="Arial" panose="020B0604020202020204"/>
+        <a:cs typeface="Arial" panose="020B0604020202020204"/>
+        <a:sym typeface="Arial" panose="020B0604020202020204"/>
       </a:defRPr>
     </a:lvl9pPr>
   </p:defaultTextStyle>
@@ -470,17 +467,10 @@
               <a:defRPr sz="1100"/>
             </a:lvl9pPr>
           </a:lstStyle>
-          <a:p>
-            <a:endParaRPr/>
-          </a:p>
+          <a:p/>
         </p:txBody>
       </p:sp>
     </p:spTree>
-    <p:extLst>
-      <p:ext uri="{BB962C8B-B14F-4D97-AF65-F5344CB8AC3E}">
-        <p14:creationId xmlns:p14="http://schemas.microsoft.com/office/powerpoint/2010/main" val="1795700455"/>
-      </p:ext>
-    </p:extLst>
   </p:cSld>
   <p:clrMap bg1="lt1" tx1="dk1" bg2="dk2" tx2="lt2" accent1="accent1" accent2="accent2" accent3="accent3" accent4="accent4" accent5="accent5" accent6="accent6" hlink="hlink" folHlink="folHlink"/>
   <p:notesStyle>
@@ -508,15 +498,15 @@
       <a:buClr>
         <a:srgbClr val="000000"/>
       </a:buClr>
-      <a:buFont typeface="Arial"/>
+      <a:buFont typeface="Arial" panose="020B0604020202020204"/>
       <a:defRPr sz="1400" b="0" i="0" u="none" strike="noStrike" cap="none">
         <a:solidFill>
           <a:srgbClr val="000000"/>
         </a:solidFill>
-        <a:latin typeface="Arial"/>
-        <a:ea typeface="Arial"/>
-        <a:cs typeface="Arial"/>
-        <a:sym typeface="Arial"/>
+        <a:latin typeface="Arial" panose="020B0604020202020204"/>
+        <a:ea typeface="Arial" panose="020B0604020202020204"/>
+        <a:cs typeface="Arial" panose="020B0604020202020204"/>
+        <a:sym typeface="Arial" panose="020B0604020202020204"/>
       </a:defRPr>
     </a:lvl1pPr>
     <a:lvl2pPr marR="0" lvl="1" algn="l" rtl="0">
@@ -532,15 +522,15 @@
       <a:buClr>
         <a:srgbClr val="000000"/>
       </a:buClr>
-      <a:buFont typeface="Arial"/>
+      <a:buFont typeface="Arial" panose="020B0604020202020204"/>
       <a:defRPr sz="1400" b="0" i="0" u="none" strike="noStrike" cap="none">
         <a:solidFill>
           <a:srgbClr val="000000"/>
         </a:solidFill>
-        <a:latin typeface="Arial"/>
-        <a:ea typeface="Arial"/>
-        <a:cs typeface="Arial"/>
-        <a:sym typeface="Arial"/>
+        <a:latin typeface="Arial" panose="020B0604020202020204"/>
+        <a:ea typeface="Arial" panose="020B0604020202020204"/>
+        <a:cs typeface="Arial" panose="020B0604020202020204"/>
+        <a:sym typeface="Arial" panose="020B0604020202020204"/>
       </a:defRPr>
     </a:lvl2pPr>
     <a:lvl3pPr marR="0" lvl="2" algn="l" rtl="0">
@@ -556,15 +546,15 @@
       <a:buClr>
         <a:srgbClr val="000000"/>
       </a:buClr>
-      <a:buFont typeface="Arial"/>
+      <a:buFont typeface="Arial" panose="020B0604020202020204"/>
       <a:defRPr sz="1400" b="0" i="0" u="none" strike="noStrike" cap="none">
         <a:solidFill>
           <a:srgbClr val="000000"/>
         </a:solidFill>
-        <a:latin typeface="Arial"/>
-        <a:ea typeface="Arial"/>
-        <a:cs typeface="Arial"/>
-        <a:sym typeface="Arial"/>
+        <a:latin typeface="Arial" panose="020B0604020202020204"/>
+        <a:ea typeface="Arial" panose="020B0604020202020204"/>
+        <a:cs typeface="Arial" panose="020B0604020202020204"/>
+        <a:sym typeface="Arial" panose="020B0604020202020204"/>
       </a:defRPr>
     </a:lvl3pPr>
     <a:lvl4pPr marR="0" lvl="3" algn="l" rtl="0">
@@ -580,15 +570,15 @@
       <a:buClr>
         <a:srgbClr val="000000"/>
       </a:buClr>
-      <a:buFont typeface="Arial"/>
+      <a:buFont typeface="Arial" panose="020B0604020202020204"/>
       <a:defRPr sz="1400" b="0" i="0" u="none" strike="noStrike" cap="none">
         <a:solidFill>
           <a:srgbClr val="000000"/>
         </a:solidFill>
-        <a:latin typeface="Arial"/>
-        <a:ea typeface="Arial"/>
-        <a:cs typeface="Arial"/>
-        <a:sym typeface="Arial"/>
+        <a:latin typeface="Arial" panose="020B0604020202020204"/>
+        <a:ea typeface="Arial" panose="020B0604020202020204"/>
+        <a:cs typeface="Arial" panose="020B0604020202020204"/>
+        <a:sym typeface="Arial" panose="020B0604020202020204"/>
       </a:defRPr>
     </a:lvl4pPr>
     <a:lvl5pPr marR="0" lvl="4" algn="l" rtl="0">
@@ -604,15 +594,15 @@
       <a:buClr>
         <a:srgbClr val="000000"/>
       </a:buClr>
-      <a:buFont typeface="Arial"/>
+      <a:buFont typeface="Arial" panose="020B0604020202020204"/>
       <a:defRPr sz="1400" b="0" i="0" u="none" strike="noStrike" cap="none">
         <a:solidFill>
           <a:srgbClr val="000000"/>
         </a:solidFill>
-        <a:latin typeface="Arial"/>
-        <a:ea typeface="Arial"/>
-        <a:cs typeface="Arial"/>
-        <a:sym typeface="Arial"/>
+        <a:latin typeface="Arial" panose="020B0604020202020204"/>
+        <a:ea typeface="Arial" panose="020B0604020202020204"/>
+        <a:cs typeface="Arial" panose="020B0604020202020204"/>
+        <a:sym typeface="Arial" panose="020B0604020202020204"/>
       </a:defRPr>
     </a:lvl5pPr>
     <a:lvl6pPr marR="0" lvl="5" algn="l" rtl="0">
@@ -628,15 +618,15 @@
       <a:buClr>
         <a:srgbClr val="000000"/>
       </a:buClr>
-      <a:buFont typeface="Arial"/>
+      <a:buFont typeface="Arial" panose="020B0604020202020204"/>
       <a:defRPr sz="1400" b="0" i="0" u="none" strike="noStrike" cap="none">
         <a:solidFill>
           <a:srgbClr val="000000"/>
         </a:solidFill>
-        <a:latin typeface="Arial"/>
-        <a:ea typeface="Arial"/>
-        <a:cs typeface="Arial"/>
-        <a:sym typeface="Arial"/>
+        <a:latin typeface="Arial" panose="020B0604020202020204"/>
+        <a:ea typeface="Arial" panose="020B0604020202020204"/>
+        <a:cs typeface="Arial" panose="020B0604020202020204"/>
+        <a:sym typeface="Arial" panose="020B0604020202020204"/>
       </a:defRPr>
     </a:lvl6pPr>
     <a:lvl7pPr marR="0" lvl="6" algn="l" rtl="0">
@@ -652,15 +642,15 @@
       <a:buClr>
         <a:srgbClr val="000000"/>
       </a:buClr>
-      <a:buFont typeface="Arial"/>
+      <a:buFont typeface="Arial" panose="020B0604020202020204"/>
       <a:defRPr sz="1400" b="0" i="0" u="none" strike="noStrike" cap="none">
         <a:solidFill>
           <a:srgbClr val="000000"/>
         </a:solidFill>
-        <a:latin typeface="Arial"/>
-        <a:ea typeface="Arial"/>
-        <a:cs typeface="Arial"/>
-        <a:sym typeface="Arial"/>
+        <a:latin typeface="Arial" panose="020B0604020202020204"/>
+        <a:ea typeface="Arial" panose="020B0604020202020204"/>
+        <a:cs typeface="Arial" panose="020B0604020202020204"/>
+        <a:sym typeface="Arial" panose="020B0604020202020204"/>
       </a:defRPr>
     </a:lvl7pPr>
     <a:lvl8pPr marR="0" lvl="7" algn="l" rtl="0">
@@ -676,15 +666,15 @@
       <a:buClr>
         <a:srgbClr val="000000"/>
       </a:buClr>
-      <a:buFont typeface="Arial"/>
+      <a:buFont typeface="Arial" panose="020B0604020202020204"/>
       <a:defRPr sz="1400" b="0" i="0" u="none" strike="noStrike" cap="none">
         <a:solidFill>
           <a:srgbClr val="000000"/>
         </a:solidFill>
-        <a:latin typeface="Arial"/>
-        <a:ea typeface="Arial"/>
-        <a:cs typeface="Arial"/>
-        <a:sym typeface="Arial"/>
+        <a:latin typeface="Arial" panose="020B0604020202020204"/>
+        <a:ea typeface="Arial" panose="020B0604020202020204"/>
+        <a:cs typeface="Arial" panose="020B0604020202020204"/>
+        <a:sym typeface="Arial" panose="020B0604020202020204"/>
       </a:defRPr>
     </a:lvl8pPr>
     <a:lvl9pPr marR="0" lvl="8" algn="l" rtl="0">
@@ -700,15 +690,15 @@
       <a:buClr>
         <a:srgbClr val="000000"/>
       </a:buClr>
-      <a:buFont typeface="Arial"/>
+      <a:buFont typeface="Arial" panose="020B0604020202020204"/>
       <a:defRPr sz="1400" b="0" i="0" u="none" strike="noStrike" cap="none">
         <a:solidFill>
           <a:srgbClr val="000000"/>
         </a:solidFill>
-        <a:latin typeface="Arial"/>
-        <a:ea typeface="Arial"/>
-        <a:cs typeface="Arial"/>
-        <a:sym typeface="Arial"/>
+        <a:latin typeface="Arial" panose="020B0604020202020204"/>
+        <a:ea typeface="Arial" panose="020B0604020202020204"/>
+        <a:cs typeface="Arial" panose="020B0604020202020204"/>
+        <a:sym typeface="Arial" panose="020B0604020202020204"/>
       </a:defRPr>
     </a:lvl9pPr>
   </p:notesStyle>
@@ -716,7 +706,7 @@
 </file>
 
 <file path=ppt/notesSlides/notesSlide1.xml><?xml version="1.0" encoding="utf-8"?>
-<p:notes xmlns:a="http://schemas.openxmlformats.org/drawingml/2006/main" xmlns:r="http://schemas.openxmlformats.org/officeDocument/2006/relationships" xmlns:p="http://schemas.openxmlformats.org/presentationml/2006/main" showMasterSp="0" showMasterPhAnim="0">
+<p:notes xmlns:a="http://schemas.openxmlformats.org/drawingml/2006/main" xmlns:r="http://schemas.openxmlformats.org/officeDocument/2006/relationships" xmlns:p="http://schemas.openxmlformats.org/presentationml/2006/main" showMasterPhAnim="0" showMasterSp="0">
   <p:cSld>
     <p:spTree>
       <p:nvGrpSpPr>
@@ -807,7 +797,6 @@
               </a:spcAft>
               <a:buNone/>
             </a:pPr>
-            <a:endParaRPr/>
           </a:p>
         </p:txBody>
       </p:sp>
@@ -820,7 +809,7 @@
 </file>
 
 <file path=ppt/notesSlides/notesSlide10.xml><?xml version="1.0" encoding="utf-8"?>
-<p:notes xmlns:a="http://schemas.openxmlformats.org/drawingml/2006/main" xmlns:r="http://schemas.openxmlformats.org/officeDocument/2006/relationships" xmlns:p="http://schemas.openxmlformats.org/presentationml/2006/main" showMasterSp="0" showMasterPhAnim="0">
+<p:notes xmlns:a="http://schemas.openxmlformats.org/drawingml/2006/main" xmlns:r="http://schemas.openxmlformats.org/officeDocument/2006/relationships" xmlns:p="http://schemas.openxmlformats.org/presentationml/2006/main" showMasterPhAnim="0" showMasterSp="0">
   <p:cSld>
     <p:spTree>
       <p:nvGrpSpPr>
@@ -911,7 +900,6 @@
               </a:spcAft>
               <a:buNone/>
             </a:pPr>
-            <a:endParaRPr/>
           </a:p>
         </p:txBody>
       </p:sp>
@@ -924,7 +912,7 @@
 </file>
 
 <file path=ppt/notesSlides/notesSlide11.xml><?xml version="1.0" encoding="utf-8"?>
-<p:notes xmlns:a="http://schemas.openxmlformats.org/drawingml/2006/main" xmlns:r="http://schemas.openxmlformats.org/officeDocument/2006/relationships" xmlns:p="http://schemas.openxmlformats.org/presentationml/2006/main" showMasterSp="0" showMasterPhAnim="0">
+<p:notes xmlns:a="http://schemas.openxmlformats.org/drawingml/2006/main" xmlns:r="http://schemas.openxmlformats.org/officeDocument/2006/relationships" xmlns:p="http://schemas.openxmlformats.org/presentationml/2006/main" showMasterPhAnim="0" showMasterSp="0">
   <p:cSld>
     <p:spTree>
       <p:nvGrpSpPr>
@@ -1015,7 +1003,6 @@
               </a:spcAft>
               <a:buNone/>
             </a:pPr>
-            <a:endParaRPr/>
           </a:p>
         </p:txBody>
       </p:sp>
@@ -1028,7 +1015,7 @@
 </file>
 
 <file path=ppt/notesSlides/notesSlide2.xml><?xml version="1.0" encoding="utf-8"?>
-<p:notes xmlns:a="http://schemas.openxmlformats.org/drawingml/2006/main" xmlns:r="http://schemas.openxmlformats.org/officeDocument/2006/relationships" xmlns:p="http://schemas.openxmlformats.org/presentationml/2006/main" showMasterSp="0" showMasterPhAnim="0">
+<p:notes xmlns:a="http://schemas.openxmlformats.org/drawingml/2006/main" xmlns:r="http://schemas.openxmlformats.org/officeDocument/2006/relationships" xmlns:p="http://schemas.openxmlformats.org/presentationml/2006/main" showMasterPhAnim="0" showMasterSp="0">
   <p:cSld>
     <p:spTree>
       <p:nvGrpSpPr>
@@ -1119,7 +1106,6 @@
               </a:spcAft>
               <a:buNone/>
             </a:pPr>
-            <a:endParaRPr/>
           </a:p>
         </p:txBody>
       </p:sp>
@@ -1132,7 +1118,7 @@
 </file>
 
 <file path=ppt/notesSlides/notesSlide3.xml><?xml version="1.0" encoding="utf-8"?>
-<p:notes xmlns:a="http://schemas.openxmlformats.org/drawingml/2006/main" xmlns:r="http://schemas.openxmlformats.org/officeDocument/2006/relationships" xmlns:p="http://schemas.openxmlformats.org/presentationml/2006/main" showMasterSp="0" showMasterPhAnim="0">
+<p:notes xmlns:a="http://schemas.openxmlformats.org/drawingml/2006/main" xmlns:r="http://schemas.openxmlformats.org/officeDocument/2006/relationships" xmlns:p="http://schemas.openxmlformats.org/presentationml/2006/main" showMasterPhAnim="0" showMasterSp="0">
   <p:cSld>
     <p:spTree>
       <p:nvGrpSpPr>
@@ -1223,7 +1209,6 @@
               </a:spcAft>
               <a:buNone/>
             </a:pPr>
-            <a:endParaRPr/>
           </a:p>
         </p:txBody>
       </p:sp>
@@ -1236,7 +1221,7 @@
 </file>
 
 <file path=ppt/notesSlides/notesSlide4.xml><?xml version="1.0" encoding="utf-8"?>
-<p:notes xmlns:a="http://schemas.openxmlformats.org/drawingml/2006/main" xmlns:r="http://schemas.openxmlformats.org/officeDocument/2006/relationships" xmlns:p="http://schemas.openxmlformats.org/presentationml/2006/main" showMasterSp="0" showMasterPhAnim="0">
+<p:notes xmlns:a="http://schemas.openxmlformats.org/drawingml/2006/main" xmlns:r="http://schemas.openxmlformats.org/officeDocument/2006/relationships" xmlns:p="http://schemas.openxmlformats.org/presentationml/2006/main" showMasterPhAnim="0" showMasterSp="0">
   <p:cSld>
     <p:spTree>
       <p:nvGrpSpPr>
@@ -1327,7 +1312,6 @@
               </a:spcAft>
               <a:buNone/>
             </a:pPr>
-            <a:endParaRPr/>
           </a:p>
         </p:txBody>
       </p:sp>
@@ -1340,7 +1324,7 @@
 </file>
 
 <file path=ppt/notesSlides/notesSlide5.xml><?xml version="1.0" encoding="utf-8"?>
-<p:notes xmlns:a="http://schemas.openxmlformats.org/drawingml/2006/main" xmlns:r="http://schemas.openxmlformats.org/officeDocument/2006/relationships" xmlns:p="http://schemas.openxmlformats.org/presentationml/2006/main" showMasterSp="0" showMasterPhAnim="0">
+<p:notes xmlns:a="http://schemas.openxmlformats.org/drawingml/2006/main" xmlns:r="http://schemas.openxmlformats.org/officeDocument/2006/relationships" xmlns:p="http://schemas.openxmlformats.org/presentationml/2006/main" showMasterPhAnim="0" showMasterSp="0">
   <p:cSld>
     <p:spTree>
       <p:nvGrpSpPr>
@@ -1431,7 +1415,6 @@
               </a:spcAft>
               <a:buNone/>
             </a:pPr>
-            <a:endParaRPr/>
           </a:p>
         </p:txBody>
       </p:sp>
@@ -1444,7 +1427,7 @@
 </file>
 
 <file path=ppt/notesSlides/notesSlide6.xml><?xml version="1.0" encoding="utf-8"?>
-<p:notes xmlns:a="http://schemas.openxmlformats.org/drawingml/2006/main" xmlns:r="http://schemas.openxmlformats.org/officeDocument/2006/relationships" xmlns:p="http://schemas.openxmlformats.org/presentationml/2006/main" showMasterSp="0" showMasterPhAnim="0">
+<p:notes xmlns:a="http://schemas.openxmlformats.org/drawingml/2006/main" xmlns:r="http://schemas.openxmlformats.org/officeDocument/2006/relationships" xmlns:p="http://schemas.openxmlformats.org/presentationml/2006/main" showMasterPhAnim="0" showMasterSp="0">
   <p:cSld>
     <p:spTree>
       <p:nvGrpSpPr>
@@ -1535,7 +1518,6 @@
               </a:spcAft>
               <a:buNone/>
             </a:pPr>
-            <a:endParaRPr/>
           </a:p>
         </p:txBody>
       </p:sp>
@@ -1548,7 +1530,7 @@
 </file>
 
 <file path=ppt/notesSlides/notesSlide7.xml><?xml version="1.0" encoding="utf-8"?>
-<p:notes xmlns:a="http://schemas.openxmlformats.org/drawingml/2006/main" xmlns:r="http://schemas.openxmlformats.org/officeDocument/2006/relationships" xmlns:p="http://schemas.openxmlformats.org/presentationml/2006/main" showMasterSp="0" showMasterPhAnim="0">
+<p:notes xmlns:a="http://schemas.openxmlformats.org/drawingml/2006/main" xmlns:r="http://schemas.openxmlformats.org/officeDocument/2006/relationships" xmlns:p="http://schemas.openxmlformats.org/presentationml/2006/main" showMasterPhAnim="0" showMasterSp="0">
   <p:cSld>
     <p:spTree>
       <p:nvGrpSpPr>
@@ -1639,7 +1621,6 @@
               </a:spcAft>
               <a:buNone/>
             </a:pPr>
-            <a:endParaRPr/>
           </a:p>
         </p:txBody>
       </p:sp>
@@ -1652,7 +1633,7 @@
 </file>
 
 <file path=ppt/notesSlides/notesSlide8.xml><?xml version="1.0" encoding="utf-8"?>
-<p:notes xmlns:a="http://schemas.openxmlformats.org/drawingml/2006/main" xmlns:r="http://schemas.openxmlformats.org/officeDocument/2006/relationships" xmlns:p="http://schemas.openxmlformats.org/presentationml/2006/main" showMasterSp="0" showMasterPhAnim="0">
+<p:notes xmlns:a="http://schemas.openxmlformats.org/drawingml/2006/main" xmlns:r="http://schemas.openxmlformats.org/officeDocument/2006/relationships" xmlns:p="http://schemas.openxmlformats.org/presentationml/2006/main" showMasterPhAnim="0" showMasterSp="0">
   <p:cSld>
     <p:spTree>
       <p:nvGrpSpPr>
@@ -1743,7 +1724,6 @@
               </a:spcAft>
               <a:buNone/>
             </a:pPr>
-            <a:endParaRPr/>
           </a:p>
         </p:txBody>
       </p:sp>
@@ -1756,7 +1736,7 @@
 </file>
 
 <file path=ppt/notesSlides/notesSlide9.xml><?xml version="1.0" encoding="utf-8"?>
-<p:notes xmlns:a="http://schemas.openxmlformats.org/drawingml/2006/main" xmlns:r="http://schemas.openxmlformats.org/officeDocument/2006/relationships" xmlns:p="http://schemas.openxmlformats.org/presentationml/2006/main" showMasterSp="0" showMasterPhAnim="0">
+<p:notes xmlns:a="http://schemas.openxmlformats.org/drawingml/2006/main" xmlns:r="http://schemas.openxmlformats.org/officeDocument/2006/relationships" xmlns:p="http://schemas.openxmlformats.org/presentationml/2006/main" showMasterPhAnim="0" showMasterSp="0">
   <p:cSld>
     <p:spTree>
       <p:nvGrpSpPr>
@@ -1847,7 +1827,6 @@
               </a:spcAft>
               <a:buNone/>
             </a:pPr>
-            <a:endParaRPr/>
           </a:p>
         </p:txBody>
       </p:sp>
@@ -1860,14 +1839,12 @@
 </file>
 
 <file path=ppt/slideLayouts/slideLayout1.xml><?xml version="1.0" encoding="utf-8"?>
-<p:sldLayout xmlns:a="http://schemas.openxmlformats.org/drawingml/2006/main" xmlns:r="http://schemas.openxmlformats.org/officeDocument/2006/relationships" xmlns:p="http://schemas.openxmlformats.org/presentationml/2006/main" matchingName="Title" type="title">
+<p:sldLayout xmlns:a="http://schemas.openxmlformats.org/drawingml/2006/main" xmlns:r="http://schemas.openxmlformats.org/officeDocument/2006/relationships" xmlns:p="http://schemas.openxmlformats.org/presentationml/2006/main" type="title" matchingName="Title">
   <p:cSld name="TITLE">
     <p:bg>
       <p:bgPr>
         <a:blipFill>
-          <a:blip r:embed="rId2">
-            <a:alphaModFix/>
-          </a:blip>
+          <a:blip r:embed="rId2"/>
           <a:stretch>
             <a:fillRect/>
           </a:stretch>
@@ -1925,7 +1902,6 @@
               </a:spcAft>
               <a:buNone/>
             </a:pPr>
-            <a:endParaRPr/>
           </a:p>
         </p:txBody>
       </p:sp>
@@ -1967,7 +1943,6 @@
               </a:spcAft>
               <a:buNone/>
             </a:pPr>
-            <a:endParaRPr/>
           </a:p>
         </p:txBody>
       </p:sp>
@@ -2007,7 +1982,6 @@
               </a:spcAft>
               <a:buNone/>
             </a:pPr>
-            <a:endParaRPr/>
           </a:p>
         </p:txBody>
       </p:sp>
@@ -2049,7 +2023,6 @@
               </a:spcAft>
               <a:buNone/>
             </a:pPr>
-            <a:endParaRPr/>
           </a:p>
         </p:txBody>
       </p:sp>
@@ -2089,7 +2062,6 @@
               </a:spcAft>
               <a:buNone/>
             </a:pPr>
-            <a:endParaRPr/>
           </a:p>
         </p:txBody>
       </p:sp>
@@ -2131,7 +2103,6 @@
               </a:spcAft>
               <a:buNone/>
             </a:pPr>
-            <a:endParaRPr/>
           </a:p>
         </p:txBody>
       </p:sp>
@@ -2171,7 +2142,6 @@
               </a:spcAft>
               <a:buNone/>
             </a:pPr>
-            <a:endParaRPr/>
           </a:p>
         </p:txBody>
       </p:sp>
@@ -2211,7 +2181,6 @@
               </a:spcAft>
               <a:buNone/>
             </a:pPr>
-            <a:endParaRPr/>
           </a:p>
         </p:txBody>
       </p:sp>
@@ -2251,7 +2220,6 @@
               </a:spcAft>
               <a:buNone/>
             </a:pPr>
-            <a:endParaRPr/>
           </a:p>
         </p:txBody>
       </p:sp>
@@ -2291,7 +2259,6 @@
               </a:spcAft>
               <a:buNone/>
             </a:pPr>
-            <a:endParaRPr/>
           </a:p>
         </p:txBody>
       </p:sp>
@@ -3394,7 +3361,6 @@
               </a:spcAft>
               <a:buNone/>
             </a:pPr>
-            <a:endParaRPr/>
           </a:p>
         </p:txBody>
       </p:sp>
@@ -3591,7 +3557,6 @@
                 </a:spcAft>
                 <a:buNone/>
               </a:pPr>
-              <a:endParaRPr/>
             </a:p>
           </p:txBody>
         </p:sp>
@@ -4045,7 +4010,6 @@
                 </a:spcAft>
                 <a:buNone/>
               </a:pPr>
-              <a:endParaRPr/>
             </a:p>
           </p:txBody>
         </p:sp>
@@ -4997,9 +4961,7 @@
               <a:defRPr sz="3600"/>
             </a:lvl9pPr>
           </a:lstStyle>
-          <a:p>
-            <a:endParaRPr/>
-          </a:p>
+          <a:p/>
         </p:txBody>
       </p:sp>
       <p:sp>
@@ -5038,7 +5000,6 @@
               </a:spcAft>
               <a:buNone/>
             </a:pPr>
-            <a:endParaRPr/>
           </a:p>
         </p:txBody>
       </p:sp>
@@ -5078,7 +5039,6 @@
               </a:spcAft>
               <a:buNone/>
             </a:pPr>
-            <a:endParaRPr/>
           </a:p>
         </p:txBody>
       </p:sp>
@@ -5118,7 +5078,6 @@
               </a:spcAft>
               <a:buNone/>
             </a:pPr>
-            <a:endParaRPr/>
           </a:p>
         </p:txBody>
       </p:sp>
@@ -5127,6 +5086,9 @@
   <p:clrMapOvr>
     <a:masterClrMapping/>
   </p:clrMapOvr>
+  <p:transition>
+    <p:fade thruBlk="1"/>
+  </p:transition>
 </p:sldLayout>
 </file>
 
@@ -5183,7 +5145,6 @@
               </a:spcAft>
               <a:buNone/>
             </a:pPr>
-            <a:endParaRPr/>
           </a:p>
         </p:txBody>
       </p:sp>
@@ -5223,7 +5184,6 @@
               </a:spcAft>
               <a:buNone/>
             </a:pPr>
-            <a:endParaRPr/>
           </a:p>
         </p:txBody>
       </p:sp>
@@ -5265,7 +5225,6 @@
               </a:spcAft>
               <a:buNone/>
             </a:pPr>
-            <a:endParaRPr/>
           </a:p>
         </p:txBody>
       </p:sp>
@@ -5305,7 +5264,6 @@
               </a:spcAft>
               <a:buNone/>
             </a:pPr>
-            <a:endParaRPr/>
           </a:p>
         </p:txBody>
       </p:sp>
@@ -5347,7 +5305,6 @@
               </a:spcAft>
               <a:buNone/>
             </a:pPr>
-            <a:endParaRPr/>
           </a:p>
         </p:txBody>
       </p:sp>
@@ -5387,7 +5344,6 @@
               </a:spcAft>
               <a:buNone/>
             </a:pPr>
-            <a:endParaRPr/>
           </a:p>
         </p:txBody>
       </p:sp>
@@ -5427,7 +5383,6 @@
               </a:spcAft>
               <a:buNone/>
             </a:pPr>
-            <a:endParaRPr/>
           </a:p>
         </p:txBody>
       </p:sp>
@@ -5467,7 +5422,6 @@
               </a:spcAft>
               <a:buNone/>
             </a:pPr>
-            <a:endParaRPr/>
           </a:p>
         </p:txBody>
       </p:sp>
@@ -5507,7 +5461,6 @@
               </a:spcAft>
               <a:buNone/>
             </a:pPr>
-            <a:endParaRPr/>
           </a:p>
         </p:txBody>
       </p:sp>
@@ -5547,7 +5500,6 @@
               </a:spcAft>
               <a:buNone/>
             </a:pPr>
-            <a:endParaRPr/>
           </a:p>
         </p:txBody>
       </p:sp>
@@ -5587,7 +5539,6 @@
               </a:spcAft>
               <a:buNone/>
             </a:pPr>
-            <a:endParaRPr/>
           </a:p>
         </p:txBody>
       </p:sp>
@@ -6690,7 +6641,6 @@
               </a:spcAft>
               <a:buNone/>
             </a:pPr>
-            <a:endParaRPr/>
           </a:p>
         </p:txBody>
       </p:sp>
@@ -6887,7 +6837,6 @@
                 </a:spcAft>
                 <a:buNone/>
               </a:pPr>
-              <a:endParaRPr/>
             </a:p>
           </p:txBody>
         </p:sp>
@@ -7341,7 +7290,6 @@
                 </a:spcAft>
                 <a:buNone/>
               </a:pPr>
-              <a:endParaRPr/>
             </a:p>
           </p:txBody>
         </p:sp>
@@ -8207,7 +8155,6 @@
               </a:spcAft>
               <a:buNone/>
             </a:pPr>
-            <a:endParaRPr/>
           </a:p>
         </p:txBody>
       </p:sp>
@@ -8247,7 +8194,6 @@
               </a:spcAft>
               <a:buNone/>
             </a:pPr>
-            <a:endParaRPr/>
           </a:p>
         </p:txBody>
       </p:sp>
@@ -8287,7 +8233,6 @@
               </a:spcAft>
               <a:buNone/>
             </a:pPr>
-            <a:endParaRPr/>
           </a:p>
         </p:txBody>
       </p:sp>
@@ -8478,9 +8423,7 @@
               </a:defRPr>
             </a:lvl9pPr>
           </a:lstStyle>
-          <a:p>
-            <a:endParaRPr/>
-          </a:p>
+          <a:p/>
         </p:txBody>
       </p:sp>
       <p:sp>
@@ -8670,9 +8613,7 @@
               </a:defRPr>
             </a:lvl9pPr>
           </a:lstStyle>
-          <a:p>
-            <a:endParaRPr/>
-          </a:p>
+          <a:p/>
         </p:txBody>
       </p:sp>
     </p:spTree>
@@ -8680,11 +8621,14 @@
   <p:clrMapOvr>
     <a:masterClrMapping/>
   </p:clrMapOvr>
+  <p:transition>
+    <p:fade thruBlk="1"/>
+  </p:transition>
 </p:sldLayout>
 </file>
 
 <file path=ppt/slideLayouts/slideLayout3.xml><?xml version="1.0" encoding="utf-8"?>
-<p:sldLayout xmlns:a="http://schemas.openxmlformats.org/drawingml/2006/main" xmlns:r="http://schemas.openxmlformats.org/officeDocument/2006/relationships" xmlns:p="http://schemas.openxmlformats.org/presentationml/2006/main" matchingName="Title + 1 column" type="tx">
+<p:sldLayout xmlns:a="http://schemas.openxmlformats.org/drawingml/2006/main" xmlns:r="http://schemas.openxmlformats.org/officeDocument/2006/relationships" xmlns:p="http://schemas.openxmlformats.org/presentationml/2006/main" type="tx" matchingName="Title + 1 column">
   <p:cSld name="TITLE_AND_BODY">
     <p:spTree>
       <p:nvGrpSpPr>
@@ -8736,7 +8680,6 @@
               </a:spcAft>
               <a:buNone/>
             </a:pPr>
-            <a:endParaRPr/>
           </a:p>
         </p:txBody>
       </p:sp>
@@ -8776,7 +8719,6 @@
               </a:spcAft>
               <a:buNone/>
             </a:pPr>
-            <a:endParaRPr/>
           </a:p>
         </p:txBody>
       </p:sp>
@@ -8818,7 +8760,6 @@
               </a:spcAft>
               <a:buNone/>
             </a:pPr>
-            <a:endParaRPr/>
           </a:p>
         </p:txBody>
       </p:sp>
@@ -8858,7 +8799,6 @@
               </a:spcAft>
               <a:buNone/>
             </a:pPr>
-            <a:endParaRPr/>
           </a:p>
         </p:txBody>
       </p:sp>
@@ -8900,7 +8840,6 @@
               </a:spcAft>
               <a:buNone/>
             </a:pPr>
-            <a:endParaRPr/>
           </a:p>
         </p:txBody>
       </p:sp>
@@ -8940,7 +8879,6 @@
               </a:spcAft>
               <a:buNone/>
             </a:pPr>
-            <a:endParaRPr/>
           </a:p>
         </p:txBody>
       </p:sp>
@@ -8980,7 +8918,6 @@
               </a:spcAft>
               <a:buNone/>
             </a:pPr>
-            <a:endParaRPr/>
           </a:p>
         </p:txBody>
       </p:sp>
@@ -9020,7 +8957,6 @@
               </a:spcAft>
               <a:buNone/>
             </a:pPr>
-            <a:endParaRPr/>
           </a:p>
         </p:txBody>
       </p:sp>
@@ -9062,7 +8998,6 @@
               </a:spcAft>
               <a:buNone/>
             </a:pPr>
-            <a:endParaRPr/>
           </a:p>
         </p:txBody>
       </p:sp>
@@ -9102,7 +9037,6 @@
               </a:spcAft>
               <a:buNone/>
             </a:pPr>
-            <a:endParaRPr/>
           </a:p>
         </p:txBody>
       </p:sp>
@@ -9142,7 +9076,6 @@
               </a:spcAft>
               <a:buNone/>
             </a:pPr>
-            <a:endParaRPr/>
           </a:p>
         </p:txBody>
       </p:sp>
@@ -9182,7 +9115,6 @@
               </a:spcAft>
               <a:buNone/>
             </a:pPr>
-            <a:endParaRPr/>
           </a:p>
         </p:txBody>
       </p:sp>
@@ -9222,7 +9154,6 @@
               </a:spcAft>
               <a:buNone/>
             </a:pPr>
-            <a:endParaRPr/>
           </a:p>
         </p:txBody>
       </p:sp>
@@ -10325,7 +10256,6 @@
               </a:spcAft>
               <a:buNone/>
             </a:pPr>
-            <a:endParaRPr/>
           </a:p>
         </p:txBody>
       </p:sp>
@@ -10522,7 +10452,6 @@
                 </a:spcAft>
                 <a:buNone/>
               </a:pPr>
-              <a:endParaRPr/>
             </a:p>
           </p:txBody>
         </p:sp>
@@ -10976,7 +10905,6 @@
                 </a:spcAft>
                 <a:buNone/>
               </a:pPr>
-              <a:endParaRPr/>
             </a:p>
           </p:txBody>
         </p:sp>
@@ -11059,7 +10987,6 @@
                 </a:spcAft>
                 <a:buNone/>
               </a:pPr>
-              <a:endParaRPr/>
             </a:p>
           </p:txBody>
         </p:sp>
@@ -11127,7 +11054,6 @@
                 </a:spcAft>
                 <a:buNone/>
               </a:pPr>
-              <a:endParaRPr/>
             </a:p>
           </p:txBody>
         </p:sp>
@@ -11240,7 +11166,6 @@
                 </a:spcAft>
                 <a:buNone/>
               </a:pPr>
-              <a:endParaRPr/>
             </a:p>
           </p:txBody>
         </p:sp>
@@ -11304,7 +11229,6 @@
                 </a:spcAft>
                 <a:buNone/>
               </a:pPr>
-              <a:endParaRPr/>
             </a:p>
           </p:txBody>
         </p:sp>
@@ -11563,7 +11487,6 @@
                 </a:spcAft>
                 <a:buNone/>
               </a:pPr>
-              <a:endParaRPr/>
             </a:p>
           </p:txBody>
         </p:sp>
@@ -11627,7 +11550,6 @@
                 </a:spcAft>
                 <a:buNone/>
               </a:pPr>
-              <a:endParaRPr/>
             </a:p>
           </p:txBody>
         </p:sp>
@@ -11709,7 +11631,6 @@
                 </a:spcAft>
                 <a:buNone/>
               </a:pPr>
-              <a:endParaRPr/>
             </a:p>
           </p:txBody>
         </p:sp>
@@ -11767,7 +11688,6 @@
                 </a:spcAft>
                 <a:buNone/>
               </a:pPr>
-              <a:endParaRPr/>
             </a:p>
           </p:txBody>
         </p:sp>
@@ -11896,9 +11816,7 @@
               <a:defRPr/>
             </a:lvl9pPr>
           </a:lstStyle>
-          <a:p>
-            <a:endParaRPr/>
-          </a:p>
+          <a:p/>
         </p:txBody>
       </p:sp>
       <p:sp>
@@ -12025,9 +11943,7 @@
               <a:defRPr/>
             </a:lvl9pPr>
           </a:lstStyle>
-          <a:p>
-            <a:endParaRPr/>
-          </a:p>
+          <a:p/>
         </p:txBody>
       </p:sp>
       <p:sp>
@@ -12102,10 +12018,9 @@
               <a:buNone/>
             </a:pPr>
             <a:fld id="{00000000-1234-1234-1234-123412341234}" type="slidenum">
-              <a:rPr lang="en"/>
-              <a:t>‹#›</a:t>
+              <a:rPr lang="en-GB"/>
             </a:fld>
-            <a:endParaRPr/>
+            <a:endParaRPr lang="en-GB"/>
           </a:p>
         </p:txBody>
       </p:sp>
@@ -12114,11 +12029,14 @@
   <p:clrMapOvr>
     <a:masterClrMapping/>
   </p:clrMapOvr>
+  <p:transition>
+    <p:fade thruBlk="1"/>
+  </p:transition>
 </p:sldLayout>
 </file>
 
 <file path=ppt/slideLayouts/slideLayout4.xml><?xml version="1.0" encoding="utf-8"?>
-<p:sldLayout xmlns:a="http://schemas.openxmlformats.org/drawingml/2006/main" xmlns:r="http://schemas.openxmlformats.org/officeDocument/2006/relationships" xmlns:p="http://schemas.openxmlformats.org/presentationml/2006/main" matchingName="Title + 2 columns" type="twoColTx">
+<p:sldLayout xmlns:a="http://schemas.openxmlformats.org/drawingml/2006/main" xmlns:r="http://schemas.openxmlformats.org/officeDocument/2006/relationships" xmlns:p="http://schemas.openxmlformats.org/presentationml/2006/main" type="twoColTx" matchingName="Title + 2 columns">
   <p:cSld name="TITLE_AND_TWO_COLUMNS">
     <p:spTree>
       <p:nvGrpSpPr>
@@ -12170,7 +12088,6 @@
               </a:spcAft>
               <a:buNone/>
             </a:pPr>
-            <a:endParaRPr/>
           </a:p>
         </p:txBody>
       </p:sp>
@@ -12210,7 +12127,6 @@
               </a:spcAft>
               <a:buNone/>
             </a:pPr>
-            <a:endParaRPr/>
           </a:p>
         </p:txBody>
       </p:sp>
@@ -12252,7 +12168,6 @@
               </a:spcAft>
               <a:buNone/>
             </a:pPr>
-            <a:endParaRPr/>
           </a:p>
         </p:txBody>
       </p:sp>
@@ -12292,7 +12207,6 @@
               </a:spcAft>
               <a:buNone/>
             </a:pPr>
-            <a:endParaRPr/>
           </a:p>
         </p:txBody>
       </p:sp>
@@ -12334,7 +12248,6 @@
               </a:spcAft>
               <a:buNone/>
             </a:pPr>
-            <a:endParaRPr/>
           </a:p>
         </p:txBody>
       </p:sp>
@@ -12374,7 +12287,6 @@
               </a:spcAft>
               <a:buNone/>
             </a:pPr>
-            <a:endParaRPr/>
           </a:p>
         </p:txBody>
       </p:sp>
@@ -12414,7 +12326,6 @@
               </a:spcAft>
               <a:buNone/>
             </a:pPr>
-            <a:endParaRPr/>
           </a:p>
         </p:txBody>
       </p:sp>
@@ -12454,7 +12365,6 @@
               </a:spcAft>
               <a:buNone/>
             </a:pPr>
-            <a:endParaRPr/>
           </a:p>
         </p:txBody>
       </p:sp>
@@ -12496,7 +12406,6 @@
               </a:spcAft>
               <a:buNone/>
             </a:pPr>
-            <a:endParaRPr/>
           </a:p>
         </p:txBody>
       </p:sp>
@@ -12536,7 +12445,6 @@
               </a:spcAft>
               <a:buNone/>
             </a:pPr>
-            <a:endParaRPr/>
           </a:p>
         </p:txBody>
       </p:sp>
@@ -12576,7 +12484,6 @@
               </a:spcAft>
               <a:buNone/>
             </a:pPr>
-            <a:endParaRPr/>
           </a:p>
         </p:txBody>
       </p:sp>
@@ -12616,7 +12523,6 @@
               </a:spcAft>
               <a:buNone/>
             </a:pPr>
-            <a:endParaRPr/>
           </a:p>
         </p:txBody>
       </p:sp>
@@ -12656,7 +12562,6 @@
               </a:spcAft>
               <a:buNone/>
             </a:pPr>
-            <a:endParaRPr/>
           </a:p>
         </p:txBody>
       </p:sp>
@@ -13759,7 +13664,6 @@
               </a:spcAft>
               <a:buNone/>
             </a:pPr>
-            <a:endParaRPr/>
           </a:p>
         </p:txBody>
       </p:sp>
@@ -13956,7 +13860,6 @@
                 </a:spcAft>
                 <a:buNone/>
               </a:pPr>
-              <a:endParaRPr/>
             </a:p>
           </p:txBody>
         </p:sp>
@@ -14410,7 +14313,6 @@
                 </a:spcAft>
                 <a:buNone/>
               </a:pPr>
-              <a:endParaRPr/>
             </a:p>
           </p:txBody>
         </p:sp>
@@ -14493,7 +14395,6 @@
                 </a:spcAft>
                 <a:buNone/>
               </a:pPr>
-              <a:endParaRPr/>
             </a:p>
           </p:txBody>
         </p:sp>
@@ -14561,7 +14462,6 @@
                 </a:spcAft>
                 <a:buNone/>
               </a:pPr>
-              <a:endParaRPr/>
             </a:p>
           </p:txBody>
         </p:sp>
@@ -14674,7 +14574,6 @@
                 </a:spcAft>
                 <a:buNone/>
               </a:pPr>
-              <a:endParaRPr/>
             </a:p>
           </p:txBody>
         </p:sp>
@@ -14738,7 +14637,6 @@
                 </a:spcAft>
                 <a:buNone/>
               </a:pPr>
-              <a:endParaRPr/>
             </a:p>
           </p:txBody>
         </p:sp>
@@ -14997,7 +14895,6 @@
                 </a:spcAft>
                 <a:buNone/>
               </a:pPr>
-              <a:endParaRPr/>
             </a:p>
           </p:txBody>
         </p:sp>
@@ -15061,7 +14958,6 @@
                 </a:spcAft>
                 <a:buNone/>
               </a:pPr>
-              <a:endParaRPr/>
             </a:p>
           </p:txBody>
         </p:sp>
@@ -15143,7 +15039,6 @@
                 </a:spcAft>
                 <a:buNone/>
               </a:pPr>
-              <a:endParaRPr/>
             </a:p>
           </p:txBody>
         </p:sp>
@@ -15201,7 +15096,6 @@
                 </a:spcAft>
                 <a:buNone/>
               </a:pPr>
-              <a:endParaRPr/>
             </a:p>
           </p:txBody>
         </p:sp>
@@ -15330,9 +15224,7 @@
               <a:defRPr/>
             </a:lvl9pPr>
           </a:lstStyle>
-          <a:p>
-            <a:endParaRPr/>
-          </a:p>
+          <a:p/>
         </p:txBody>
       </p:sp>
       <p:sp>
@@ -15459,9 +15351,7 @@
               <a:defRPr sz="1800"/>
             </a:lvl9pPr>
           </a:lstStyle>
-          <a:p>
-            <a:endParaRPr/>
-          </a:p>
+          <a:p/>
         </p:txBody>
       </p:sp>
       <p:sp>
@@ -15588,9 +15478,7 @@
               <a:defRPr sz="1800"/>
             </a:lvl9pPr>
           </a:lstStyle>
-          <a:p>
-            <a:endParaRPr/>
-          </a:p>
+          <a:p/>
         </p:txBody>
       </p:sp>
       <p:sp>
@@ -15665,10 +15553,9 @@
               <a:buNone/>
             </a:pPr>
             <a:fld id="{00000000-1234-1234-1234-123412341234}" type="slidenum">
-              <a:rPr lang="en"/>
-              <a:t>‹#›</a:t>
+              <a:rPr lang="en-GB"/>
             </a:fld>
-            <a:endParaRPr/>
+            <a:endParaRPr lang="en-GB"/>
           </a:p>
         </p:txBody>
       </p:sp>
@@ -15677,6 +15564,9 @@
   <p:clrMapOvr>
     <a:masterClrMapping/>
   </p:clrMapOvr>
+  <p:transition>
+    <p:fade thruBlk="1"/>
+  </p:transition>
 </p:sldLayout>
 </file>
 
@@ -15733,7 +15623,6 @@
               </a:spcAft>
               <a:buNone/>
             </a:pPr>
-            <a:endParaRPr/>
           </a:p>
         </p:txBody>
       </p:sp>
@@ -15773,7 +15662,6 @@
               </a:spcAft>
               <a:buNone/>
             </a:pPr>
-            <a:endParaRPr/>
           </a:p>
         </p:txBody>
       </p:sp>
@@ -15815,7 +15703,6 @@
               </a:spcAft>
               <a:buNone/>
             </a:pPr>
-            <a:endParaRPr/>
           </a:p>
         </p:txBody>
       </p:sp>
@@ -15855,7 +15742,6 @@
               </a:spcAft>
               <a:buNone/>
             </a:pPr>
-            <a:endParaRPr/>
           </a:p>
         </p:txBody>
       </p:sp>
@@ -15897,7 +15783,6 @@
               </a:spcAft>
               <a:buNone/>
             </a:pPr>
-            <a:endParaRPr/>
           </a:p>
         </p:txBody>
       </p:sp>
@@ -15937,7 +15822,6 @@
               </a:spcAft>
               <a:buNone/>
             </a:pPr>
-            <a:endParaRPr/>
           </a:p>
         </p:txBody>
       </p:sp>
@@ -15977,7 +15861,6 @@
               </a:spcAft>
               <a:buNone/>
             </a:pPr>
-            <a:endParaRPr/>
           </a:p>
         </p:txBody>
       </p:sp>
@@ -16017,7 +15900,6 @@
               </a:spcAft>
               <a:buNone/>
             </a:pPr>
-            <a:endParaRPr/>
           </a:p>
         </p:txBody>
       </p:sp>
@@ -16059,7 +15941,6 @@
               </a:spcAft>
               <a:buNone/>
             </a:pPr>
-            <a:endParaRPr/>
           </a:p>
         </p:txBody>
       </p:sp>
@@ -16099,7 +15980,6 @@
               </a:spcAft>
               <a:buNone/>
             </a:pPr>
-            <a:endParaRPr/>
           </a:p>
         </p:txBody>
       </p:sp>
@@ -16139,7 +16019,6 @@
               </a:spcAft>
               <a:buNone/>
             </a:pPr>
-            <a:endParaRPr/>
           </a:p>
         </p:txBody>
       </p:sp>
@@ -16179,7 +16058,6 @@
               </a:spcAft>
               <a:buNone/>
             </a:pPr>
-            <a:endParaRPr/>
           </a:p>
         </p:txBody>
       </p:sp>
@@ -16219,7 +16097,6 @@
               </a:spcAft>
               <a:buNone/>
             </a:pPr>
-            <a:endParaRPr/>
           </a:p>
         </p:txBody>
       </p:sp>
@@ -17322,7 +17199,6 @@
               </a:spcAft>
               <a:buNone/>
             </a:pPr>
-            <a:endParaRPr/>
           </a:p>
         </p:txBody>
       </p:sp>
@@ -17519,7 +17395,6 @@
                 </a:spcAft>
                 <a:buNone/>
               </a:pPr>
-              <a:endParaRPr/>
             </a:p>
           </p:txBody>
         </p:sp>
@@ -17973,7 +17848,6 @@
                 </a:spcAft>
                 <a:buNone/>
               </a:pPr>
-              <a:endParaRPr/>
             </a:p>
           </p:txBody>
         </p:sp>
@@ -18056,7 +17930,6 @@
                 </a:spcAft>
                 <a:buNone/>
               </a:pPr>
-              <a:endParaRPr/>
             </a:p>
           </p:txBody>
         </p:sp>
@@ -18124,7 +17997,6 @@
                 </a:spcAft>
                 <a:buNone/>
               </a:pPr>
-              <a:endParaRPr/>
             </a:p>
           </p:txBody>
         </p:sp>
@@ -18237,7 +18109,6 @@
                 </a:spcAft>
                 <a:buNone/>
               </a:pPr>
-              <a:endParaRPr/>
             </a:p>
           </p:txBody>
         </p:sp>
@@ -18301,7 +18172,6 @@
                 </a:spcAft>
                 <a:buNone/>
               </a:pPr>
-              <a:endParaRPr/>
             </a:p>
           </p:txBody>
         </p:sp>
@@ -18560,7 +18430,6 @@
                 </a:spcAft>
                 <a:buNone/>
               </a:pPr>
-              <a:endParaRPr/>
             </a:p>
           </p:txBody>
         </p:sp>
@@ -18624,7 +18493,6 @@
                 </a:spcAft>
                 <a:buNone/>
               </a:pPr>
-              <a:endParaRPr/>
             </a:p>
           </p:txBody>
         </p:sp>
@@ -18706,7 +18574,6 @@
                 </a:spcAft>
                 <a:buNone/>
               </a:pPr>
-              <a:endParaRPr/>
             </a:p>
           </p:txBody>
         </p:sp>
@@ -18764,7 +18631,6 @@
                 </a:spcAft>
                 <a:buNone/>
               </a:pPr>
-              <a:endParaRPr/>
             </a:p>
           </p:txBody>
         </p:sp>
@@ -18893,9 +18759,7 @@
               <a:defRPr/>
             </a:lvl9pPr>
           </a:lstStyle>
-          <a:p>
-            <a:endParaRPr/>
-          </a:p>
+          <a:p/>
         </p:txBody>
       </p:sp>
       <p:sp>
@@ -19022,9 +18886,7 @@
               <a:defRPr sz="1300"/>
             </a:lvl9pPr>
           </a:lstStyle>
-          <a:p>
-            <a:endParaRPr/>
-          </a:p>
+          <a:p/>
         </p:txBody>
       </p:sp>
       <p:sp>
@@ -19151,9 +19013,7 @@
               <a:defRPr sz="1300"/>
             </a:lvl9pPr>
           </a:lstStyle>
-          <a:p>
-            <a:endParaRPr/>
-          </a:p>
+          <a:p/>
         </p:txBody>
       </p:sp>
       <p:sp>
@@ -19280,9 +19140,7 @@
               <a:defRPr sz="1300"/>
             </a:lvl9pPr>
           </a:lstStyle>
-          <a:p>
-            <a:endParaRPr/>
-          </a:p>
+          <a:p/>
         </p:txBody>
       </p:sp>
       <p:sp>
@@ -19357,10 +19215,9 @@
               <a:buNone/>
             </a:pPr>
             <a:fld id="{00000000-1234-1234-1234-123412341234}" type="slidenum">
-              <a:rPr lang="en"/>
-              <a:t>‹#›</a:t>
+              <a:rPr lang="en-GB"/>
             </a:fld>
-            <a:endParaRPr/>
+            <a:endParaRPr lang="en-GB"/>
           </a:p>
         </p:txBody>
       </p:sp>
@@ -19369,11 +19226,14 @@
   <p:clrMapOvr>
     <a:masterClrMapping/>
   </p:clrMapOvr>
+  <p:transition>
+    <p:fade thruBlk="1"/>
+  </p:transition>
 </p:sldLayout>
 </file>
 
 <file path=ppt/slideLayouts/slideLayout6.xml><?xml version="1.0" encoding="utf-8"?>
-<p:sldLayout xmlns:a="http://schemas.openxmlformats.org/drawingml/2006/main" xmlns:r="http://schemas.openxmlformats.org/officeDocument/2006/relationships" xmlns:p="http://schemas.openxmlformats.org/presentationml/2006/main" matchingName="Title only" type="titleOnly">
+<p:sldLayout xmlns:a="http://schemas.openxmlformats.org/drawingml/2006/main" xmlns:r="http://schemas.openxmlformats.org/officeDocument/2006/relationships" xmlns:p="http://schemas.openxmlformats.org/presentationml/2006/main" type="titleOnly" matchingName="Title only">
   <p:cSld name="TITLE_ONLY">
     <p:spTree>
       <p:nvGrpSpPr>
@@ -19425,7 +19285,6 @@
               </a:spcAft>
               <a:buNone/>
             </a:pPr>
-            <a:endParaRPr/>
           </a:p>
         </p:txBody>
       </p:sp>
@@ -19465,7 +19324,6 @@
               </a:spcAft>
               <a:buNone/>
             </a:pPr>
-            <a:endParaRPr/>
           </a:p>
         </p:txBody>
       </p:sp>
@@ -19507,7 +19365,6 @@
               </a:spcAft>
               <a:buNone/>
             </a:pPr>
-            <a:endParaRPr/>
           </a:p>
         </p:txBody>
       </p:sp>
@@ -19547,7 +19404,6 @@
               </a:spcAft>
               <a:buNone/>
             </a:pPr>
-            <a:endParaRPr/>
           </a:p>
         </p:txBody>
       </p:sp>
@@ -19589,7 +19445,6 @@
               </a:spcAft>
               <a:buNone/>
             </a:pPr>
-            <a:endParaRPr/>
           </a:p>
         </p:txBody>
       </p:sp>
@@ -19629,7 +19484,6 @@
               </a:spcAft>
               <a:buNone/>
             </a:pPr>
-            <a:endParaRPr/>
           </a:p>
         </p:txBody>
       </p:sp>
@@ -19669,7 +19523,6 @@
               </a:spcAft>
               <a:buNone/>
             </a:pPr>
-            <a:endParaRPr/>
           </a:p>
         </p:txBody>
       </p:sp>
@@ -19709,7 +19562,6 @@
               </a:spcAft>
               <a:buNone/>
             </a:pPr>
-            <a:endParaRPr/>
           </a:p>
         </p:txBody>
       </p:sp>
@@ -19751,7 +19603,6 @@
               </a:spcAft>
               <a:buNone/>
             </a:pPr>
-            <a:endParaRPr/>
           </a:p>
         </p:txBody>
       </p:sp>
@@ -19791,7 +19642,6 @@
               </a:spcAft>
               <a:buNone/>
             </a:pPr>
-            <a:endParaRPr/>
           </a:p>
         </p:txBody>
       </p:sp>
@@ -19831,7 +19681,6 @@
               </a:spcAft>
               <a:buNone/>
             </a:pPr>
-            <a:endParaRPr/>
           </a:p>
         </p:txBody>
       </p:sp>
@@ -19871,7 +19720,6 @@
               </a:spcAft>
               <a:buNone/>
             </a:pPr>
-            <a:endParaRPr/>
           </a:p>
         </p:txBody>
       </p:sp>
@@ -19911,7 +19759,6 @@
               </a:spcAft>
               <a:buNone/>
             </a:pPr>
-            <a:endParaRPr/>
           </a:p>
         </p:txBody>
       </p:sp>
@@ -21014,7 +20861,6 @@
               </a:spcAft>
               <a:buNone/>
             </a:pPr>
-            <a:endParaRPr/>
           </a:p>
         </p:txBody>
       </p:sp>
@@ -21211,7 +21057,6 @@
                 </a:spcAft>
                 <a:buNone/>
               </a:pPr>
-              <a:endParaRPr/>
             </a:p>
           </p:txBody>
         </p:sp>
@@ -21665,7 +21510,6 @@
                 </a:spcAft>
                 <a:buNone/>
               </a:pPr>
-              <a:endParaRPr/>
             </a:p>
           </p:txBody>
         </p:sp>
@@ -21748,7 +21592,6 @@
                 </a:spcAft>
                 <a:buNone/>
               </a:pPr>
-              <a:endParaRPr/>
             </a:p>
           </p:txBody>
         </p:sp>
@@ -21816,7 +21659,6 @@
                 </a:spcAft>
                 <a:buNone/>
               </a:pPr>
-              <a:endParaRPr/>
             </a:p>
           </p:txBody>
         </p:sp>
@@ -21929,7 +21771,6 @@
                 </a:spcAft>
                 <a:buNone/>
               </a:pPr>
-              <a:endParaRPr/>
             </a:p>
           </p:txBody>
         </p:sp>
@@ -21993,7 +21834,6 @@
                 </a:spcAft>
                 <a:buNone/>
               </a:pPr>
-              <a:endParaRPr/>
             </a:p>
           </p:txBody>
         </p:sp>
@@ -22252,7 +22092,6 @@
                 </a:spcAft>
                 <a:buNone/>
               </a:pPr>
-              <a:endParaRPr/>
             </a:p>
           </p:txBody>
         </p:sp>
@@ -22316,7 +22155,6 @@
                 </a:spcAft>
                 <a:buNone/>
               </a:pPr>
-              <a:endParaRPr/>
             </a:p>
           </p:txBody>
         </p:sp>
@@ -22398,7 +22236,6 @@
                 </a:spcAft>
                 <a:buNone/>
               </a:pPr>
-              <a:endParaRPr/>
             </a:p>
           </p:txBody>
         </p:sp>
@@ -22456,7 +22293,6 @@
                 </a:spcAft>
                 <a:buNone/>
               </a:pPr>
-              <a:endParaRPr/>
             </a:p>
           </p:txBody>
         </p:sp>
@@ -22585,9 +22421,7 @@
               <a:defRPr/>
             </a:lvl9pPr>
           </a:lstStyle>
-          <a:p>
-            <a:endParaRPr/>
-          </a:p>
+          <a:p/>
         </p:txBody>
       </p:sp>
       <p:sp>
@@ -22662,10 +22496,9 @@
               <a:buNone/>
             </a:pPr>
             <a:fld id="{00000000-1234-1234-1234-123412341234}" type="slidenum">
-              <a:rPr lang="en"/>
-              <a:t>‹#›</a:t>
+              <a:rPr lang="en-GB"/>
             </a:fld>
-            <a:endParaRPr/>
+            <a:endParaRPr lang="en-GB"/>
           </a:p>
         </p:txBody>
       </p:sp>
@@ -22674,6 +22507,9 @@
   <p:clrMapOvr>
     <a:masterClrMapping/>
   </p:clrMapOvr>
+  <p:transition>
+    <p:fade thruBlk="1"/>
+  </p:transition>
 </p:sldLayout>
 </file>
 
@@ -22732,7 +22568,6 @@
               </a:spcAft>
               <a:buNone/>
             </a:pPr>
-            <a:endParaRPr/>
           </a:p>
         </p:txBody>
       </p:sp>
@@ -22772,7 +22607,6 @@
               </a:spcAft>
               <a:buNone/>
             </a:pPr>
-            <a:endParaRPr/>
           </a:p>
         </p:txBody>
       </p:sp>
@@ -22814,7 +22648,6 @@
               </a:spcAft>
               <a:buNone/>
             </a:pPr>
-            <a:endParaRPr/>
           </a:p>
         </p:txBody>
       </p:sp>
@@ -22854,7 +22687,6 @@
               </a:spcAft>
               <a:buNone/>
             </a:pPr>
-            <a:endParaRPr/>
           </a:p>
         </p:txBody>
       </p:sp>
@@ -22894,7 +22726,6 @@
               </a:spcAft>
               <a:buNone/>
             </a:pPr>
-            <a:endParaRPr/>
           </a:p>
         </p:txBody>
       </p:sp>
@@ -22934,7 +22765,6 @@
               </a:spcAft>
               <a:buNone/>
             </a:pPr>
-            <a:endParaRPr/>
           </a:p>
         </p:txBody>
       </p:sp>
@@ -22974,7 +22804,6 @@
               </a:spcAft>
               <a:buNone/>
             </a:pPr>
-            <a:endParaRPr/>
           </a:p>
         </p:txBody>
       </p:sp>
@@ -23014,7 +22843,6 @@
               </a:spcAft>
               <a:buNone/>
             </a:pPr>
-            <a:endParaRPr/>
           </a:p>
         </p:txBody>
       </p:sp>
@@ -23056,7 +22884,6 @@
               </a:spcAft>
               <a:buNone/>
             </a:pPr>
-            <a:endParaRPr/>
           </a:p>
         </p:txBody>
       </p:sp>
@@ -23096,7 +22923,6 @@
               </a:spcAft>
               <a:buNone/>
             </a:pPr>
-            <a:endParaRPr/>
           </a:p>
         </p:txBody>
       </p:sp>
@@ -23136,7 +22962,6 @@
               </a:spcAft>
               <a:buNone/>
             </a:pPr>
-            <a:endParaRPr/>
           </a:p>
         </p:txBody>
       </p:sp>
@@ -23176,7 +23001,6 @@
               </a:spcAft>
               <a:buNone/>
             </a:pPr>
-            <a:endParaRPr/>
           </a:p>
         </p:txBody>
       </p:sp>
@@ -23216,7 +23040,6 @@
               </a:spcAft>
               <a:buNone/>
             </a:pPr>
-            <a:endParaRPr/>
           </a:p>
         </p:txBody>
       </p:sp>
@@ -24319,7 +24142,6 @@
               </a:spcAft>
               <a:buNone/>
             </a:pPr>
-            <a:endParaRPr/>
           </a:p>
         </p:txBody>
       </p:sp>
@@ -24516,7 +24338,6 @@
                 </a:spcAft>
                 <a:buNone/>
               </a:pPr>
-              <a:endParaRPr/>
             </a:p>
           </p:txBody>
         </p:sp>
@@ -24970,7 +24791,6 @@
                 </a:spcAft>
                 <a:buNone/>
               </a:pPr>
-              <a:endParaRPr/>
             </a:p>
           </p:txBody>
         </p:sp>
@@ -25053,7 +24873,6 @@
                 </a:spcAft>
                 <a:buNone/>
               </a:pPr>
-              <a:endParaRPr/>
             </a:p>
           </p:txBody>
         </p:sp>
@@ -25121,7 +24940,6 @@
                 </a:spcAft>
                 <a:buNone/>
               </a:pPr>
-              <a:endParaRPr/>
             </a:p>
           </p:txBody>
         </p:sp>
@@ -25234,7 +25052,6 @@
                 </a:spcAft>
                 <a:buNone/>
               </a:pPr>
-              <a:endParaRPr/>
             </a:p>
           </p:txBody>
         </p:sp>
@@ -25298,7 +25115,6 @@
                 </a:spcAft>
                 <a:buNone/>
               </a:pPr>
-              <a:endParaRPr/>
             </a:p>
           </p:txBody>
         </p:sp>
@@ -25557,7 +25373,6 @@
                 </a:spcAft>
                 <a:buNone/>
               </a:pPr>
-              <a:endParaRPr/>
             </a:p>
           </p:txBody>
         </p:sp>
@@ -25621,7 +25436,6 @@
                 </a:spcAft>
                 <a:buNone/>
               </a:pPr>
-              <a:endParaRPr/>
             </a:p>
           </p:txBody>
         </p:sp>
@@ -25703,7 +25517,6 @@
                 </a:spcAft>
                 <a:buNone/>
               </a:pPr>
-              <a:endParaRPr/>
             </a:p>
           </p:txBody>
         </p:sp>
@@ -25761,7 +25574,6 @@
                 </a:spcAft>
                 <a:buNone/>
               </a:pPr>
-              <a:endParaRPr/>
             </a:p>
           </p:txBody>
         </p:sp>
@@ -25838,10 +25650,9 @@
               <a:buNone/>
             </a:pPr>
             <a:fld id="{00000000-1234-1234-1234-123412341234}" type="slidenum">
-              <a:rPr lang="en"/>
-              <a:t>‹#›</a:t>
+              <a:rPr lang="en-GB"/>
             </a:fld>
-            <a:endParaRPr/>
+            <a:endParaRPr lang="en-GB"/>
           </a:p>
         </p:txBody>
       </p:sp>
@@ -25850,6 +25661,9 @@
   <p:clrMapOvr>
     <a:masterClrMapping/>
   </p:clrMapOvr>
+  <p:transition>
+    <p:fade thruBlk="1"/>
+  </p:transition>
 </p:sldLayout>
 </file>
 
@@ -25906,7 +25720,6 @@
               </a:spcAft>
               <a:buNone/>
             </a:pPr>
-            <a:endParaRPr/>
           </a:p>
         </p:txBody>
       </p:sp>
@@ -25946,7 +25759,6 @@
               </a:spcAft>
               <a:buNone/>
             </a:pPr>
-            <a:endParaRPr/>
           </a:p>
         </p:txBody>
       </p:sp>
@@ -25988,7 +25800,6 @@
               </a:spcAft>
               <a:buNone/>
             </a:pPr>
-            <a:endParaRPr/>
           </a:p>
         </p:txBody>
       </p:sp>
@@ -26028,7 +25839,6 @@
               </a:spcAft>
               <a:buNone/>
             </a:pPr>
-            <a:endParaRPr/>
           </a:p>
         </p:txBody>
       </p:sp>
@@ -26068,7 +25878,6 @@
               </a:spcAft>
               <a:buNone/>
             </a:pPr>
-            <a:endParaRPr/>
           </a:p>
         </p:txBody>
       </p:sp>
@@ -26108,7 +25917,6 @@
               </a:spcAft>
               <a:buNone/>
             </a:pPr>
-            <a:endParaRPr/>
           </a:p>
         </p:txBody>
       </p:sp>
@@ -26148,7 +25956,6 @@
               </a:spcAft>
               <a:buNone/>
             </a:pPr>
-            <a:endParaRPr/>
           </a:p>
         </p:txBody>
       </p:sp>
@@ -26188,7 +25995,6 @@
               </a:spcAft>
               <a:buNone/>
             </a:pPr>
-            <a:endParaRPr/>
           </a:p>
         </p:txBody>
       </p:sp>
@@ -26230,7 +26036,6 @@
               </a:spcAft>
               <a:buNone/>
             </a:pPr>
-            <a:endParaRPr/>
           </a:p>
         </p:txBody>
       </p:sp>
@@ -26270,7 +26075,6 @@
               </a:spcAft>
               <a:buNone/>
             </a:pPr>
-            <a:endParaRPr/>
           </a:p>
         </p:txBody>
       </p:sp>
@@ -26310,7 +26114,6 @@
               </a:spcAft>
               <a:buNone/>
             </a:pPr>
-            <a:endParaRPr/>
           </a:p>
         </p:txBody>
       </p:sp>
@@ -26350,7 +26153,6 @@
               </a:spcAft>
               <a:buNone/>
             </a:pPr>
-            <a:endParaRPr/>
           </a:p>
         </p:txBody>
       </p:sp>
@@ -26390,7 +26192,6 @@
               </a:spcAft>
               <a:buNone/>
             </a:pPr>
-            <a:endParaRPr/>
           </a:p>
         </p:txBody>
       </p:sp>
@@ -27493,7 +27294,6 @@
               </a:spcAft>
               <a:buNone/>
             </a:pPr>
-            <a:endParaRPr/>
           </a:p>
         </p:txBody>
       </p:sp>
@@ -27690,7 +27490,6 @@
                 </a:spcAft>
                 <a:buNone/>
               </a:pPr>
-              <a:endParaRPr/>
             </a:p>
           </p:txBody>
         </p:sp>
@@ -28144,7 +27943,6 @@
                 </a:spcAft>
                 <a:buNone/>
               </a:pPr>
-              <a:endParaRPr/>
             </a:p>
           </p:txBody>
         </p:sp>
@@ -28227,7 +28025,6 @@
                 </a:spcAft>
                 <a:buNone/>
               </a:pPr>
-              <a:endParaRPr/>
             </a:p>
           </p:txBody>
         </p:sp>
@@ -28295,7 +28092,6 @@
                 </a:spcAft>
                 <a:buNone/>
               </a:pPr>
-              <a:endParaRPr/>
             </a:p>
           </p:txBody>
         </p:sp>
@@ -28408,7 +28204,6 @@
                 </a:spcAft>
                 <a:buNone/>
               </a:pPr>
-              <a:endParaRPr/>
             </a:p>
           </p:txBody>
         </p:sp>
@@ -28472,7 +28267,6 @@
                 </a:spcAft>
                 <a:buNone/>
               </a:pPr>
-              <a:endParaRPr/>
             </a:p>
           </p:txBody>
         </p:sp>
@@ -28731,7 +28525,6 @@
                 </a:spcAft>
                 <a:buNone/>
               </a:pPr>
-              <a:endParaRPr/>
             </a:p>
           </p:txBody>
         </p:sp>
@@ -28795,7 +28588,6 @@
                 </a:spcAft>
                 <a:buNone/>
               </a:pPr>
-              <a:endParaRPr/>
             </a:p>
           </p:txBody>
         </p:sp>
@@ -28877,7 +28669,6 @@
                 </a:spcAft>
                 <a:buNone/>
               </a:pPr>
-              <a:endParaRPr/>
             </a:p>
           </p:txBody>
         </p:sp>
@@ -28935,7 +28726,6 @@
                 </a:spcAft>
                 <a:buNone/>
               </a:pPr>
-              <a:endParaRPr/>
             </a:p>
           </p:txBody>
         </p:sp>
@@ -29048,10 +28838,9 @@
               <a:buNone/>
             </a:pPr>
             <a:fld id="{00000000-1234-1234-1234-123412341234}" type="slidenum">
-              <a:rPr lang="en"/>
-              <a:t>‹#›</a:t>
+              <a:rPr lang="en-GB"/>
             </a:fld>
-            <a:endParaRPr/>
+            <a:endParaRPr lang="en-GB"/>
           </a:p>
         </p:txBody>
       </p:sp>
@@ -29060,6 +28849,9 @@
   <p:clrMapOvr>
     <a:masterClrMapping/>
   </p:clrMapOvr>
+  <p:transition>
+    <p:fade thruBlk="1"/>
+  </p:transition>
 </p:sldLayout>
 </file>
 
@@ -29116,7 +28908,6 @@
               </a:spcAft>
               <a:buNone/>
             </a:pPr>
-            <a:endParaRPr/>
           </a:p>
         </p:txBody>
       </p:sp>
@@ -29156,7 +28947,6 @@
               </a:spcAft>
               <a:buNone/>
             </a:pPr>
-            <a:endParaRPr/>
           </a:p>
         </p:txBody>
       </p:sp>
@@ -29196,7 +28986,6 @@
               </a:spcAft>
               <a:buNone/>
             </a:pPr>
-            <a:endParaRPr/>
           </a:p>
         </p:txBody>
       </p:sp>
@@ -29236,7 +29025,6 @@
               </a:spcAft>
               <a:buNone/>
             </a:pPr>
-            <a:endParaRPr/>
           </a:p>
         </p:txBody>
       </p:sp>
@@ -29276,7 +29064,6 @@
               </a:spcAft>
               <a:buNone/>
             </a:pPr>
-            <a:endParaRPr/>
           </a:p>
         </p:txBody>
       </p:sp>
@@ -29316,7 +29103,6 @@
               </a:spcAft>
               <a:buNone/>
             </a:pPr>
-            <a:endParaRPr/>
           </a:p>
         </p:txBody>
       </p:sp>
@@ -29356,7 +29142,6 @@
               </a:spcAft>
               <a:buNone/>
             </a:pPr>
-            <a:endParaRPr/>
           </a:p>
         </p:txBody>
       </p:sp>
@@ -29396,7 +29181,6 @@
               </a:spcAft>
               <a:buNone/>
             </a:pPr>
-            <a:endParaRPr/>
           </a:p>
         </p:txBody>
       </p:sp>
@@ -29436,7 +29220,6 @@
               </a:spcAft>
               <a:buNone/>
             </a:pPr>
-            <a:endParaRPr/>
           </a:p>
         </p:txBody>
       </p:sp>
@@ -29476,7 +29259,6 @@
               </a:spcAft>
               <a:buNone/>
             </a:pPr>
-            <a:endParaRPr/>
           </a:p>
         </p:txBody>
       </p:sp>
@@ -29516,7 +29298,6 @@
               </a:spcAft>
               <a:buNone/>
             </a:pPr>
-            <a:endParaRPr/>
           </a:p>
         </p:txBody>
       </p:sp>
@@ -29556,7 +29337,6 @@
               </a:spcAft>
               <a:buNone/>
             </a:pPr>
-            <a:endParaRPr/>
           </a:p>
         </p:txBody>
       </p:sp>
@@ -30659,7 +30439,6 @@
               </a:spcAft>
               <a:buNone/>
             </a:pPr>
-            <a:endParaRPr/>
           </a:p>
         </p:txBody>
       </p:sp>
@@ -30856,7 +30635,6 @@
                 </a:spcAft>
                 <a:buNone/>
               </a:pPr>
-              <a:endParaRPr/>
             </a:p>
           </p:txBody>
         </p:sp>
@@ -31310,7 +31088,6 @@
                 </a:spcAft>
                 <a:buNone/>
               </a:pPr>
-              <a:endParaRPr/>
             </a:p>
           </p:txBody>
         </p:sp>
@@ -31393,7 +31170,6 @@
                 </a:spcAft>
                 <a:buNone/>
               </a:pPr>
-              <a:endParaRPr/>
             </a:p>
           </p:txBody>
         </p:sp>
@@ -31461,7 +31237,6 @@
                 </a:spcAft>
                 <a:buNone/>
               </a:pPr>
-              <a:endParaRPr/>
             </a:p>
           </p:txBody>
         </p:sp>
@@ -31574,7 +31349,6 @@
                 </a:spcAft>
                 <a:buNone/>
               </a:pPr>
-              <a:endParaRPr/>
             </a:p>
           </p:txBody>
         </p:sp>
@@ -31638,7 +31412,6 @@
                 </a:spcAft>
                 <a:buNone/>
               </a:pPr>
-              <a:endParaRPr/>
             </a:p>
           </p:txBody>
         </p:sp>
@@ -31897,7 +31670,6 @@
                 </a:spcAft>
                 <a:buNone/>
               </a:pPr>
-              <a:endParaRPr/>
             </a:p>
           </p:txBody>
         </p:sp>
@@ -31961,7 +31733,6 @@
                 </a:spcAft>
                 <a:buNone/>
               </a:pPr>
-              <a:endParaRPr/>
             </a:p>
           </p:txBody>
         </p:sp>
@@ -32043,7 +31814,6 @@
                 </a:spcAft>
                 <a:buNone/>
               </a:pPr>
-              <a:endParaRPr/>
             </a:p>
           </p:txBody>
         </p:sp>
@@ -32101,7 +31871,6 @@
                 </a:spcAft>
                 <a:buNone/>
               </a:pPr>
-              <a:endParaRPr/>
             </a:p>
           </p:txBody>
         </p:sp>
@@ -32142,7 +31911,6 @@
               </a:spcAft>
               <a:buNone/>
             </a:pPr>
-            <a:endParaRPr/>
           </a:p>
         </p:txBody>
       </p:sp>
@@ -32254,10 +32022,9 @@
               <a:buNone/>
             </a:pPr>
             <a:fld id="{00000000-1234-1234-1234-123412341234}" type="slidenum">
-              <a:rPr lang="en"/>
-              <a:t>‹#›</a:t>
+              <a:rPr lang="en-GB"/>
             </a:fld>
-            <a:endParaRPr/>
+            <a:endParaRPr lang="en-GB"/>
           </a:p>
         </p:txBody>
       </p:sp>
@@ -32266,12 +32033,15 @@
   <p:clrMapOvr>
     <a:masterClrMapping/>
   </p:clrMapOvr>
+  <p:transition>
+    <p:fade thruBlk="1"/>
+  </p:transition>
 </p:sldLayout>
 </file>
 
 <file path=ppt/slideMasters/slideMaster1.xml><?xml version="1.0" encoding="utf-8"?>
 <p:sldMaster xmlns:a="http://schemas.openxmlformats.org/drawingml/2006/main" xmlns:r="http://schemas.openxmlformats.org/officeDocument/2006/relationships" xmlns:p="http://schemas.openxmlformats.org/presentationml/2006/main">
-  <p:cSld name="simple-light">
+  <p:cSld>
     <p:bg>
       <p:bgPr>
         <a:solidFill>
@@ -32333,16 +32103,16 @@
                 <a:schemeClr val="dk2"/>
               </a:buClr>
               <a:buSzPts val="2000"/>
-              <a:buFont typeface="Lato Light"/>
+              <a:buFont typeface="Lato Light" panose="020F0502020204030203"/>
               <a:buChar char="○"/>
               <a:defRPr sz="2000">
                 <a:solidFill>
                   <a:schemeClr val="dk1"/>
                 </a:solidFill>
-                <a:latin typeface="Lato Light"/>
-                <a:ea typeface="Lato Light"/>
-                <a:cs typeface="Lato Light"/>
-                <a:sym typeface="Lato Light"/>
+                <a:latin typeface="Lato Light" panose="020F0502020204030203"/>
+                <a:ea typeface="Lato Light" panose="020F0502020204030203"/>
+                <a:cs typeface="Lato Light" panose="020F0502020204030203"/>
+                <a:sym typeface="Lato Light" panose="020F0502020204030203"/>
               </a:defRPr>
             </a:lvl1pPr>
             <a:lvl2pPr marL="914400" lvl="1" indent="-355600">
@@ -32356,16 +32126,16 @@
                 <a:schemeClr val="dk2"/>
               </a:buClr>
               <a:buSzPts val="2000"/>
-              <a:buFont typeface="Lato Light"/>
+              <a:buFont typeface="Lato Light" panose="020F0502020204030203"/>
               <a:buChar char="◦"/>
               <a:defRPr sz="2000">
                 <a:solidFill>
                   <a:schemeClr val="dk1"/>
                 </a:solidFill>
-                <a:latin typeface="Lato Light"/>
-                <a:ea typeface="Lato Light"/>
-                <a:cs typeface="Lato Light"/>
-                <a:sym typeface="Lato Light"/>
+                <a:latin typeface="Lato Light" panose="020F0502020204030203"/>
+                <a:ea typeface="Lato Light" panose="020F0502020204030203"/>
+                <a:cs typeface="Lato Light" panose="020F0502020204030203"/>
+                <a:sym typeface="Lato Light" panose="020F0502020204030203"/>
               </a:defRPr>
             </a:lvl2pPr>
             <a:lvl3pPr marL="1371600" lvl="2" indent="-355600">
@@ -32379,16 +32149,16 @@
                 <a:schemeClr val="dk2"/>
               </a:buClr>
               <a:buSzPts val="2000"/>
-              <a:buFont typeface="Lato Light"/>
+              <a:buFont typeface="Lato Light" panose="020F0502020204030203"/>
               <a:buChar char="◦"/>
               <a:defRPr sz="2000">
                 <a:solidFill>
                   <a:schemeClr val="dk1"/>
                 </a:solidFill>
-                <a:latin typeface="Lato Light"/>
-                <a:ea typeface="Lato Light"/>
-                <a:cs typeface="Lato Light"/>
-                <a:sym typeface="Lato Light"/>
+                <a:latin typeface="Lato Light" panose="020F0502020204030203"/>
+                <a:ea typeface="Lato Light" panose="020F0502020204030203"/>
+                <a:cs typeface="Lato Light" panose="020F0502020204030203"/>
+                <a:sym typeface="Lato Light" panose="020F0502020204030203"/>
               </a:defRPr>
             </a:lvl3pPr>
             <a:lvl4pPr marL="1828800" lvl="3" indent="-355600">
@@ -32402,16 +32172,16 @@
                 <a:schemeClr val="dk1"/>
               </a:buClr>
               <a:buSzPts val="2000"/>
-              <a:buFont typeface="Lato Light"/>
+              <a:buFont typeface="Lato Light" panose="020F0502020204030203"/>
               <a:buChar char="◦"/>
               <a:defRPr sz="2000">
                 <a:solidFill>
                   <a:schemeClr val="dk1"/>
                 </a:solidFill>
-                <a:latin typeface="Lato Light"/>
-                <a:ea typeface="Lato Light"/>
-                <a:cs typeface="Lato Light"/>
-                <a:sym typeface="Lato Light"/>
+                <a:latin typeface="Lato Light" panose="020F0502020204030203"/>
+                <a:ea typeface="Lato Light" panose="020F0502020204030203"/>
+                <a:cs typeface="Lato Light" panose="020F0502020204030203"/>
+                <a:sym typeface="Lato Light" panose="020F0502020204030203"/>
               </a:defRPr>
             </a:lvl4pPr>
             <a:lvl5pPr marL="2286000" lvl="4" indent="-355600">
@@ -32425,16 +32195,16 @@
                 <a:schemeClr val="dk1"/>
               </a:buClr>
               <a:buSzPts val="2000"/>
-              <a:buFont typeface="Lato Light"/>
+              <a:buFont typeface="Lato Light" panose="020F0502020204030203"/>
               <a:buChar char="◦"/>
               <a:defRPr sz="2000">
                 <a:solidFill>
                   <a:schemeClr val="dk1"/>
                 </a:solidFill>
-                <a:latin typeface="Lato Light"/>
-                <a:ea typeface="Lato Light"/>
-                <a:cs typeface="Lato Light"/>
-                <a:sym typeface="Lato Light"/>
+                <a:latin typeface="Lato Light" panose="020F0502020204030203"/>
+                <a:ea typeface="Lato Light" panose="020F0502020204030203"/>
+                <a:cs typeface="Lato Light" panose="020F0502020204030203"/>
+                <a:sym typeface="Lato Light" panose="020F0502020204030203"/>
               </a:defRPr>
             </a:lvl5pPr>
             <a:lvl6pPr marL="2743200" lvl="5" indent="-355600">
@@ -32448,16 +32218,16 @@
                 <a:schemeClr val="dk1"/>
               </a:buClr>
               <a:buSzPts val="2000"/>
-              <a:buFont typeface="Lato Light"/>
+              <a:buFont typeface="Lato Light" panose="020F0502020204030203"/>
               <a:buChar char="◦"/>
               <a:defRPr sz="2000">
                 <a:solidFill>
                   <a:schemeClr val="dk1"/>
                 </a:solidFill>
-                <a:latin typeface="Lato Light"/>
-                <a:ea typeface="Lato Light"/>
-                <a:cs typeface="Lato Light"/>
-                <a:sym typeface="Lato Light"/>
+                <a:latin typeface="Lato Light" panose="020F0502020204030203"/>
+                <a:ea typeface="Lato Light" panose="020F0502020204030203"/>
+                <a:cs typeface="Lato Light" panose="020F0502020204030203"/>
+                <a:sym typeface="Lato Light" panose="020F0502020204030203"/>
               </a:defRPr>
             </a:lvl6pPr>
             <a:lvl7pPr marL="3200400" lvl="6" indent="-355600">
@@ -32471,16 +32241,16 @@
                 <a:schemeClr val="dk1"/>
               </a:buClr>
               <a:buSzPts val="2000"/>
-              <a:buFont typeface="Lato Light"/>
+              <a:buFont typeface="Lato Light" panose="020F0502020204030203"/>
               <a:buChar char="◦"/>
               <a:defRPr sz="2000">
                 <a:solidFill>
                   <a:schemeClr val="dk1"/>
                 </a:solidFill>
-                <a:latin typeface="Lato Light"/>
-                <a:ea typeface="Lato Light"/>
-                <a:cs typeface="Lato Light"/>
-                <a:sym typeface="Lato Light"/>
+                <a:latin typeface="Lato Light" panose="020F0502020204030203"/>
+                <a:ea typeface="Lato Light" panose="020F0502020204030203"/>
+                <a:cs typeface="Lato Light" panose="020F0502020204030203"/>
+                <a:sym typeface="Lato Light" panose="020F0502020204030203"/>
               </a:defRPr>
             </a:lvl7pPr>
             <a:lvl8pPr marL="3657600" lvl="7" indent="-355600">
@@ -32494,16 +32264,16 @@
                 <a:schemeClr val="dk1"/>
               </a:buClr>
               <a:buSzPts val="2000"/>
-              <a:buFont typeface="Lato Light"/>
+              <a:buFont typeface="Lato Light" panose="020F0502020204030203"/>
               <a:buChar char="◦"/>
               <a:defRPr sz="2000">
                 <a:solidFill>
                   <a:schemeClr val="dk1"/>
                 </a:solidFill>
-                <a:latin typeface="Lato Light"/>
-                <a:ea typeface="Lato Light"/>
-                <a:cs typeface="Lato Light"/>
-                <a:sym typeface="Lato Light"/>
+                <a:latin typeface="Lato Light" panose="020F0502020204030203"/>
+                <a:ea typeface="Lato Light" panose="020F0502020204030203"/>
+                <a:cs typeface="Lato Light" panose="020F0502020204030203"/>
+                <a:sym typeface="Lato Light" panose="020F0502020204030203"/>
               </a:defRPr>
             </a:lvl8pPr>
             <a:lvl9pPr marL="4114800" lvl="8" indent="-355600">
@@ -32517,22 +32287,20 @@
                 <a:schemeClr val="dk1"/>
               </a:buClr>
               <a:buSzPts val="2000"/>
-              <a:buFont typeface="Lato Light"/>
+              <a:buFont typeface="Lato Light" panose="020F0502020204030203"/>
               <a:buChar char="◦"/>
               <a:defRPr sz="2000">
                 <a:solidFill>
                   <a:schemeClr val="dk1"/>
                 </a:solidFill>
-                <a:latin typeface="Lato Light"/>
-                <a:ea typeface="Lato Light"/>
-                <a:cs typeface="Lato Light"/>
-                <a:sym typeface="Lato Light"/>
+                <a:latin typeface="Lato Light" panose="020F0502020204030203"/>
+                <a:ea typeface="Lato Light" panose="020F0502020204030203"/>
+                <a:cs typeface="Lato Light" panose="020F0502020204030203"/>
+                <a:sym typeface="Lato Light" panose="020F0502020204030203"/>
               </a:defRPr>
             </a:lvl9pPr>
           </a:lstStyle>
-          <a:p>
-            <a:endParaRPr/>
-          </a:p>
+          <a:p/>
         </p:txBody>
       </p:sp>
       <p:sp>
@@ -32771,9 +32539,7 @@
               </a:defRPr>
             </a:lvl9pPr>
           </a:lstStyle>
-          <a:p>
-            <a:endParaRPr/>
-          </a:p>
+          <a:p/>
         </p:txBody>
       </p:sp>
       <p:sp>
@@ -32810,10 +32576,10 @@
                 <a:solidFill>
                   <a:schemeClr val="dk2"/>
                 </a:solidFill>
-                <a:latin typeface="Lato Light"/>
-                <a:ea typeface="Lato Light"/>
-                <a:cs typeface="Lato Light"/>
-                <a:sym typeface="Lato Light"/>
+                <a:latin typeface="Lato Light" panose="020F0502020204030203"/>
+                <a:ea typeface="Lato Light" panose="020F0502020204030203"/>
+                <a:cs typeface="Lato Light" panose="020F0502020204030203"/>
+                <a:sym typeface="Lato Light" panose="020F0502020204030203"/>
               </a:defRPr>
             </a:lvl1pPr>
             <a:lvl2pPr lvl="1" algn="r">
@@ -32822,10 +32588,10 @@
                 <a:solidFill>
                   <a:schemeClr val="dk2"/>
                 </a:solidFill>
-                <a:latin typeface="Lato Light"/>
-                <a:ea typeface="Lato Light"/>
-                <a:cs typeface="Lato Light"/>
-                <a:sym typeface="Lato Light"/>
+                <a:latin typeface="Lato Light" panose="020F0502020204030203"/>
+                <a:ea typeface="Lato Light" panose="020F0502020204030203"/>
+                <a:cs typeface="Lato Light" panose="020F0502020204030203"/>
+                <a:sym typeface="Lato Light" panose="020F0502020204030203"/>
               </a:defRPr>
             </a:lvl2pPr>
             <a:lvl3pPr lvl="2" algn="r">
@@ -32834,10 +32600,10 @@
                 <a:solidFill>
                   <a:schemeClr val="dk2"/>
                 </a:solidFill>
-                <a:latin typeface="Lato Light"/>
-                <a:ea typeface="Lato Light"/>
-                <a:cs typeface="Lato Light"/>
-                <a:sym typeface="Lato Light"/>
+                <a:latin typeface="Lato Light" panose="020F0502020204030203"/>
+                <a:ea typeface="Lato Light" panose="020F0502020204030203"/>
+                <a:cs typeface="Lato Light" panose="020F0502020204030203"/>
+                <a:sym typeface="Lato Light" panose="020F0502020204030203"/>
               </a:defRPr>
             </a:lvl3pPr>
             <a:lvl4pPr lvl="3" algn="r">
@@ -32846,10 +32612,10 @@
                 <a:solidFill>
                   <a:schemeClr val="dk2"/>
                 </a:solidFill>
-                <a:latin typeface="Lato Light"/>
-                <a:ea typeface="Lato Light"/>
-                <a:cs typeface="Lato Light"/>
-                <a:sym typeface="Lato Light"/>
+                <a:latin typeface="Lato Light" panose="020F0502020204030203"/>
+                <a:ea typeface="Lato Light" panose="020F0502020204030203"/>
+                <a:cs typeface="Lato Light" panose="020F0502020204030203"/>
+                <a:sym typeface="Lato Light" panose="020F0502020204030203"/>
               </a:defRPr>
             </a:lvl4pPr>
             <a:lvl5pPr lvl="4" algn="r">
@@ -32858,10 +32624,10 @@
                 <a:solidFill>
                   <a:schemeClr val="dk2"/>
                 </a:solidFill>
-                <a:latin typeface="Lato Light"/>
-                <a:ea typeface="Lato Light"/>
-                <a:cs typeface="Lato Light"/>
-                <a:sym typeface="Lato Light"/>
+                <a:latin typeface="Lato Light" panose="020F0502020204030203"/>
+                <a:ea typeface="Lato Light" panose="020F0502020204030203"/>
+                <a:cs typeface="Lato Light" panose="020F0502020204030203"/>
+                <a:sym typeface="Lato Light" panose="020F0502020204030203"/>
               </a:defRPr>
             </a:lvl5pPr>
             <a:lvl6pPr lvl="5" algn="r">
@@ -32870,10 +32636,10 @@
                 <a:solidFill>
                   <a:schemeClr val="dk2"/>
                 </a:solidFill>
-                <a:latin typeface="Lato Light"/>
-                <a:ea typeface="Lato Light"/>
-                <a:cs typeface="Lato Light"/>
-                <a:sym typeface="Lato Light"/>
+                <a:latin typeface="Lato Light" panose="020F0502020204030203"/>
+                <a:ea typeface="Lato Light" panose="020F0502020204030203"/>
+                <a:cs typeface="Lato Light" panose="020F0502020204030203"/>
+                <a:sym typeface="Lato Light" panose="020F0502020204030203"/>
               </a:defRPr>
             </a:lvl6pPr>
             <a:lvl7pPr lvl="6" algn="r">
@@ -32882,10 +32648,10 @@
                 <a:solidFill>
                   <a:schemeClr val="dk2"/>
                 </a:solidFill>
-                <a:latin typeface="Lato Light"/>
-                <a:ea typeface="Lato Light"/>
-                <a:cs typeface="Lato Light"/>
-                <a:sym typeface="Lato Light"/>
+                <a:latin typeface="Lato Light" panose="020F0502020204030203"/>
+                <a:ea typeface="Lato Light" panose="020F0502020204030203"/>
+                <a:cs typeface="Lato Light" panose="020F0502020204030203"/>
+                <a:sym typeface="Lato Light" panose="020F0502020204030203"/>
               </a:defRPr>
             </a:lvl7pPr>
             <a:lvl8pPr lvl="7" algn="r">
@@ -32894,10 +32660,10 @@
                 <a:solidFill>
                   <a:schemeClr val="dk2"/>
                 </a:solidFill>
-                <a:latin typeface="Lato Light"/>
-                <a:ea typeface="Lato Light"/>
-                <a:cs typeface="Lato Light"/>
-                <a:sym typeface="Lato Light"/>
+                <a:latin typeface="Lato Light" panose="020F0502020204030203"/>
+                <a:ea typeface="Lato Light" panose="020F0502020204030203"/>
+                <a:cs typeface="Lato Light" panose="020F0502020204030203"/>
+                <a:sym typeface="Lato Light" panose="020F0502020204030203"/>
               </a:defRPr>
             </a:lvl8pPr>
             <a:lvl9pPr lvl="8" algn="r">
@@ -32906,10 +32672,10 @@
                 <a:solidFill>
                   <a:schemeClr val="dk2"/>
                 </a:solidFill>
-                <a:latin typeface="Lato Light"/>
-                <a:ea typeface="Lato Light"/>
-                <a:cs typeface="Lato Light"/>
-                <a:sym typeface="Lato Light"/>
+                <a:latin typeface="Lato Light" panose="020F0502020204030203"/>
+                <a:ea typeface="Lato Light" panose="020F0502020204030203"/>
+                <a:cs typeface="Lato Light" panose="020F0502020204030203"/>
+                <a:sym typeface="Lato Light" panose="020F0502020204030203"/>
               </a:defRPr>
             </a:lvl9pPr>
           </a:lstStyle>
@@ -32924,10 +32690,9 @@
               <a:buNone/>
             </a:pPr>
             <a:fld id="{00000000-1234-1234-1234-123412341234}" type="slidenum">
-              <a:rPr lang="en"/>
-              <a:t>‹#›</a:t>
+              <a:rPr lang="en-GB"/>
             </a:fld>
-            <a:endParaRPr/>
+            <a:endParaRPr lang="en-GB"/>
           </a:p>
         </p:txBody>
       </p:sp>
@@ -32935,15 +32700,15 @@
   </p:cSld>
   <p:clrMap bg1="lt1" tx1="dk1" bg2="dk2" tx2="lt2" accent1="accent1" accent2="accent2" accent3="accent3" accent4="accent4" accent5="accent5" accent6="accent6" hlink="hlink" folHlink="folHlink"/>
   <p:sldLayoutIdLst>
-    <p:sldLayoutId id="2147483648" r:id="rId1"/>
-    <p:sldLayoutId id="2147483649" r:id="rId2"/>
+    <p:sldLayoutId id="2147483649" r:id="rId1"/>
+    <p:sldLayoutId id="2147483650" r:id="rId2"/>
     <p:sldLayoutId id="2147483651" r:id="rId3"/>
     <p:sldLayoutId id="2147483652" r:id="rId4"/>
     <p:sldLayoutId id="2147483653" r:id="rId5"/>
     <p:sldLayoutId id="2147483654" r:id="rId6"/>
-    <p:sldLayoutId id="2147483657" r:id="rId7"/>
-    <p:sldLayoutId id="2147483659" r:id="rId8"/>
-    <p:sldLayoutId id="2147483660" r:id="rId9"/>
+    <p:sldLayoutId id="2147483655" r:id="rId7"/>
+    <p:sldLayoutId id="2147483656" r:id="rId8"/>
+    <p:sldLayoutId id="2147483657" r:id="rId9"/>
   </p:sldLayoutIdLst>
   <p:transition>
     <p:fade thruBlk="1"/>
@@ -32975,15 +32740,15 @@
         <a:buClr>
           <a:srgbClr val="000000"/>
         </a:buClr>
-        <a:buFont typeface="Arial"/>
+        <a:buFont typeface="Arial" panose="020B0604020202020204"/>
         <a:defRPr sz="1400" b="0" i="0" u="none" strike="noStrike" cap="none">
           <a:solidFill>
             <a:srgbClr val="000000"/>
           </a:solidFill>
-          <a:latin typeface="Arial"/>
-          <a:ea typeface="Arial"/>
-          <a:cs typeface="Arial"/>
-          <a:sym typeface="Arial"/>
+          <a:latin typeface="Arial" panose="020B0604020202020204"/>
+          <a:ea typeface="Arial" panose="020B0604020202020204"/>
+          <a:cs typeface="Arial" panose="020B0604020202020204"/>
+          <a:sym typeface="Arial" panose="020B0604020202020204"/>
         </a:defRPr>
       </a:lvl1pPr>
       <a:lvl2pPr marR="0" lvl="1" algn="l" rtl="0">
@@ -32999,15 +32764,15 @@
         <a:buClr>
           <a:srgbClr val="000000"/>
         </a:buClr>
-        <a:buFont typeface="Arial"/>
+        <a:buFont typeface="Arial" panose="020B0604020202020204"/>
         <a:defRPr sz="1400" b="0" i="0" u="none" strike="noStrike" cap="none">
           <a:solidFill>
             <a:srgbClr val="000000"/>
           </a:solidFill>
-          <a:latin typeface="Arial"/>
-          <a:ea typeface="Arial"/>
-          <a:cs typeface="Arial"/>
-          <a:sym typeface="Arial"/>
+          <a:latin typeface="Arial" panose="020B0604020202020204"/>
+          <a:ea typeface="Arial" panose="020B0604020202020204"/>
+          <a:cs typeface="Arial" panose="020B0604020202020204"/>
+          <a:sym typeface="Arial" panose="020B0604020202020204"/>
         </a:defRPr>
       </a:lvl2pPr>
       <a:lvl3pPr marR="0" lvl="2" algn="l" rtl="0">
@@ -33023,15 +32788,15 @@
         <a:buClr>
           <a:srgbClr val="000000"/>
         </a:buClr>
-        <a:buFont typeface="Arial"/>
+        <a:buFont typeface="Arial" panose="020B0604020202020204"/>
         <a:defRPr sz="1400" b="0" i="0" u="none" strike="noStrike" cap="none">
           <a:solidFill>
             <a:srgbClr val="000000"/>
           </a:solidFill>
-          <a:latin typeface="Arial"/>
-          <a:ea typeface="Arial"/>
-          <a:cs typeface="Arial"/>
-          <a:sym typeface="Arial"/>
+          <a:latin typeface="Arial" panose="020B0604020202020204"/>
+          <a:ea typeface="Arial" panose="020B0604020202020204"/>
+          <a:cs typeface="Arial" panose="020B0604020202020204"/>
+          <a:sym typeface="Arial" panose="020B0604020202020204"/>
         </a:defRPr>
       </a:lvl3pPr>
       <a:lvl4pPr marR="0" lvl="3" algn="l" rtl="0">
@@ -33047,15 +32812,15 @@
         <a:buClr>
           <a:srgbClr val="000000"/>
         </a:buClr>
-        <a:buFont typeface="Arial"/>
+        <a:buFont typeface="Arial" panose="020B0604020202020204"/>
         <a:defRPr sz="1400" b="0" i="0" u="none" strike="noStrike" cap="none">
           <a:solidFill>
             <a:srgbClr val="000000"/>
           </a:solidFill>
-          <a:latin typeface="Arial"/>
-          <a:ea typeface="Arial"/>
-          <a:cs typeface="Arial"/>
-          <a:sym typeface="Arial"/>
+          <a:latin typeface="Arial" panose="020B0604020202020204"/>
+          <a:ea typeface="Arial" panose="020B0604020202020204"/>
+          <a:cs typeface="Arial" panose="020B0604020202020204"/>
+          <a:sym typeface="Arial" panose="020B0604020202020204"/>
         </a:defRPr>
       </a:lvl4pPr>
       <a:lvl5pPr marR="0" lvl="4" algn="l" rtl="0">
@@ -33071,15 +32836,15 @@
         <a:buClr>
           <a:srgbClr val="000000"/>
         </a:buClr>
-        <a:buFont typeface="Arial"/>
+        <a:buFont typeface="Arial" panose="020B0604020202020204"/>
         <a:defRPr sz="1400" b="0" i="0" u="none" strike="noStrike" cap="none">
           <a:solidFill>
             <a:srgbClr val="000000"/>
           </a:solidFill>
-          <a:latin typeface="Arial"/>
-          <a:ea typeface="Arial"/>
-          <a:cs typeface="Arial"/>
-          <a:sym typeface="Arial"/>
+          <a:latin typeface="Arial" panose="020B0604020202020204"/>
+          <a:ea typeface="Arial" panose="020B0604020202020204"/>
+          <a:cs typeface="Arial" panose="020B0604020202020204"/>
+          <a:sym typeface="Arial" panose="020B0604020202020204"/>
         </a:defRPr>
       </a:lvl5pPr>
       <a:lvl6pPr marR="0" lvl="5" algn="l" rtl="0">
@@ -33095,15 +32860,15 @@
         <a:buClr>
           <a:srgbClr val="000000"/>
         </a:buClr>
-        <a:buFont typeface="Arial"/>
+        <a:buFont typeface="Arial" panose="020B0604020202020204"/>
         <a:defRPr sz="1400" b="0" i="0" u="none" strike="noStrike" cap="none">
           <a:solidFill>
             <a:srgbClr val="000000"/>
           </a:solidFill>
-          <a:latin typeface="Arial"/>
-          <a:ea typeface="Arial"/>
-          <a:cs typeface="Arial"/>
-          <a:sym typeface="Arial"/>
+          <a:latin typeface="Arial" panose="020B0604020202020204"/>
+          <a:ea typeface="Arial" panose="020B0604020202020204"/>
+          <a:cs typeface="Arial" panose="020B0604020202020204"/>
+          <a:sym typeface="Arial" panose="020B0604020202020204"/>
         </a:defRPr>
       </a:lvl6pPr>
       <a:lvl7pPr marR="0" lvl="6" algn="l" rtl="0">
@@ -33119,15 +32884,15 @@
         <a:buClr>
           <a:srgbClr val="000000"/>
         </a:buClr>
-        <a:buFont typeface="Arial"/>
+        <a:buFont typeface="Arial" panose="020B0604020202020204"/>
         <a:defRPr sz="1400" b="0" i="0" u="none" strike="noStrike" cap="none">
           <a:solidFill>
             <a:srgbClr val="000000"/>
           </a:solidFill>
-          <a:latin typeface="Arial"/>
-          <a:ea typeface="Arial"/>
-          <a:cs typeface="Arial"/>
-          <a:sym typeface="Arial"/>
+          <a:latin typeface="Arial" panose="020B0604020202020204"/>
+          <a:ea typeface="Arial" panose="020B0604020202020204"/>
+          <a:cs typeface="Arial" panose="020B0604020202020204"/>
+          <a:sym typeface="Arial" panose="020B0604020202020204"/>
         </a:defRPr>
       </a:lvl7pPr>
       <a:lvl8pPr marR="0" lvl="7" algn="l" rtl="0">
@@ -33143,15 +32908,15 @@
         <a:buClr>
           <a:srgbClr val="000000"/>
         </a:buClr>
-        <a:buFont typeface="Arial"/>
+        <a:buFont typeface="Arial" panose="020B0604020202020204"/>
         <a:defRPr sz="1400" b="0" i="0" u="none" strike="noStrike" cap="none">
           <a:solidFill>
             <a:srgbClr val="000000"/>
           </a:solidFill>
-          <a:latin typeface="Arial"/>
-          <a:ea typeface="Arial"/>
-          <a:cs typeface="Arial"/>
-          <a:sym typeface="Arial"/>
+          <a:latin typeface="Arial" panose="020B0604020202020204"/>
+          <a:ea typeface="Arial" panose="020B0604020202020204"/>
+          <a:cs typeface="Arial" panose="020B0604020202020204"/>
+          <a:sym typeface="Arial" panose="020B0604020202020204"/>
         </a:defRPr>
       </a:lvl8pPr>
       <a:lvl9pPr marR="0" lvl="8" algn="l" rtl="0">
@@ -33167,15 +32932,15 @@
         <a:buClr>
           <a:srgbClr val="000000"/>
         </a:buClr>
-        <a:buFont typeface="Arial"/>
+        <a:buFont typeface="Arial" panose="020B0604020202020204"/>
         <a:defRPr sz="1400" b="0" i="0" u="none" strike="noStrike" cap="none">
           <a:solidFill>
             <a:srgbClr val="000000"/>
           </a:solidFill>
-          <a:latin typeface="Arial"/>
-          <a:ea typeface="Arial"/>
-          <a:cs typeface="Arial"/>
-          <a:sym typeface="Arial"/>
+          <a:latin typeface="Arial" panose="020B0604020202020204"/>
+          <a:ea typeface="Arial" panose="020B0604020202020204"/>
+          <a:cs typeface="Arial" panose="020B0604020202020204"/>
+          <a:sym typeface="Arial" panose="020B0604020202020204"/>
         </a:defRPr>
       </a:lvl9pPr>
     </p:titleStyle>
@@ -33204,15 +32969,15 @@
         <a:buClr>
           <a:srgbClr val="000000"/>
         </a:buClr>
-        <a:buFont typeface="Arial"/>
+        <a:buFont typeface="Arial" panose="020B0604020202020204"/>
         <a:defRPr sz="1400" b="0" i="0" u="none" strike="noStrike" cap="none">
           <a:solidFill>
             <a:srgbClr val="000000"/>
           </a:solidFill>
-          <a:latin typeface="Arial"/>
-          <a:ea typeface="Arial"/>
-          <a:cs typeface="Arial"/>
-          <a:sym typeface="Arial"/>
+          <a:latin typeface="Arial" panose="020B0604020202020204"/>
+          <a:ea typeface="Arial" panose="020B0604020202020204"/>
+          <a:cs typeface="Arial" panose="020B0604020202020204"/>
+          <a:sym typeface="Arial" panose="020B0604020202020204"/>
         </a:defRPr>
       </a:lvl1pPr>
       <a:lvl2pPr marR="0" lvl="1" algn="l" rtl="0">
@@ -33228,15 +32993,15 @@
         <a:buClr>
           <a:srgbClr val="000000"/>
         </a:buClr>
-        <a:buFont typeface="Arial"/>
+        <a:buFont typeface="Arial" panose="020B0604020202020204"/>
         <a:defRPr sz="1400" b="0" i="0" u="none" strike="noStrike" cap="none">
           <a:solidFill>
             <a:srgbClr val="000000"/>
           </a:solidFill>
-          <a:latin typeface="Arial"/>
-          <a:ea typeface="Arial"/>
-          <a:cs typeface="Arial"/>
-          <a:sym typeface="Arial"/>
+          <a:latin typeface="Arial" panose="020B0604020202020204"/>
+          <a:ea typeface="Arial" panose="020B0604020202020204"/>
+          <a:cs typeface="Arial" panose="020B0604020202020204"/>
+          <a:sym typeface="Arial" panose="020B0604020202020204"/>
         </a:defRPr>
       </a:lvl2pPr>
       <a:lvl3pPr marR="0" lvl="2" algn="l" rtl="0">
@@ -33252,15 +33017,15 @@
         <a:buClr>
           <a:srgbClr val="000000"/>
         </a:buClr>
-        <a:buFont typeface="Arial"/>
+        <a:buFont typeface="Arial" panose="020B0604020202020204"/>
         <a:defRPr sz="1400" b="0" i="0" u="none" strike="noStrike" cap="none">
           <a:solidFill>
             <a:srgbClr val="000000"/>
           </a:solidFill>
-          <a:latin typeface="Arial"/>
-          <a:ea typeface="Arial"/>
-          <a:cs typeface="Arial"/>
-          <a:sym typeface="Arial"/>
+          <a:latin typeface="Arial" panose="020B0604020202020204"/>
+          <a:ea typeface="Arial" panose="020B0604020202020204"/>
+          <a:cs typeface="Arial" panose="020B0604020202020204"/>
+          <a:sym typeface="Arial" panose="020B0604020202020204"/>
         </a:defRPr>
       </a:lvl3pPr>
       <a:lvl4pPr marR="0" lvl="3" algn="l" rtl="0">
@@ -33276,15 +33041,15 @@
         <a:buClr>
           <a:srgbClr val="000000"/>
         </a:buClr>
-        <a:buFont typeface="Arial"/>
+        <a:buFont typeface="Arial" panose="020B0604020202020204"/>
         <a:defRPr sz="1400" b="0" i="0" u="none" strike="noStrike" cap="none">
           <a:solidFill>
             <a:srgbClr val="000000"/>
           </a:solidFill>
-          <a:latin typeface="Arial"/>
-          <a:ea typeface="Arial"/>
-          <a:cs typeface="Arial"/>
-          <a:sym typeface="Arial"/>
+          <a:latin typeface="Arial" panose="020B0604020202020204"/>
+          <a:ea typeface="Arial" panose="020B0604020202020204"/>
+          <a:cs typeface="Arial" panose="020B0604020202020204"/>
+          <a:sym typeface="Arial" panose="020B0604020202020204"/>
         </a:defRPr>
       </a:lvl4pPr>
       <a:lvl5pPr marR="0" lvl="4" algn="l" rtl="0">
@@ -33300,15 +33065,15 @@
         <a:buClr>
           <a:srgbClr val="000000"/>
         </a:buClr>
-        <a:buFont typeface="Arial"/>
+        <a:buFont typeface="Arial" panose="020B0604020202020204"/>
         <a:defRPr sz="1400" b="0" i="0" u="none" strike="noStrike" cap="none">
           <a:solidFill>
             <a:srgbClr val="000000"/>
           </a:solidFill>
-          <a:latin typeface="Arial"/>
-          <a:ea typeface="Arial"/>
-          <a:cs typeface="Arial"/>
-          <a:sym typeface="Arial"/>
+          <a:latin typeface="Arial" panose="020B0604020202020204"/>
+          <a:ea typeface="Arial" panose="020B0604020202020204"/>
+          <a:cs typeface="Arial" panose="020B0604020202020204"/>
+          <a:sym typeface="Arial" panose="020B0604020202020204"/>
         </a:defRPr>
       </a:lvl5pPr>
       <a:lvl6pPr marR="0" lvl="5" algn="l" rtl="0">
@@ -33324,15 +33089,15 @@
         <a:buClr>
           <a:srgbClr val="000000"/>
         </a:buClr>
-        <a:buFont typeface="Arial"/>
+        <a:buFont typeface="Arial" panose="020B0604020202020204"/>
         <a:defRPr sz="1400" b="0" i="0" u="none" strike="noStrike" cap="none">
           <a:solidFill>
             <a:srgbClr val="000000"/>
           </a:solidFill>
-          <a:latin typeface="Arial"/>
-          <a:ea typeface="Arial"/>
-          <a:cs typeface="Arial"/>
-          <a:sym typeface="Arial"/>
+          <a:latin typeface="Arial" panose="020B0604020202020204"/>
+          <a:ea typeface="Arial" panose="020B0604020202020204"/>
+          <a:cs typeface="Arial" panose="020B0604020202020204"/>
+          <a:sym typeface="Arial" panose="020B0604020202020204"/>
         </a:defRPr>
       </a:lvl6pPr>
       <a:lvl7pPr marR="0" lvl="6" algn="l" rtl="0">
@@ -33348,15 +33113,15 @@
         <a:buClr>
           <a:srgbClr val="000000"/>
         </a:buClr>
-        <a:buFont typeface="Arial"/>
+        <a:buFont typeface="Arial" panose="020B0604020202020204"/>
         <a:defRPr sz="1400" b="0" i="0" u="none" strike="noStrike" cap="none">
           <a:solidFill>
             <a:srgbClr val="000000"/>
           </a:solidFill>
-          <a:latin typeface="Arial"/>
-          <a:ea typeface="Arial"/>
-          <a:cs typeface="Arial"/>
-          <a:sym typeface="Arial"/>
+          <a:latin typeface="Arial" panose="020B0604020202020204"/>
+          <a:ea typeface="Arial" panose="020B0604020202020204"/>
+          <a:cs typeface="Arial" panose="020B0604020202020204"/>
+          <a:sym typeface="Arial" panose="020B0604020202020204"/>
         </a:defRPr>
       </a:lvl7pPr>
       <a:lvl8pPr marR="0" lvl="7" algn="l" rtl="0">
@@ -33372,15 +33137,15 @@
         <a:buClr>
           <a:srgbClr val="000000"/>
         </a:buClr>
-        <a:buFont typeface="Arial"/>
+        <a:buFont typeface="Arial" panose="020B0604020202020204"/>
         <a:defRPr sz="1400" b="0" i="0" u="none" strike="noStrike" cap="none">
           <a:solidFill>
             <a:srgbClr val="000000"/>
           </a:solidFill>
-          <a:latin typeface="Arial"/>
-          <a:ea typeface="Arial"/>
-          <a:cs typeface="Arial"/>
-          <a:sym typeface="Arial"/>
+          <a:latin typeface="Arial" panose="020B0604020202020204"/>
+          <a:ea typeface="Arial" panose="020B0604020202020204"/>
+          <a:cs typeface="Arial" panose="020B0604020202020204"/>
+          <a:sym typeface="Arial" panose="020B0604020202020204"/>
         </a:defRPr>
       </a:lvl8pPr>
       <a:lvl9pPr marR="0" lvl="8" algn="l" rtl="0">
@@ -33396,15 +33161,15 @@
         <a:buClr>
           <a:srgbClr val="000000"/>
         </a:buClr>
-        <a:buFont typeface="Arial"/>
+        <a:buFont typeface="Arial" panose="020B0604020202020204"/>
         <a:defRPr sz="1400" b="0" i="0" u="none" strike="noStrike" cap="none">
           <a:solidFill>
             <a:srgbClr val="000000"/>
           </a:solidFill>
-          <a:latin typeface="Arial"/>
-          <a:ea typeface="Arial"/>
-          <a:cs typeface="Arial"/>
-          <a:sym typeface="Arial"/>
+          <a:latin typeface="Arial" panose="020B0604020202020204"/>
+          <a:ea typeface="Arial" panose="020B0604020202020204"/>
+          <a:cs typeface="Arial" panose="020B0604020202020204"/>
+          <a:sym typeface="Arial" panose="020B0604020202020204"/>
         </a:defRPr>
       </a:lvl9pPr>
     </p:bodyStyle>
@@ -33433,15 +33198,15 @@
         <a:buClr>
           <a:srgbClr val="000000"/>
         </a:buClr>
-        <a:buFont typeface="Arial"/>
+        <a:buFont typeface="Arial" panose="020B0604020202020204"/>
         <a:defRPr sz="1400" b="0" i="0" u="none" strike="noStrike" cap="none">
           <a:solidFill>
             <a:srgbClr val="000000"/>
           </a:solidFill>
-          <a:latin typeface="Arial"/>
-          <a:ea typeface="Arial"/>
-          <a:cs typeface="Arial"/>
-          <a:sym typeface="Arial"/>
+          <a:latin typeface="Arial" panose="020B0604020202020204"/>
+          <a:ea typeface="Arial" panose="020B0604020202020204"/>
+          <a:cs typeface="Arial" panose="020B0604020202020204"/>
+          <a:sym typeface="Arial" panose="020B0604020202020204"/>
         </a:defRPr>
       </a:lvl1pPr>
       <a:lvl2pPr marR="0" lvl="1" algn="l" rtl="0">
@@ -33457,15 +33222,15 @@
         <a:buClr>
           <a:srgbClr val="000000"/>
         </a:buClr>
-        <a:buFont typeface="Arial"/>
+        <a:buFont typeface="Arial" panose="020B0604020202020204"/>
         <a:defRPr sz="1400" b="0" i="0" u="none" strike="noStrike" cap="none">
           <a:solidFill>
             <a:srgbClr val="000000"/>
           </a:solidFill>
-          <a:latin typeface="Arial"/>
-          <a:ea typeface="Arial"/>
-          <a:cs typeface="Arial"/>
-          <a:sym typeface="Arial"/>
+          <a:latin typeface="Arial" panose="020B0604020202020204"/>
+          <a:ea typeface="Arial" panose="020B0604020202020204"/>
+          <a:cs typeface="Arial" panose="020B0604020202020204"/>
+          <a:sym typeface="Arial" panose="020B0604020202020204"/>
         </a:defRPr>
       </a:lvl2pPr>
       <a:lvl3pPr marR="0" lvl="2" algn="l" rtl="0">
@@ -33481,15 +33246,15 @@
         <a:buClr>
           <a:srgbClr val="000000"/>
         </a:buClr>
-        <a:buFont typeface="Arial"/>
+        <a:buFont typeface="Arial" panose="020B0604020202020204"/>
         <a:defRPr sz="1400" b="0" i="0" u="none" strike="noStrike" cap="none">
           <a:solidFill>
             <a:srgbClr val="000000"/>
           </a:solidFill>
-          <a:latin typeface="Arial"/>
-          <a:ea typeface="Arial"/>
-          <a:cs typeface="Arial"/>
-          <a:sym typeface="Arial"/>
+          <a:latin typeface="Arial" panose="020B0604020202020204"/>
+          <a:ea typeface="Arial" panose="020B0604020202020204"/>
+          <a:cs typeface="Arial" panose="020B0604020202020204"/>
+          <a:sym typeface="Arial" panose="020B0604020202020204"/>
         </a:defRPr>
       </a:lvl3pPr>
       <a:lvl4pPr marR="0" lvl="3" algn="l" rtl="0">
@@ -33505,15 +33270,15 @@
         <a:buClr>
           <a:srgbClr val="000000"/>
         </a:buClr>
-        <a:buFont typeface="Arial"/>
+        <a:buFont typeface="Arial" panose="020B0604020202020204"/>
         <a:defRPr sz="1400" b="0" i="0" u="none" strike="noStrike" cap="none">
           <a:solidFill>
             <a:srgbClr val="000000"/>
           </a:solidFill>
-          <a:latin typeface="Arial"/>
-          <a:ea typeface="Arial"/>
-          <a:cs typeface="Arial"/>
-          <a:sym typeface="Arial"/>
+          <a:latin typeface="Arial" panose="020B0604020202020204"/>
+          <a:ea typeface="Arial" panose="020B0604020202020204"/>
+          <a:cs typeface="Arial" panose="020B0604020202020204"/>
+          <a:sym typeface="Arial" panose="020B0604020202020204"/>
         </a:defRPr>
       </a:lvl4pPr>
       <a:lvl5pPr marR="0" lvl="4" algn="l" rtl="0">
@@ -33529,15 +33294,15 @@
         <a:buClr>
           <a:srgbClr val="000000"/>
         </a:buClr>
-        <a:buFont typeface="Arial"/>
+        <a:buFont typeface="Arial" panose="020B0604020202020204"/>
         <a:defRPr sz="1400" b="0" i="0" u="none" strike="noStrike" cap="none">
           <a:solidFill>
             <a:srgbClr val="000000"/>
           </a:solidFill>
-          <a:latin typeface="Arial"/>
-          <a:ea typeface="Arial"/>
-          <a:cs typeface="Arial"/>
-          <a:sym typeface="Arial"/>
+          <a:latin typeface="Arial" panose="020B0604020202020204"/>
+          <a:ea typeface="Arial" panose="020B0604020202020204"/>
+          <a:cs typeface="Arial" panose="020B0604020202020204"/>
+          <a:sym typeface="Arial" panose="020B0604020202020204"/>
         </a:defRPr>
       </a:lvl5pPr>
       <a:lvl6pPr marR="0" lvl="5" algn="l" rtl="0">
@@ -33553,15 +33318,15 @@
         <a:buClr>
           <a:srgbClr val="000000"/>
         </a:buClr>
-        <a:buFont typeface="Arial"/>
+        <a:buFont typeface="Arial" panose="020B0604020202020204"/>
         <a:defRPr sz="1400" b="0" i="0" u="none" strike="noStrike" cap="none">
           <a:solidFill>
             <a:srgbClr val="000000"/>
           </a:solidFill>
-          <a:latin typeface="Arial"/>
-          <a:ea typeface="Arial"/>
-          <a:cs typeface="Arial"/>
-          <a:sym typeface="Arial"/>
+          <a:latin typeface="Arial" panose="020B0604020202020204"/>
+          <a:ea typeface="Arial" panose="020B0604020202020204"/>
+          <a:cs typeface="Arial" panose="020B0604020202020204"/>
+          <a:sym typeface="Arial" panose="020B0604020202020204"/>
         </a:defRPr>
       </a:lvl6pPr>
       <a:lvl7pPr marR="0" lvl="6" algn="l" rtl="0">
@@ -33577,15 +33342,15 @@
         <a:buClr>
           <a:srgbClr val="000000"/>
         </a:buClr>
-        <a:buFont typeface="Arial"/>
+        <a:buFont typeface="Arial" panose="020B0604020202020204"/>
         <a:defRPr sz="1400" b="0" i="0" u="none" strike="noStrike" cap="none">
           <a:solidFill>
             <a:srgbClr val="000000"/>
           </a:solidFill>
-          <a:latin typeface="Arial"/>
-          <a:ea typeface="Arial"/>
-          <a:cs typeface="Arial"/>
-          <a:sym typeface="Arial"/>
+          <a:latin typeface="Arial" panose="020B0604020202020204"/>
+          <a:ea typeface="Arial" panose="020B0604020202020204"/>
+          <a:cs typeface="Arial" panose="020B0604020202020204"/>
+          <a:sym typeface="Arial" panose="020B0604020202020204"/>
         </a:defRPr>
       </a:lvl7pPr>
       <a:lvl8pPr marR="0" lvl="7" algn="l" rtl="0">
@@ -33601,15 +33366,15 @@
         <a:buClr>
           <a:srgbClr val="000000"/>
         </a:buClr>
-        <a:buFont typeface="Arial"/>
+        <a:buFont typeface="Arial" panose="020B0604020202020204"/>
         <a:defRPr sz="1400" b="0" i="0" u="none" strike="noStrike" cap="none">
           <a:solidFill>
             <a:srgbClr val="000000"/>
           </a:solidFill>
-          <a:latin typeface="Arial"/>
-          <a:ea typeface="Arial"/>
-          <a:cs typeface="Arial"/>
-          <a:sym typeface="Arial"/>
+          <a:latin typeface="Arial" panose="020B0604020202020204"/>
+          <a:ea typeface="Arial" panose="020B0604020202020204"/>
+          <a:cs typeface="Arial" panose="020B0604020202020204"/>
+          <a:sym typeface="Arial" panose="020B0604020202020204"/>
         </a:defRPr>
       </a:lvl8pPr>
       <a:lvl9pPr marR="0" lvl="8" algn="l" rtl="0">
@@ -33625,15 +33390,15 @@
         <a:buClr>
           <a:srgbClr val="000000"/>
         </a:buClr>
-        <a:buFont typeface="Arial"/>
+        <a:buFont typeface="Arial" panose="020B0604020202020204"/>
         <a:defRPr sz="1400" b="0" i="0" u="none" strike="noStrike" cap="none">
           <a:solidFill>
             <a:srgbClr val="000000"/>
           </a:solidFill>
-          <a:latin typeface="Arial"/>
-          <a:ea typeface="Arial"/>
-          <a:cs typeface="Arial"/>
-          <a:sym typeface="Arial"/>
+          <a:latin typeface="Arial" panose="020B0604020202020204"/>
+          <a:ea typeface="Arial" panose="020B0604020202020204"/>
+          <a:cs typeface="Arial" panose="020B0604020202020204"/>
+          <a:sym typeface="Arial" panose="020B0604020202020204"/>
         </a:defRPr>
       </a:lvl9pPr>
     </p:otherStyle>
@@ -33696,7 +33461,7 @@
               <a:rPr lang="en-US" smtClean="0"/>
               <a:t>Chào mừng tất cả các bạn đến với buổi thuyết trình</a:t>
             </a:r>
-            <a:endParaRPr/>
+            <a:endParaRPr lang="en-US" smtClean="0"/>
           </a:p>
         </p:txBody>
       </p:sp>
@@ -33715,7 +33480,7 @@
             <a:avLst/>
           </a:prstGeom>
           <a:blipFill dpi="0" rotWithShape="1">
-            <a:blip r:embed="rId3">
+            <a:blip r:embed="rId1">
               <a:extLst>
                 <a:ext uri="{28A0092B-C50C-407E-A947-70E740481C1C}">
                   <a14:useLocalDpi xmlns:a14="http://schemas.microsoft.com/office/drawing/2010/main" val="0"/>
@@ -33762,7 +33527,7 @@
           <p:nvPr/>
         </p:nvPicPr>
         <p:blipFill>
-          <a:blip r:embed="rId4">
+          <a:blip r:embed="rId2">
             <a:extLst>
               <a:ext uri="{28A0092B-C50C-407E-A947-70E740481C1C}">
                 <a14:useLocalDpi xmlns:a14="http://schemas.microsoft.com/office/drawing/2010/main" val="0"/>
@@ -33799,6 +33564,9 @@
   <p:clrMapOvr>
     <a:masterClrMapping/>
   </p:clrMapOvr>
+  <p:transition>
+    <p:fade thruBlk="1"/>
+  </p:transition>
   <p:timing>
     <p:tnLst>
       <p:par>
@@ -33870,10 +33638,9 @@
               <a:buNone/>
             </a:pPr>
             <a:fld id="{00000000-1234-1234-1234-123412341234}" type="slidenum">
-              <a:rPr lang="en" smtClean="0"/>
-              <a:t>10</a:t>
+              <a:rPr lang="en-GB" smtClean="0"/>
             </a:fld>
-            <a:endParaRPr lang="en"/>
+            <a:endParaRPr lang="en-GB"/>
           </a:p>
         </p:txBody>
       </p:sp>
@@ -33884,7 +33651,7 @@
           <p:nvPr/>
         </p:nvPicPr>
         <p:blipFill>
-          <a:blip r:embed="rId2">
+          <a:blip r:embed="rId1">
             <a:extLst>
               <a:ext uri="{28A0092B-C50C-407E-A947-70E740481C1C}">
                 <a14:useLocalDpi xmlns:a14="http://schemas.microsoft.com/office/drawing/2010/main" val="0"/>
@@ -33906,15 +33673,13 @@
         </p:spPr>
       </p:pic>
     </p:spTree>
-    <p:extLst>
-      <p:ext uri="{BB962C8B-B14F-4D97-AF65-F5344CB8AC3E}">
-        <p14:creationId xmlns:p14="http://schemas.microsoft.com/office/powerpoint/2010/main" val="2533050089"/>
-      </p:ext>
-    </p:extLst>
   </p:cSld>
   <p:clrMapOvr>
     <a:masterClrMapping/>
   </p:clrMapOvr>
+  <p:transition>
+    <p:fade thruBlk="1"/>
+  </p:transition>
   <p:timing>
     <p:tnLst>
       <p:par>
@@ -33977,10 +33742,10 @@
               <a:buNone/>
             </a:pPr>
             <a:r>
-              <a:rPr lang="en" smtClean="0"/>
+              <a:rPr lang="en-GB" smtClean="0"/>
               <a:t>2. Mô Tả Tập Thực Thể</a:t>
             </a:r>
-            <a:endParaRPr/>
+            <a:endParaRPr lang="en-GB" smtClean="0"/>
           </a:p>
         </p:txBody>
       </p:sp>
@@ -34019,10 +33784,9 @@
               <a:buNone/>
             </a:pPr>
             <a:fld id="{00000000-1234-1234-1234-123412341234}" type="slidenum">
-              <a:rPr lang="en"/>
-              <a:t>11</a:t>
+              <a:rPr lang="en-GB"/>
             </a:fld>
-            <a:endParaRPr/>
+            <a:endParaRPr lang="en-GB"/>
           </a:p>
         </p:txBody>
       </p:sp>
@@ -34032,13 +33796,7 @@
           <p:cNvGraphicFramePr>
             <a:graphicFrameLocks noGrp="1"/>
           </p:cNvGraphicFramePr>
-          <p:nvPr>
-            <p:extLst>
-              <p:ext uri="{D42A27DB-BD31-4B8C-83A1-F6EECF244321}">
-                <p14:modId xmlns:p14="http://schemas.microsoft.com/office/powerpoint/2010/main" val="1121686136"/>
-              </p:ext>
-            </p:extLst>
-          </p:nvPr>
+          <p:nvPr/>
         </p:nvGraphicFramePr>
         <p:xfrm>
           <a:off x="2438400" y="1276350"/>
@@ -35778,6 +35536,9 @@
   <p:clrMapOvr>
     <a:masterClrMapping/>
   </p:clrMapOvr>
+  <p:transition>
+    <p:fade thruBlk="1"/>
+  </p:transition>
   <p:timing>
     <p:tnLst>
       <p:par>
@@ -35915,6 +35676,106 @@
   <p:cSld>
     <p:spTree>
       <p:nvGrpSpPr>
+        <p:cNvPr id="1" name=""/>
+        <p:cNvGrpSpPr/>
+        <p:nvPr/>
+      </p:nvGrpSpPr>
+      <p:grpSpPr/>
+      <p:sp>
+        <p:nvSpPr>
+          <p:cNvPr id="3" name="Slide Number Placeholder 2"/>
+          <p:cNvSpPr>
+            <a:spLocks noGrp="1"/>
+          </p:cNvSpPr>
+          <p:nvPr>
+            <p:ph type="sldNum" idx="12"/>
+          </p:nvPr>
+        </p:nvSpPr>
+        <p:spPr/>
+        <p:txBody>
+          <a:bodyPr/>
+          <a:p>
+            <a:pPr marL="0" lvl="0" indent="0" algn="r" rtl="0">
+              <a:spcBef>
+                <a:spcPts val="0"/>
+              </a:spcBef>
+              <a:spcAft>
+                <a:spcPts val="0"/>
+              </a:spcAft>
+              <a:buNone/>
+            </a:pPr>
+            <a:fld id="{00000000-1234-1234-1234-123412341234}" type="slidenum">
+              <a:rPr lang="en-GB"/>
+            </a:fld>
+            <a:endParaRPr lang="en-GB"/>
+          </a:p>
+        </p:txBody>
+      </p:sp>
+      <p:sp>
+        <p:nvSpPr>
+          <p:cNvPr id="593" name="Google Shape;593;p38"/>
+          <p:cNvSpPr txBox="1">
+            <a:spLocks noGrp="1"/>
+          </p:cNvSpPr>
+          <p:nvPr>
+            <p:ph type="ctrTitle" idx="4294967295"/>
+          </p:nvPr>
+        </p:nvSpPr>
+        <p:spPr>
+          <a:xfrm>
+            <a:off x="3257550" y="1420495"/>
+            <a:ext cx="2860675" cy="1828800"/>
+          </a:xfrm>
+          <a:prstGeom prst="rect">
+            <a:avLst/>
+          </a:prstGeom>
+        </p:spPr>
+        <p:txBody>
+          <a:bodyPr spcFirstLastPara="1" wrap="square" lIns="91425" tIns="91425" rIns="91425" bIns="91425" anchor="ctr" anchorCtr="0">
+            <a:noAutofit/>
+          </a:bodyPr>
+          <a:p>
+            <a:pPr marL="0" lvl="0" indent="0" algn="ctr" rtl="0">
+              <a:spcBef>
+                <a:spcPts val="0"/>
+              </a:spcBef>
+              <a:spcAft>
+                <a:spcPts val="0"/>
+              </a:spcAft>
+              <a:buNone/>
+            </a:pPr>
+            <a:r>
+              <a:rPr lang="en-US" sz="6000" smtClean="0">
+                <a:solidFill>
+                  <a:srgbClr val="FFFFFF"/>
+                </a:solidFill>
+              </a:rPr>
+              <a:t>DEMO</a:t>
+            </a:r>
+            <a:endParaRPr lang="en-US" sz="6000">
+              <a:solidFill>
+                <a:srgbClr val="FFFFFF"/>
+              </a:solidFill>
+            </a:endParaRPr>
+          </a:p>
+        </p:txBody>
+      </p:sp>
+    </p:spTree>
+  </p:cSld>
+  <p:clrMapOvr>
+    <a:masterClrMapping/>
+  </p:clrMapOvr>
+  <p:transition>
+    <p:fade thruBlk="1"/>
+  </p:transition>
+</p:sld>
+</file>
+
+<file path=ppt/slides/slide13.xml><?xml version="1.0" encoding="utf-8"?>
+<p:sld xmlns:a="http://schemas.openxmlformats.org/drawingml/2006/main" xmlns:r="http://schemas.openxmlformats.org/officeDocument/2006/relationships" xmlns:p="http://schemas.openxmlformats.org/presentationml/2006/main">
+  <p:cSld>
+    <p:spTree>
+      <p:nvGrpSpPr>
         <p:cNvPr id="1" name="Shape 592"/>
         <p:cNvGrpSpPr/>
         <p:nvPr/>
@@ -35962,7 +35823,7 @@
               <a:buNone/>
             </a:pPr>
             <a:r>
-              <a:rPr lang="en" sz="6000" smtClean="0">
+              <a:rPr lang="en-GB" sz="6000" smtClean="0">
                 <a:solidFill>
                   <a:srgbClr val="FFFFFF"/>
                 </a:solidFill>
@@ -36012,10 +35873,9 @@
               <a:buNone/>
             </a:pPr>
             <a:fld id="{00000000-1234-1234-1234-123412341234}" type="slidenum">
-              <a:rPr lang="en"/>
-              <a:t>12</a:t>
+              <a:rPr lang="en-GB"/>
             </a:fld>
-            <a:endParaRPr/>
+            <a:endParaRPr lang="en-GB"/>
           </a:p>
         </p:txBody>
       </p:sp>
@@ -36024,6 +35884,9 @@
   <p:clrMapOvr>
     <a:masterClrMapping/>
   </p:clrMapOvr>
+  <p:transition>
+    <p:fade thruBlk="1"/>
+  </p:transition>
   <p:timing>
     <p:tnLst>
       <p:par>
@@ -36063,8 +35926,8 @@
         </p:nvSpPr>
         <p:spPr>
           <a:xfrm>
-            <a:off x="609600" y="958596"/>
-            <a:ext cx="5486400" cy="1066800"/>
+            <a:off x="624840" y="1200785"/>
+            <a:ext cx="5486400" cy="643890"/>
           </a:xfrm>
           <a:prstGeom prst="rect">
             <a:avLst/>
@@ -36086,22 +35949,14 @@
               <a:buNone/>
             </a:pPr>
             <a:r>
-              <a:rPr lang="en" sz="4800" smtClean="0">
+              <a:rPr lang="en-GB" sz="2800" smtClean="0">
                 <a:solidFill>
                   <a:srgbClr val="FFB600"/>
                 </a:solidFill>
               </a:rPr>
-              <a:t>Thành viên </a:t>
+              <a:t>Thành viên nhóm</a:t>
             </a:r>
-            <a:r>
-              <a:rPr lang="en" sz="4800" smtClean="0">
-                <a:solidFill>
-                  <a:srgbClr val="FFB600"/>
-                </a:solidFill>
-              </a:rPr>
-              <a:t>nhóm</a:t>
-            </a:r>
-            <a:endParaRPr sz="4800">
+            <a:endParaRPr sz="2800">
               <a:solidFill>
                 <a:srgbClr val="FFB600"/>
               </a:solidFill>
@@ -36121,8 +35976,8 @@
         </p:nvSpPr>
         <p:spPr>
           <a:xfrm>
-            <a:off x="685800" y="1943812"/>
-            <a:ext cx="4648200" cy="1998580"/>
+            <a:off x="685800" y="1943735"/>
+            <a:ext cx="2948305" cy="1401445"/>
           </a:xfrm>
           <a:prstGeom prst="rect">
             <a:avLst/>
@@ -36144,13 +35999,18 @@
               <a:buAutoNum type="arabicPeriod"/>
             </a:pPr>
             <a:r>
-              <a:rPr lang="en-US" sz="3200" smtClean="0">
+              <a:rPr lang="en-US" sz="1800" smtClean="0">
                 <a:solidFill>
                   <a:srgbClr val="FFFFFF"/>
                 </a:solidFill>
               </a:rPr>
               <a:t>Nguyễn Tứ Tấn Tài</a:t>
             </a:r>
+            <a:endParaRPr lang="en-US" sz="1800" smtClean="0">
+              <a:solidFill>
+                <a:srgbClr val="FFFFFF"/>
+              </a:solidFill>
+            </a:endParaRPr>
           </a:p>
           <a:p>
             <a:pPr marL="514350" lvl="0" indent="-514350" algn="l" rtl="0">
@@ -36163,13 +36023,18 @@
               <a:buAutoNum type="arabicPeriod"/>
             </a:pPr>
             <a:r>
-              <a:rPr lang="en-US" sz="3200" smtClean="0">
+              <a:rPr lang="en-US" sz="1800" smtClean="0">
                 <a:solidFill>
                   <a:srgbClr val="FFFFFF"/>
                 </a:solidFill>
               </a:rPr>
               <a:t>Phạm Thành Trung</a:t>
             </a:r>
+            <a:endParaRPr lang="en-US" sz="1800" smtClean="0">
+              <a:solidFill>
+                <a:srgbClr val="FFFFFF"/>
+              </a:solidFill>
+            </a:endParaRPr>
           </a:p>
           <a:p>
             <a:pPr marL="514350" lvl="0" indent="-514350" algn="l" rtl="0">
@@ -36182,14 +36047,14 @@
               <a:buAutoNum type="arabicPeriod"/>
             </a:pPr>
             <a:r>
-              <a:rPr lang="en-US" sz="3200" smtClean="0">
+              <a:rPr lang="en-US" sz="1800" smtClean="0">
                 <a:solidFill>
                   <a:srgbClr val="FFFFFF"/>
                 </a:solidFill>
               </a:rPr>
               <a:t>Nguyễn Kim Thiện</a:t>
             </a:r>
-            <a:endParaRPr sz="3200">
+            <a:endParaRPr sz="1800">
               <a:solidFill>
                 <a:srgbClr val="FFFFFF"/>
               </a:solidFill>
@@ -36204,9 +36069,7 @@
           <p:nvPr/>
         </p:nvPicPr>
         <p:blipFill>
-          <a:blip r:embed="rId3">
-            <a:alphaModFix/>
-          </a:blip>
+          <a:blip r:embed="rId1"/>
           <a:stretch>
             <a:fillRect/>
           </a:stretch>
@@ -36260,38 +36123,24 @@
               <a:buNone/>
             </a:pPr>
             <a:fld id="{00000000-1234-1234-1234-123412341234}" type="slidenum">
-              <a:rPr lang="en"/>
-              <a:t>2</a:t>
+              <a:rPr lang="en-GB"/>
             </a:fld>
-            <a:endParaRPr/>
+            <a:endParaRPr lang="en-GB"/>
           </a:p>
         </p:txBody>
       </p:sp>
-      <p:pic>
-        <p:nvPicPr>
-          <p:cNvPr id="1026" name="Picture 2"/>
-          <p:cNvPicPr>
-            <a:picLocks noChangeAspect="1" noChangeArrowheads="1"/>
-          </p:cNvPicPr>
+      <p:sp>
+        <p:nvSpPr>
+          <p:cNvPr id="2" name="Google Shape;403;p17"/>
+          <p:cNvSpPr txBox="1">
+            <a:spLocks noGrp="1"/>
+          </p:cNvSpPr>
           <p:nvPr/>
-        </p:nvPicPr>
-        <p:blipFill>
-          <a:blip r:embed="rId4">
-            <a:extLst>
-              <a:ext uri="{28A0092B-C50C-407E-A947-70E740481C1C}">
-                <a14:useLocalDpi xmlns:a14="http://schemas.microsoft.com/office/drawing/2010/main" val="0"/>
-              </a:ext>
-            </a:extLst>
-          </a:blip>
-          <a:srcRect/>
-          <a:stretch>
-            <a:fillRect/>
-          </a:stretch>
-        </p:blipFill>
-        <p:spPr bwMode="auto">
+        </p:nvSpPr>
+        <p:spPr>
           <a:xfrm>
-            <a:off x="6265150" y="2004550"/>
-            <a:ext cx="2116640" cy="2048100"/>
+            <a:off x="563245" y="3345180"/>
+            <a:ext cx="5486400" cy="643890"/>
           </a:xfrm>
           <a:prstGeom prst="rect">
             <a:avLst/>
@@ -36300,46 +36149,9 @@
           <a:ln>
             <a:noFill/>
           </a:ln>
-          <a:extLst>
-            <a:ext uri="{909E8E84-426E-40DD-AFC4-6F175D3DCCD1}">
-              <a14:hiddenFill xmlns:a14="http://schemas.microsoft.com/office/drawing/2010/main">
-                <a:solidFill>
-                  <a:schemeClr val="accent1"/>
-                </a:solidFill>
-              </a14:hiddenFill>
-            </a:ext>
-            <a:ext uri="{91240B29-F687-4F45-9708-019B960494DF}">
-              <a14:hiddenLine xmlns:a14="http://schemas.microsoft.com/office/drawing/2010/main" w="9525">
-                <a:solidFill>
-                  <a:schemeClr val="tx1"/>
-                </a:solidFill>
-                <a:miter lim="800000"/>
-                <a:headEnd/>
-                <a:tailEnd/>
-              </a14:hiddenLine>
-            </a:ext>
-          </a:extLst>
-        </p:spPr>
-      </p:pic>
-      <p:sp>
-        <p:nvSpPr>
-          <p:cNvPr id="7" name="Google Shape;412;p18"/>
-          <p:cNvSpPr txBox="1">
-            <a:spLocks/>
-          </p:cNvSpPr>
-          <p:nvPr/>
-        </p:nvSpPr>
-        <p:spPr>
-          <a:xfrm>
-            <a:off x="5913770" y="1123950"/>
-            <a:ext cx="2819400" cy="762000"/>
-          </a:xfrm>
-          <a:prstGeom prst="rect">
-            <a:avLst/>
-          </a:prstGeom>
         </p:spPr>
         <p:txBody>
-          <a:bodyPr spcFirstLastPara="1" wrap="square" lIns="91425" tIns="91425" rIns="91425" bIns="91425" anchor="t" anchorCtr="0">
+          <a:bodyPr wrap="square" lIns="91425" tIns="91425" rIns="91425" bIns="91425" anchor="ctr" anchorCtr="0">
             <a:noAutofit/>
           </a:bodyPr>
           <a:lstStyle>
@@ -36365,17 +36177,19 @@
                 <a:spcPts val="0"/>
               </a:spcAft>
               <a:buClr>
-                <a:srgbClr val="000000"/>
+                <a:schemeClr val="lt1"/>
               </a:buClr>
-              <a:buFont typeface="Arial"/>
-              <a:defRPr sz="1400" b="0" i="0" u="none" strike="noStrike" cap="none">
+              <a:buSzPts val="2000"/>
+              <a:buFont typeface="Roboto Slab Regular"/>
+              <a:buNone/>
+              <a:defRPr sz="2000" b="0" i="0" u="none" strike="noStrike" cap="none">
                 <a:solidFill>
-                  <a:srgbClr val="000000"/>
+                  <a:schemeClr val="lt1"/>
                 </a:solidFill>
-                <a:latin typeface="Arial"/>
-                <a:ea typeface="Arial"/>
-                <a:cs typeface="Arial"/>
-                <a:sym typeface="Arial"/>
+                <a:latin typeface="Roboto Slab Regular"/>
+                <a:ea typeface="Roboto Slab Regular"/>
+                <a:cs typeface="Roboto Slab Regular"/>
+                <a:sym typeface="Roboto Slab Regular"/>
               </a:defRPr>
             </a:lvl1pPr>
             <a:lvl2pPr marR="0" lvl="1" algn="l" rtl="0">
@@ -36389,17 +36203,19 @@
                 <a:spcPts val="0"/>
               </a:spcAft>
               <a:buClr>
-                <a:srgbClr val="000000"/>
+                <a:schemeClr val="lt1"/>
               </a:buClr>
-              <a:buFont typeface="Arial"/>
-              <a:defRPr sz="1400" b="0" i="0" u="none" strike="noStrike" cap="none">
+              <a:buSzPts val="2000"/>
+              <a:buFont typeface="Roboto Slab Regular"/>
+              <a:buNone/>
+              <a:defRPr sz="2000" b="0" i="0" u="none" strike="noStrike" cap="none">
                 <a:solidFill>
-                  <a:srgbClr val="000000"/>
+                  <a:schemeClr val="lt1"/>
                 </a:solidFill>
-                <a:latin typeface="Arial"/>
-                <a:ea typeface="Arial"/>
-                <a:cs typeface="Arial"/>
-                <a:sym typeface="Arial"/>
+                <a:latin typeface="Roboto Slab Regular"/>
+                <a:ea typeface="Roboto Slab Regular"/>
+                <a:cs typeface="Roboto Slab Regular"/>
+                <a:sym typeface="Roboto Slab Regular"/>
               </a:defRPr>
             </a:lvl2pPr>
             <a:lvl3pPr marR="0" lvl="2" algn="l" rtl="0">
@@ -36413,17 +36229,19 @@
                 <a:spcPts val="0"/>
               </a:spcAft>
               <a:buClr>
-                <a:srgbClr val="000000"/>
+                <a:schemeClr val="lt1"/>
               </a:buClr>
-              <a:buFont typeface="Arial"/>
-              <a:defRPr sz="1400" b="0" i="0" u="none" strike="noStrike" cap="none">
+              <a:buSzPts val="2000"/>
+              <a:buFont typeface="Roboto Slab Regular"/>
+              <a:buNone/>
+              <a:defRPr sz="2000" b="0" i="0" u="none" strike="noStrike" cap="none">
                 <a:solidFill>
-                  <a:srgbClr val="000000"/>
+                  <a:schemeClr val="lt1"/>
                 </a:solidFill>
-                <a:latin typeface="Arial"/>
-                <a:ea typeface="Arial"/>
-                <a:cs typeface="Arial"/>
-                <a:sym typeface="Arial"/>
+                <a:latin typeface="Roboto Slab Regular"/>
+                <a:ea typeface="Roboto Slab Regular"/>
+                <a:cs typeface="Roboto Slab Regular"/>
+                <a:sym typeface="Roboto Slab Regular"/>
               </a:defRPr>
             </a:lvl3pPr>
             <a:lvl4pPr marR="0" lvl="3" algn="l" rtl="0">
@@ -36437,17 +36255,19 @@
                 <a:spcPts val="0"/>
               </a:spcAft>
               <a:buClr>
-                <a:srgbClr val="000000"/>
+                <a:schemeClr val="lt1"/>
               </a:buClr>
-              <a:buFont typeface="Arial"/>
-              <a:defRPr sz="1400" b="0" i="0" u="none" strike="noStrike" cap="none">
+              <a:buSzPts val="2000"/>
+              <a:buFont typeface="Roboto Slab Regular"/>
+              <a:buNone/>
+              <a:defRPr sz="2000" b="0" i="0" u="none" strike="noStrike" cap="none">
                 <a:solidFill>
-                  <a:srgbClr val="000000"/>
+                  <a:schemeClr val="lt1"/>
                 </a:solidFill>
-                <a:latin typeface="Arial"/>
-                <a:ea typeface="Arial"/>
-                <a:cs typeface="Arial"/>
-                <a:sym typeface="Arial"/>
+                <a:latin typeface="Roboto Slab Regular"/>
+                <a:ea typeface="Roboto Slab Regular"/>
+                <a:cs typeface="Roboto Slab Regular"/>
+                <a:sym typeface="Roboto Slab Regular"/>
               </a:defRPr>
             </a:lvl4pPr>
             <a:lvl5pPr marR="0" lvl="4" algn="l" rtl="0">
@@ -36461,17 +36281,19 @@
                 <a:spcPts val="0"/>
               </a:spcAft>
               <a:buClr>
-                <a:srgbClr val="000000"/>
+                <a:schemeClr val="lt1"/>
               </a:buClr>
-              <a:buFont typeface="Arial"/>
-              <a:defRPr sz="1400" b="0" i="0" u="none" strike="noStrike" cap="none">
+              <a:buSzPts val="2000"/>
+              <a:buFont typeface="Roboto Slab Regular"/>
+              <a:buNone/>
+              <a:defRPr sz="2000" b="0" i="0" u="none" strike="noStrike" cap="none">
                 <a:solidFill>
-                  <a:srgbClr val="000000"/>
+                  <a:schemeClr val="lt1"/>
                 </a:solidFill>
-                <a:latin typeface="Arial"/>
-                <a:ea typeface="Arial"/>
-                <a:cs typeface="Arial"/>
-                <a:sym typeface="Arial"/>
+                <a:latin typeface="Roboto Slab Regular"/>
+                <a:ea typeface="Roboto Slab Regular"/>
+                <a:cs typeface="Roboto Slab Regular"/>
+                <a:sym typeface="Roboto Slab Regular"/>
               </a:defRPr>
             </a:lvl5pPr>
             <a:lvl6pPr marR="0" lvl="5" algn="l" rtl="0">
@@ -36485,17 +36307,19 @@
                 <a:spcPts val="0"/>
               </a:spcAft>
               <a:buClr>
-                <a:srgbClr val="000000"/>
+                <a:schemeClr val="lt1"/>
               </a:buClr>
-              <a:buFont typeface="Arial"/>
-              <a:defRPr sz="1400" b="0" i="0" u="none" strike="noStrike" cap="none">
+              <a:buSzPts val="2000"/>
+              <a:buFont typeface="Roboto Slab Regular"/>
+              <a:buNone/>
+              <a:defRPr sz="2000" b="0" i="0" u="none" strike="noStrike" cap="none">
                 <a:solidFill>
-                  <a:srgbClr val="000000"/>
+                  <a:schemeClr val="lt1"/>
                 </a:solidFill>
-                <a:latin typeface="Arial"/>
-                <a:ea typeface="Arial"/>
-                <a:cs typeface="Arial"/>
-                <a:sym typeface="Arial"/>
+                <a:latin typeface="Roboto Slab Regular"/>
+                <a:ea typeface="Roboto Slab Regular"/>
+                <a:cs typeface="Roboto Slab Regular"/>
+                <a:sym typeface="Roboto Slab Regular"/>
               </a:defRPr>
             </a:lvl6pPr>
             <a:lvl7pPr marR="0" lvl="6" algn="l" rtl="0">
@@ -36509,17 +36333,19 @@
                 <a:spcPts val="0"/>
               </a:spcAft>
               <a:buClr>
-                <a:srgbClr val="000000"/>
+                <a:schemeClr val="lt1"/>
               </a:buClr>
-              <a:buFont typeface="Arial"/>
-              <a:defRPr sz="1400" b="0" i="0" u="none" strike="noStrike" cap="none">
+              <a:buSzPts val="2000"/>
+              <a:buFont typeface="Roboto Slab Regular"/>
+              <a:buNone/>
+              <a:defRPr sz="2000" b="0" i="0" u="none" strike="noStrike" cap="none">
                 <a:solidFill>
-                  <a:srgbClr val="000000"/>
+                  <a:schemeClr val="lt1"/>
                 </a:solidFill>
-                <a:latin typeface="Arial"/>
-                <a:ea typeface="Arial"/>
-                <a:cs typeface="Arial"/>
-                <a:sym typeface="Arial"/>
+                <a:latin typeface="Roboto Slab Regular"/>
+                <a:ea typeface="Roboto Slab Regular"/>
+                <a:cs typeface="Roboto Slab Regular"/>
+                <a:sym typeface="Roboto Slab Regular"/>
               </a:defRPr>
             </a:lvl7pPr>
             <a:lvl8pPr marR="0" lvl="7" algn="l" rtl="0">
@@ -36533,17 +36359,19 @@
                 <a:spcPts val="0"/>
               </a:spcAft>
               <a:buClr>
-                <a:srgbClr val="000000"/>
+                <a:schemeClr val="lt1"/>
               </a:buClr>
-              <a:buFont typeface="Arial"/>
-              <a:defRPr sz="1400" b="0" i="0" u="none" strike="noStrike" cap="none">
+              <a:buSzPts val="2000"/>
+              <a:buFont typeface="Roboto Slab Regular"/>
+              <a:buNone/>
+              <a:defRPr sz="2000" b="0" i="0" u="none" strike="noStrike" cap="none">
                 <a:solidFill>
-                  <a:srgbClr val="000000"/>
+                  <a:schemeClr val="lt1"/>
                 </a:solidFill>
-                <a:latin typeface="Arial"/>
-                <a:ea typeface="Arial"/>
-                <a:cs typeface="Arial"/>
-                <a:sym typeface="Arial"/>
+                <a:latin typeface="Roboto Slab Regular"/>
+                <a:ea typeface="Roboto Slab Regular"/>
+                <a:cs typeface="Roboto Slab Regular"/>
+                <a:sym typeface="Roboto Slab Regular"/>
               </a:defRPr>
             </a:lvl8pPr>
             <a:lvl9pPr marR="0" lvl="8" algn="l" rtl="0">
@@ -36557,50 +36385,49 @@
                 <a:spcPts val="0"/>
               </a:spcAft>
               <a:buClr>
-                <a:srgbClr val="000000"/>
+                <a:schemeClr val="lt1"/>
               </a:buClr>
-              <a:buFont typeface="Arial"/>
-              <a:defRPr sz="1400" b="0" i="0" u="none" strike="noStrike" cap="none">
+              <a:buSzPts val="2000"/>
+              <a:buFont typeface="Roboto Slab Regular"/>
+              <a:buNone/>
+              <a:defRPr sz="2000" b="0" i="0" u="none" strike="noStrike" cap="none">
                 <a:solidFill>
-                  <a:srgbClr val="000000"/>
+                  <a:schemeClr val="lt1"/>
                 </a:solidFill>
-                <a:latin typeface="Arial"/>
-                <a:ea typeface="Arial"/>
-                <a:cs typeface="Arial"/>
-                <a:sym typeface="Arial"/>
+                <a:latin typeface="Roboto Slab Regular"/>
+                <a:ea typeface="Roboto Slab Regular"/>
+                <a:cs typeface="Roboto Slab Regular"/>
+                <a:sym typeface="Roboto Slab Regular"/>
               </a:defRPr>
             </a:lvl9pPr>
           </a:lstStyle>
           <a:p>
-            <a:pPr algn="ctr">
+            <a:pPr marL="0" lvl="0" indent="0" algn="l" rtl="0">
+              <a:spcBef>
+                <a:spcPts val="0"/>
+              </a:spcBef>
               <a:spcAft>
-                <a:spcPts val="1000"/>
+                <a:spcPts val="0"/>
               </a:spcAft>
+              <a:buNone/>
             </a:pPr>
             <a:r>
-              <a:rPr lang="en-US" sz="2000" smtClean="0">
+              <a:rPr lang="en-US" sz="1800" smtClean="0">
                 <a:solidFill>
-                  <a:schemeClr val="bg1"/>
+                  <a:srgbClr val="FFB600"/>
                 </a:solidFill>
               </a:rPr>
-              <a:t>Giảng viên hướng dẫn</a:t>
+              <a:t>GVHD: </a:t>
             </a:r>
-          </a:p>
-          <a:p>
-            <a:pPr algn="ctr">
-              <a:spcAft>
-                <a:spcPts val="1000"/>
-              </a:spcAft>
-            </a:pPr>
             <a:r>
-              <a:rPr lang="en-US" sz="2000" smtClean="0">
+              <a:rPr lang="en-US" sz="1800" smtClean="0">
                 <a:solidFill>
                   <a:schemeClr val="bg1"/>
                 </a:solidFill>
               </a:rPr>
               <a:t>Trần Thị Dung</a:t>
             </a:r>
-            <a:endParaRPr lang="vi-VN" sz="2000">
+            <a:endParaRPr lang="en-US" sz="1800" smtClean="0">
               <a:solidFill>
                 <a:schemeClr val="bg1"/>
               </a:solidFill>
@@ -36613,6 +36440,9 @@
   <p:clrMapOvr>
     <a:masterClrMapping/>
   </p:clrMapOvr>
+  <p:transition>
+    <p:fade thruBlk="1"/>
+  </p:transition>
   <p:timing>
     <p:tnLst>
       <p:par>
@@ -36678,7 +36508,7 @@
               <a:rPr lang="en-US" smtClean="0"/>
               <a:t>Đề tài thuyết trình:</a:t>
             </a:r>
-            <a:endParaRPr/>
+            <a:endParaRPr lang="en-US" smtClean="0"/>
           </a:p>
         </p:txBody>
       </p:sp>
@@ -36720,7 +36550,7 @@
               <a:rPr lang="en-US" smtClean="0"/>
               <a:t>Quản lý cửa hàng bán điện thoại</a:t>
             </a:r>
-            <a:endParaRPr/>
+            <a:endParaRPr lang="en-US" smtClean="0"/>
           </a:p>
         </p:txBody>
       </p:sp>
@@ -36729,6 +36559,9 @@
   <p:clrMapOvr>
     <a:masterClrMapping/>
   </p:clrMapOvr>
+  <p:transition>
+    <p:fade thruBlk="1"/>
+  </p:transition>
   <p:timing>
     <p:tnLst>
       <p:par>
@@ -36794,7 +36627,7 @@
               <a:rPr lang="en-US" smtClean="0"/>
               <a:t>Danh mục thuyết trình gồm</a:t>
             </a:r>
-            <a:endParaRPr/>
+            <a:endParaRPr lang="en-US" smtClean="0"/>
           </a:p>
         </p:txBody>
       </p:sp>
@@ -36845,6 +36678,12 @@
               </a:rPr>
               <a:t>I. Lý do chọn đề tài</a:t>
             </a:r>
+            <a:endParaRPr lang="en-US" sz="2000" b="1" smtClean="0">
+              <a:solidFill>
+                <a:srgbClr val="00B0F0"/>
+              </a:solidFill>
+              <a:latin typeface="+mj-lt"/>
+            </a:endParaRPr>
           </a:p>
           <a:p>
             <a:pPr marL="0" lvl="0" indent="0" algn="l" rtl="0">
@@ -36869,6 +36708,12 @@
               </a:rPr>
               <a:t>II. Mục tiêu, chức năng</a:t>
             </a:r>
+            <a:endParaRPr lang="en-US" sz="2000" b="1" smtClean="0">
+              <a:solidFill>
+                <a:srgbClr val="00B0F0"/>
+              </a:solidFill>
+              <a:latin typeface="+mj-lt"/>
+            </a:endParaRPr>
           </a:p>
           <a:p>
             <a:pPr marL="0" lvl="0" indent="0" algn="l" rtl="0">
@@ -36893,6 +36738,12 @@
               </a:rPr>
               <a:t>III. Công dụng</a:t>
             </a:r>
+            <a:endParaRPr lang="en-US" sz="2000" b="1" smtClean="0">
+              <a:solidFill>
+                <a:srgbClr val="00B0F0"/>
+              </a:solidFill>
+              <a:latin typeface="+mj-lt"/>
+            </a:endParaRPr>
           </a:p>
           <a:p>
             <a:pPr marL="0" lvl="0" indent="0" algn="l" rtl="0">
@@ -36936,7 +36787,7 @@
                 <a:schemeClr val="dk1"/>
               </a:buClr>
               <a:buSzPts val="1100"/>
-              <a:buFont typeface="Arial"/>
+              <a:buFont typeface="Arial" panose="020B0604020202020204"/>
               <a:buNone/>
             </a:pPr>
             <a:endParaRPr sz="1200">
@@ -36998,10 +36849,9 @@
               <a:buNone/>
             </a:pPr>
             <a:fld id="{00000000-1234-1234-1234-123412341234}" type="slidenum">
-              <a:rPr lang="en"/>
-              <a:t>4</a:t>
+              <a:rPr lang="en-GB"/>
             </a:fld>
-            <a:endParaRPr/>
+            <a:endParaRPr lang="en-GB"/>
           </a:p>
         </p:txBody>
       </p:sp>
@@ -37041,7 +36891,6 @@
               </a:spcAft>
               <a:buNone/>
             </a:pPr>
-            <a:endParaRPr/>
           </a:p>
         </p:txBody>
       </p:sp>
@@ -37050,6 +36899,9 @@
   <p:clrMapOvr>
     <a:masterClrMapping/>
   </p:clrMapOvr>
+  <p:transition>
+    <p:fade thruBlk="1"/>
+  </p:transition>
   <p:timing>
     <p:tnLst>
       <p:par>
@@ -37106,14 +36958,14 @@
               <a:buNone/>
             </a:pPr>
             <a:r>
-              <a:rPr lang="en" smtClean="0"/>
+              <a:rPr lang="en-GB" smtClean="0"/>
               <a:t>- Ngày nay thì công nghệ thông tin đang phát triển thì vấn đề quản lý cần được đề cao. Và việc </a:t>
             </a:r>
             <a:r>
-              <a:rPr lang="en"/>
+              <a:rPr lang="en-GB"/>
               <a:t>nhà sản xuất muốn sản phẩm đến tay người dùng  thì phải thông qua cửa hàng, chi nhánh… </a:t>
             </a:r>
-            <a:endParaRPr/>
+            <a:endParaRPr lang="en-GB"/>
           </a:p>
         </p:txBody>
       </p:sp>
@@ -37152,10 +37004,10 @@
               <a:buNone/>
             </a:pPr>
             <a:r>
-              <a:rPr lang="en" smtClean="0"/>
+              <a:rPr lang="en-GB" smtClean="0"/>
               <a:t>I. Lý do chọn đề tài :</a:t>
             </a:r>
-            <a:endParaRPr/>
+            <a:endParaRPr lang="en-GB" smtClean="0"/>
           </a:p>
         </p:txBody>
       </p:sp>
@@ -37191,7 +37043,7 @@
               <a:rPr lang="en-US" smtClean="0"/>
               <a:t>Vì vậy ứng dụng quản lý cửa hàng bán điện thoại để giúp các cửa hàng chi nhánh quản lý việc mua bán sản phẩm với khách hàng  và đồng thời quản lý doanh thu cho cửa hàng…</a:t>
             </a:r>
-            <a:endParaRPr/>
+            <a:endParaRPr lang="en-US" smtClean="0"/>
           </a:p>
         </p:txBody>
       </p:sp>
@@ -37230,10 +37082,9 @@
               <a:buNone/>
             </a:pPr>
             <a:fld id="{00000000-1234-1234-1234-123412341234}" type="slidenum">
-              <a:rPr lang="en"/>
-              <a:t>5</a:t>
+              <a:rPr lang="en-GB"/>
             </a:fld>
-            <a:endParaRPr/>
+            <a:endParaRPr lang="en-GB"/>
           </a:p>
         </p:txBody>
       </p:sp>
@@ -37242,6 +37093,9 @@
   <p:clrMapOvr>
     <a:masterClrMapping/>
   </p:clrMapOvr>
+  <p:transition>
+    <p:fade thruBlk="1"/>
+  </p:transition>
   <p:timing>
     <p:tnLst>
       <p:par>
@@ -37556,7 +37410,7 @@
               <a:rPr lang="en-US" smtClean="0"/>
               <a:t>II. Mục tiêu, Chức năng</a:t>
             </a:r>
-            <a:endParaRPr/>
+            <a:endParaRPr lang="en-US" smtClean="0"/>
           </a:p>
         </p:txBody>
       </p:sp>
@@ -37595,9 +37449,10 @@
               <a:buNone/>
             </a:pPr>
             <a:r>
-              <a:rPr lang="en" b="1" smtClean="0"/>
+              <a:rPr lang="en-GB" b="1" smtClean="0"/>
               <a:t>Mục tiêu nghiên cứu</a:t>
             </a:r>
+            <a:endParaRPr lang="en-GB" b="1" smtClean="0"/>
           </a:p>
           <a:p>
             <a:pPr marL="0" indent="0">
@@ -37621,6 +37476,7 @@
               <a:rPr lang="en-US" smtClean="0"/>
               <a:t>.</a:t>
             </a:r>
+            <a:endParaRPr lang="en-US" smtClean="0"/>
           </a:p>
           <a:p>
             <a:pPr marL="0" lvl="0" indent="0">
@@ -37648,6 +37504,7 @@
               <a:rPr lang="en-US" smtClean="0"/>
               <a:t>.</a:t>
             </a:r>
+            <a:endParaRPr lang="en-US" smtClean="0"/>
           </a:p>
           <a:p>
             <a:pPr marL="0" indent="0">
@@ -37667,6 +37524,7 @@
               <a:rPr lang="en-US"/>
               <a:t>được cách thức hoạt động của cơ sở dữ liệu.</a:t>
             </a:r>
+            <a:endParaRPr lang="en-US"/>
           </a:p>
           <a:p>
             <a:pPr marL="0" indent="0">
@@ -37694,6 +37552,7 @@
               <a:rPr lang="en-US"/>
               <a:t>cửa hàng.</a:t>
             </a:r>
+            <a:endParaRPr lang="en-US"/>
           </a:p>
           <a:p>
             <a:pPr marL="0" lvl="0" indent="0">
@@ -37741,7 +37600,6 @@
               </a:spcAft>
               <a:buNone/>
             </a:pPr>
-            <a:endParaRPr/>
           </a:p>
         </p:txBody>
       </p:sp>
@@ -37780,10 +37638,9 @@
               <a:buNone/>
             </a:pPr>
             <a:fld id="{00000000-1234-1234-1234-123412341234}" type="slidenum">
-              <a:rPr lang="en"/>
-              <a:t>6</a:t>
+              <a:rPr lang="en-GB"/>
             </a:fld>
-            <a:endParaRPr/>
+            <a:endParaRPr lang="en-GB"/>
           </a:p>
         </p:txBody>
       </p:sp>
@@ -37822,7 +37679,7 @@
               <a:buNone/>
             </a:pPr>
             <a:r>
-              <a:rPr lang="en" b="1" smtClean="0"/>
+              <a:rPr lang="en-GB" b="1" smtClean="0"/>
               <a:t>Chức năng</a:t>
             </a:r>
             <a:endParaRPr b="1"/>
@@ -37838,7 +37695,7 @@
               <a:buNone/>
             </a:pPr>
             <a:r>
-              <a:rPr lang="en" smtClean="0"/>
+              <a:rPr lang="en-GB" smtClean="0"/>
               <a:t>- </a:t>
             </a:r>
             <a:r>
@@ -37853,7 +37710,7 @@
               <a:rPr lang="en-US" smtClean="0"/>
               <a:t>.</a:t>
             </a:r>
-            <a:endParaRPr lang="en" smtClean="0"/>
+            <a:endParaRPr lang="en-GB" smtClean="0"/>
           </a:p>
           <a:p>
             <a:pPr marL="0" indent="0">
@@ -37866,7 +37723,7 @@
               <a:buNone/>
             </a:pPr>
             <a:r>
-              <a:rPr lang="en" smtClean="0"/>
+              <a:rPr lang="en-GB" smtClean="0"/>
               <a:t>- </a:t>
             </a:r>
             <a:r>
@@ -37881,7 +37738,7 @@
               <a:rPr lang="en-US" smtClean="0"/>
               <a:t>.</a:t>
             </a:r>
-            <a:endParaRPr lang="en" smtClean="0"/>
+            <a:endParaRPr lang="en-GB" smtClean="0"/>
           </a:p>
           <a:p>
             <a:pPr marL="0" indent="0">
@@ -37894,7 +37751,7 @@
               <a:buNone/>
             </a:pPr>
             <a:r>
-              <a:rPr lang="en" smtClean="0"/>
+              <a:rPr lang="en-GB" smtClean="0"/>
               <a:t>- </a:t>
             </a:r>
             <a:r>
@@ -37947,6 +37804,9 @@
   <p:clrMapOvr>
     <a:masterClrMapping/>
   </p:clrMapOvr>
+  <p:transition>
+    <p:fade thruBlk="1"/>
+  </p:transition>
   <p:timing>
     <p:tnLst>
       <p:par>
@@ -38895,7 +38755,7 @@
               <a:rPr lang="en-US" smtClean="0"/>
               <a:t>III. Công dụng</a:t>
             </a:r>
-            <a:endParaRPr/>
+            <a:endParaRPr lang="en-US" smtClean="0"/>
           </a:p>
         </p:txBody>
       </p:sp>
@@ -38906,9 +38766,7 @@
           <p:nvPr/>
         </p:nvPicPr>
         <p:blipFill>
-          <a:blip r:embed="rId3">
-            <a:alphaModFix/>
-          </a:blip>
+          <a:blip r:embed="rId1"/>
           <a:stretch>
             <a:fillRect/>
           </a:stretch>
@@ -38962,19 +38820,16 @@
               <a:buNone/>
             </a:pPr>
             <a:fld id="{00000000-1234-1234-1234-123412341234}" type="slidenum">
-              <a:rPr lang="en"/>
-              <a:t>7</a:t>
+              <a:rPr lang="en-GB"/>
             </a:fld>
-            <a:endParaRPr/>
+            <a:endParaRPr lang="en-GB"/>
           </a:p>
         </p:txBody>
       </p:sp>
       <p:sp>
         <p:nvSpPr>
           <p:cNvPr id="6" name="Google Shape;460;p23"/>
-          <p:cNvSpPr txBox="1">
-            <a:spLocks/>
-          </p:cNvSpPr>
+          <p:cNvSpPr txBox="1"/>
           <p:nvPr/>
         </p:nvSpPr>
         <p:spPr>
@@ -39015,15 +38870,15 @@
               <a:buClr>
                 <a:srgbClr val="000000"/>
               </a:buClr>
-              <a:buFont typeface="Arial"/>
+              <a:buFont typeface="Arial" panose="020B0604020202020204"/>
               <a:defRPr sz="1400" b="0" i="0" u="none" strike="noStrike" cap="none">
                 <a:solidFill>
                   <a:srgbClr val="000000"/>
                 </a:solidFill>
-                <a:latin typeface="Arial"/>
-                <a:ea typeface="Arial"/>
-                <a:cs typeface="Arial"/>
-                <a:sym typeface="Arial"/>
+                <a:latin typeface="Arial" panose="020B0604020202020204"/>
+                <a:ea typeface="Arial" panose="020B0604020202020204"/>
+                <a:cs typeface="Arial" panose="020B0604020202020204"/>
+                <a:sym typeface="Arial" panose="020B0604020202020204"/>
               </a:defRPr>
             </a:lvl1pPr>
             <a:lvl2pPr marR="0" lvl="1" algn="l" rtl="0">
@@ -39039,15 +38894,15 @@
               <a:buClr>
                 <a:srgbClr val="000000"/>
               </a:buClr>
-              <a:buFont typeface="Arial"/>
+              <a:buFont typeface="Arial" panose="020B0604020202020204"/>
               <a:defRPr sz="1400" b="0" i="0" u="none" strike="noStrike" cap="none">
                 <a:solidFill>
                   <a:srgbClr val="000000"/>
                 </a:solidFill>
-                <a:latin typeface="Arial"/>
-                <a:ea typeface="Arial"/>
-                <a:cs typeface="Arial"/>
-                <a:sym typeface="Arial"/>
+                <a:latin typeface="Arial" panose="020B0604020202020204"/>
+                <a:ea typeface="Arial" panose="020B0604020202020204"/>
+                <a:cs typeface="Arial" panose="020B0604020202020204"/>
+                <a:sym typeface="Arial" panose="020B0604020202020204"/>
               </a:defRPr>
             </a:lvl2pPr>
             <a:lvl3pPr marR="0" lvl="2" algn="l" rtl="0">
@@ -39063,15 +38918,15 @@
               <a:buClr>
                 <a:srgbClr val="000000"/>
               </a:buClr>
-              <a:buFont typeface="Arial"/>
+              <a:buFont typeface="Arial" panose="020B0604020202020204"/>
               <a:defRPr sz="1400" b="0" i="0" u="none" strike="noStrike" cap="none">
                 <a:solidFill>
                   <a:srgbClr val="000000"/>
                 </a:solidFill>
-                <a:latin typeface="Arial"/>
-                <a:ea typeface="Arial"/>
-                <a:cs typeface="Arial"/>
-                <a:sym typeface="Arial"/>
+                <a:latin typeface="Arial" panose="020B0604020202020204"/>
+                <a:ea typeface="Arial" panose="020B0604020202020204"/>
+                <a:cs typeface="Arial" panose="020B0604020202020204"/>
+                <a:sym typeface="Arial" panose="020B0604020202020204"/>
               </a:defRPr>
             </a:lvl3pPr>
             <a:lvl4pPr marR="0" lvl="3" algn="l" rtl="0">
@@ -39087,15 +38942,15 @@
               <a:buClr>
                 <a:srgbClr val="000000"/>
               </a:buClr>
-              <a:buFont typeface="Arial"/>
+              <a:buFont typeface="Arial" panose="020B0604020202020204"/>
               <a:defRPr sz="1400" b="0" i="0" u="none" strike="noStrike" cap="none">
                 <a:solidFill>
                   <a:srgbClr val="000000"/>
                 </a:solidFill>
-                <a:latin typeface="Arial"/>
-                <a:ea typeface="Arial"/>
-                <a:cs typeface="Arial"/>
-                <a:sym typeface="Arial"/>
+                <a:latin typeface="Arial" panose="020B0604020202020204"/>
+                <a:ea typeface="Arial" panose="020B0604020202020204"/>
+                <a:cs typeface="Arial" panose="020B0604020202020204"/>
+                <a:sym typeface="Arial" panose="020B0604020202020204"/>
               </a:defRPr>
             </a:lvl4pPr>
             <a:lvl5pPr marR="0" lvl="4" algn="l" rtl="0">
@@ -39111,15 +38966,15 @@
               <a:buClr>
                 <a:srgbClr val="000000"/>
               </a:buClr>
-              <a:buFont typeface="Arial"/>
+              <a:buFont typeface="Arial" panose="020B0604020202020204"/>
               <a:defRPr sz="1400" b="0" i="0" u="none" strike="noStrike" cap="none">
                 <a:solidFill>
                   <a:srgbClr val="000000"/>
                 </a:solidFill>
-                <a:latin typeface="Arial"/>
-                <a:ea typeface="Arial"/>
-                <a:cs typeface="Arial"/>
-                <a:sym typeface="Arial"/>
+                <a:latin typeface="Arial" panose="020B0604020202020204"/>
+                <a:ea typeface="Arial" panose="020B0604020202020204"/>
+                <a:cs typeface="Arial" panose="020B0604020202020204"/>
+                <a:sym typeface="Arial" panose="020B0604020202020204"/>
               </a:defRPr>
             </a:lvl5pPr>
             <a:lvl6pPr marR="0" lvl="5" algn="l" rtl="0">
@@ -39135,15 +38990,15 @@
               <a:buClr>
                 <a:srgbClr val="000000"/>
               </a:buClr>
-              <a:buFont typeface="Arial"/>
+              <a:buFont typeface="Arial" panose="020B0604020202020204"/>
               <a:defRPr sz="1400" b="0" i="0" u="none" strike="noStrike" cap="none">
                 <a:solidFill>
                   <a:srgbClr val="000000"/>
                 </a:solidFill>
-                <a:latin typeface="Arial"/>
-                <a:ea typeface="Arial"/>
-                <a:cs typeface="Arial"/>
-                <a:sym typeface="Arial"/>
+                <a:latin typeface="Arial" panose="020B0604020202020204"/>
+                <a:ea typeface="Arial" panose="020B0604020202020204"/>
+                <a:cs typeface="Arial" panose="020B0604020202020204"/>
+                <a:sym typeface="Arial" panose="020B0604020202020204"/>
               </a:defRPr>
             </a:lvl6pPr>
             <a:lvl7pPr marR="0" lvl="6" algn="l" rtl="0">
@@ -39159,15 +39014,15 @@
               <a:buClr>
                 <a:srgbClr val="000000"/>
               </a:buClr>
-              <a:buFont typeface="Arial"/>
+              <a:buFont typeface="Arial" panose="020B0604020202020204"/>
               <a:defRPr sz="1400" b="0" i="0" u="none" strike="noStrike" cap="none">
                 <a:solidFill>
                   <a:srgbClr val="000000"/>
                 </a:solidFill>
-                <a:latin typeface="Arial"/>
-                <a:ea typeface="Arial"/>
-                <a:cs typeface="Arial"/>
-                <a:sym typeface="Arial"/>
+                <a:latin typeface="Arial" panose="020B0604020202020204"/>
+                <a:ea typeface="Arial" panose="020B0604020202020204"/>
+                <a:cs typeface="Arial" panose="020B0604020202020204"/>
+                <a:sym typeface="Arial" panose="020B0604020202020204"/>
               </a:defRPr>
             </a:lvl7pPr>
             <a:lvl8pPr marR="0" lvl="7" algn="l" rtl="0">
@@ -39183,15 +39038,15 @@
               <a:buClr>
                 <a:srgbClr val="000000"/>
               </a:buClr>
-              <a:buFont typeface="Arial"/>
+              <a:buFont typeface="Arial" panose="020B0604020202020204"/>
               <a:defRPr sz="1400" b="0" i="0" u="none" strike="noStrike" cap="none">
                 <a:solidFill>
                   <a:srgbClr val="000000"/>
                 </a:solidFill>
-                <a:latin typeface="Arial"/>
-                <a:ea typeface="Arial"/>
-                <a:cs typeface="Arial"/>
-                <a:sym typeface="Arial"/>
+                <a:latin typeface="Arial" panose="020B0604020202020204"/>
+                <a:ea typeface="Arial" panose="020B0604020202020204"/>
+                <a:cs typeface="Arial" panose="020B0604020202020204"/>
+                <a:sym typeface="Arial" panose="020B0604020202020204"/>
               </a:defRPr>
             </a:lvl8pPr>
             <a:lvl9pPr marR="0" lvl="8" algn="l" rtl="0">
@@ -39207,15 +39062,15 @@
               <a:buClr>
                 <a:srgbClr val="000000"/>
               </a:buClr>
-              <a:buFont typeface="Arial"/>
+              <a:buFont typeface="Arial" panose="020B0604020202020204"/>
               <a:defRPr sz="1400" b="0" i="0" u="none" strike="noStrike" cap="none">
                 <a:solidFill>
                   <a:srgbClr val="000000"/>
                 </a:solidFill>
-                <a:latin typeface="Arial"/>
-                <a:ea typeface="Arial"/>
-                <a:cs typeface="Arial"/>
-                <a:sym typeface="Arial"/>
+                <a:latin typeface="Arial" panose="020B0604020202020204"/>
+                <a:ea typeface="Arial" panose="020B0604020202020204"/>
+                <a:cs typeface="Arial" panose="020B0604020202020204"/>
+                <a:sym typeface="Arial" panose="020B0604020202020204"/>
               </a:defRPr>
             </a:lvl9pPr>
           </a:lstStyle>
@@ -39240,6 +39095,7 @@
               <a:rPr lang="vi-VN" sz="1600" smtClean="0"/>
               <a:t>Quản lý tốt các danh mục sản phẩm, khách hàng cũng như nhà sản xuất..</a:t>
             </a:r>
+            <a:endParaRPr lang="vi-VN" sz="1600" smtClean="0"/>
           </a:p>
           <a:p>
             <a:pPr>
@@ -39262,6 +39118,7 @@
               <a:rPr lang="vi-VN" sz="1600" smtClean="0"/>
               <a:t>Thống kê đầy đủ những vấn đề liên quan đến cửa hàng.</a:t>
             </a:r>
+            <a:endParaRPr lang="vi-VN" sz="1600" smtClean="0"/>
           </a:p>
           <a:p>
             <a:pPr>
@@ -39297,6 +39154,9 @@
   <p:clrMapOvr>
     <a:masterClrMapping/>
   </p:clrMapOvr>
+  <p:transition>
+    <p:fade thruBlk="1"/>
+  </p:transition>
   <p:timing>
     <p:tnLst>
       <p:par>
@@ -39446,9 +39306,7 @@
     <p:bg>
       <p:bgPr>
         <a:blipFill>
-          <a:blip r:embed="rId3">
-            <a:alphaModFix/>
-          </a:blip>
+          <a:blip r:embed="rId1"/>
           <a:stretch>
             <a:fillRect/>
           </a:stretch>
@@ -39482,7 +39340,7 @@
         </p:nvSpPr>
         <p:spPr>
           <a:xfrm>
-            <a:off x="1905000" y="1428750"/>
+            <a:off x="1972945" y="1700530"/>
             <a:ext cx="4754100" cy="1380000"/>
           </a:xfrm>
           <a:prstGeom prst="rect">
@@ -39505,14 +39363,14 @@
               <a:buNone/>
             </a:pPr>
             <a:r>
-              <a:rPr lang="en-US" sz="4000" smtClean="0">
+              <a:rPr lang="en-US" sz="4000" b="1" smtClean="0">
                 <a:solidFill>
                   <a:srgbClr val="FFFF00"/>
                 </a:solidFill>
               </a:rPr>
               <a:t>IV. Mô Tả</a:t>
             </a:r>
-            <a:endParaRPr sz="4000">
+            <a:endParaRPr lang="en-US" sz="4000" b="1" smtClean="0">
               <a:solidFill>
                 <a:srgbClr val="FFFF00"/>
               </a:solidFill>
@@ -39555,10 +39413,9 @@
               <a:buNone/>
             </a:pPr>
             <a:fld id="{00000000-1234-1234-1234-123412341234}" type="slidenum">
-              <a:rPr lang="en"/>
-              <a:t>8</a:t>
+              <a:rPr lang="en-GB"/>
             </a:fld>
-            <a:endParaRPr/>
+            <a:endParaRPr lang="en-GB"/>
           </a:p>
         </p:txBody>
       </p:sp>
@@ -39567,6 +39424,9 @@
   <p:clrMapOvr>
     <a:masterClrMapping/>
   </p:clrMapOvr>
+  <p:transition>
+    <p:fade thruBlk="1"/>
+  </p:transition>
   <p:timing>
     <p:tnLst>
       <p:par>
@@ -39632,7 +39492,7 @@
               <a:rPr lang="en-US" smtClean="0"/>
               <a:t>1. Các tập thực thể</a:t>
             </a:r>
-            <a:endParaRPr/>
+            <a:endParaRPr lang="en-US" smtClean="0"/>
           </a:p>
         </p:txBody>
       </p:sp>
@@ -39681,10 +39541,10 @@
                 <a:solidFill>
                   <a:srgbClr val="4A5C65"/>
                 </a:solidFill>
-                <a:latin typeface="Lato Light"/>
-                <a:ea typeface="Lato Light"/>
-                <a:cs typeface="Lato Light"/>
-                <a:sym typeface="Lato Light"/>
+                <a:latin typeface="Lato Light" panose="020F0502020204030203"/>
+                <a:ea typeface="Lato Light" panose="020F0502020204030203"/>
+                <a:cs typeface="Lato Light" panose="020F0502020204030203"/>
+                <a:sym typeface="Lato Light" panose="020F0502020204030203"/>
               </a:rPr>
               <a:t>Hãng</a:t>
             </a:r>
@@ -39692,10 +39552,10 @@
               <a:solidFill>
                 <a:srgbClr val="4A5C65"/>
               </a:solidFill>
-              <a:latin typeface="Lato Light"/>
-              <a:ea typeface="Lato Light"/>
-              <a:cs typeface="Lato Light"/>
-              <a:sym typeface="Lato Light"/>
+              <a:latin typeface="Lato Light" panose="020F0502020204030203"/>
+              <a:ea typeface="Lato Light" panose="020F0502020204030203"/>
+              <a:cs typeface="Lato Light" panose="020F0502020204030203"/>
+              <a:sym typeface="Lato Light" panose="020F0502020204030203"/>
             </a:endParaRPr>
           </a:p>
         </p:txBody>
@@ -39741,14 +39601,14 @@
               <a:buNone/>
             </a:pPr>
             <a:r>
-              <a:rPr lang="en" smtClean="0">
+              <a:rPr lang="en-GB" smtClean="0">
                 <a:solidFill>
                   <a:srgbClr val="4A5C65"/>
                 </a:solidFill>
-                <a:latin typeface="Lato Light"/>
-                <a:ea typeface="Lato Light"/>
-                <a:cs typeface="Lato Light"/>
-                <a:sym typeface="Lato Light"/>
+                <a:latin typeface="Lato Light" panose="020F0502020204030203"/>
+                <a:ea typeface="Lato Light" panose="020F0502020204030203"/>
+                <a:cs typeface="Lato Light" panose="020F0502020204030203"/>
+                <a:sym typeface="Lato Light" panose="020F0502020204030203"/>
               </a:rPr>
               <a:t>Nhân Viên</a:t>
             </a:r>
@@ -39756,10 +39616,10 @@
               <a:solidFill>
                 <a:srgbClr val="4A5C65"/>
               </a:solidFill>
-              <a:latin typeface="Lato Light"/>
-              <a:ea typeface="Lato Light"/>
-              <a:cs typeface="Lato Light"/>
-              <a:sym typeface="Lato Light"/>
+              <a:latin typeface="Lato Light" panose="020F0502020204030203"/>
+              <a:ea typeface="Lato Light" panose="020F0502020204030203"/>
+              <a:cs typeface="Lato Light" panose="020F0502020204030203"/>
+              <a:sym typeface="Lato Light" panose="020F0502020204030203"/>
             </a:endParaRPr>
           </a:p>
         </p:txBody>
@@ -39805,14 +39665,14 @@
               <a:buNone/>
             </a:pPr>
             <a:r>
-              <a:rPr lang="en" smtClean="0">
+              <a:rPr lang="en-GB" smtClean="0">
                 <a:solidFill>
                   <a:srgbClr val="4A5C65"/>
                 </a:solidFill>
-                <a:latin typeface="Lato Light"/>
-                <a:ea typeface="Lato Light"/>
-                <a:cs typeface="Lato Light"/>
-                <a:sym typeface="Lato Light"/>
+                <a:latin typeface="Lato Light" panose="020F0502020204030203"/>
+                <a:ea typeface="Lato Light" panose="020F0502020204030203"/>
+                <a:cs typeface="Lato Light" panose="020F0502020204030203"/>
+                <a:sym typeface="Lato Light" panose="020F0502020204030203"/>
               </a:rPr>
               <a:t>Chi Tiết Hóa Đơn</a:t>
             </a:r>
@@ -39820,10 +39680,10 @@
               <a:solidFill>
                 <a:srgbClr val="4A5C65"/>
               </a:solidFill>
-              <a:latin typeface="Lato Light"/>
-              <a:ea typeface="Lato Light"/>
-              <a:cs typeface="Lato Light"/>
-              <a:sym typeface="Lato Light"/>
+              <a:latin typeface="Lato Light" panose="020F0502020204030203"/>
+              <a:ea typeface="Lato Light" panose="020F0502020204030203"/>
+              <a:cs typeface="Lato Light" panose="020F0502020204030203"/>
+              <a:sym typeface="Lato Light" panose="020F0502020204030203"/>
             </a:endParaRPr>
           </a:p>
         </p:txBody>
@@ -39863,10 +39723,9 @@
               <a:buNone/>
             </a:pPr>
             <a:fld id="{00000000-1234-1234-1234-123412341234}" type="slidenum">
-              <a:rPr lang="en"/>
-              <a:t>9</a:t>
+              <a:rPr lang="en-GB"/>
             </a:fld>
-            <a:endParaRPr/>
+            <a:endParaRPr lang="en-GB"/>
           </a:p>
         </p:txBody>
       </p:sp>
@@ -39911,14 +39770,14 @@
               <a:buNone/>
             </a:pPr>
             <a:r>
-              <a:rPr lang="en" smtClean="0">
+              <a:rPr lang="en-GB" smtClean="0">
                 <a:solidFill>
                   <a:srgbClr val="4A5C65"/>
                 </a:solidFill>
-                <a:latin typeface="Lato Light"/>
-                <a:ea typeface="Lato Light"/>
-                <a:cs typeface="Lato Light"/>
-                <a:sym typeface="Lato Light"/>
+                <a:latin typeface="Lato Light" panose="020F0502020204030203"/>
+                <a:ea typeface="Lato Light" panose="020F0502020204030203"/>
+                <a:cs typeface="Lato Light" panose="020F0502020204030203"/>
+                <a:sym typeface="Lato Light" panose="020F0502020204030203"/>
               </a:rPr>
               <a:t>Khách Hàng</a:t>
             </a:r>
@@ -39926,10 +39785,10 @@
               <a:solidFill>
                 <a:srgbClr val="4A5C65"/>
               </a:solidFill>
-              <a:latin typeface="Lato Light"/>
-              <a:ea typeface="Lato Light"/>
-              <a:cs typeface="Lato Light"/>
-              <a:sym typeface="Lato Light"/>
+              <a:latin typeface="Lato Light" panose="020F0502020204030203"/>
+              <a:ea typeface="Lato Light" panose="020F0502020204030203"/>
+              <a:cs typeface="Lato Light" panose="020F0502020204030203"/>
+              <a:sym typeface="Lato Light" panose="020F0502020204030203"/>
             </a:endParaRPr>
           </a:p>
         </p:txBody>
@@ -39979,10 +39838,10 @@
                 <a:solidFill>
                   <a:srgbClr val="4A5C65"/>
                 </a:solidFill>
-                <a:latin typeface="Lato Light"/>
-                <a:ea typeface="Lato Light"/>
-                <a:cs typeface="Lato Light"/>
-                <a:sym typeface="Lato Light"/>
+                <a:latin typeface="Lato Light" panose="020F0502020204030203"/>
+                <a:ea typeface="Lato Light" panose="020F0502020204030203"/>
+                <a:cs typeface="Lato Light" panose="020F0502020204030203"/>
+                <a:sym typeface="Lato Light" panose="020F0502020204030203"/>
               </a:rPr>
               <a:t>Sản Phẩm</a:t>
             </a:r>
@@ -39990,10 +39849,10 @@
               <a:solidFill>
                 <a:srgbClr val="4A5C65"/>
               </a:solidFill>
-              <a:latin typeface="Lato Light"/>
-              <a:ea typeface="Lato Light"/>
-              <a:cs typeface="Lato Light"/>
-              <a:sym typeface="Lato Light"/>
+              <a:latin typeface="Lato Light" panose="020F0502020204030203"/>
+              <a:ea typeface="Lato Light" panose="020F0502020204030203"/>
+              <a:cs typeface="Lato Light" panose="020F0502020204030203"/>
+              <a:sym typeface="Lato Light" panose="020F0502020204030203"/>
             </a:endParaRPr>
           </a:p>
         </p:txBody>
@@ -40039,14 +39898,14 @@
               <a:buNone/>
             </a:pPr>
             <a:r>
-              <a:rPr lang="en" smtClean="0">
+              <a:rPr lang="en-GB" smtClean="0">
                 <a:solidFill>
                   <a:srgbClr val="4A5C65"/>
                 </a:solidFill>
-                <a:latin typeface="Lato Light"/>
-                <a:ea typeface="Lato Light"/>
-                <a:cs typeface="Lato Light"/>
-                <a:sym typeface="Lato Light"/>
+                <a:latin typeface="Lato Light" panose="020F0502020204030203"/>
+                <a:ea typeface="Lato Light" panose="020F0502020204030203"/>
+                <a:cs typeface="Lato Light" panose="020F0502020204030203"/>
+                <a:sym typeface="Lato Light" panose="020F0502020204030203"/>
               </a:rPr>
               <a:t>Hóa Đơn</a:t>
             </a:r>
@@ -40054,10 +39913,10 @@
               <a:solidFill>
                 <a:srgbClr val="4A5C65"/>
               </a:solidFill>
-              <a:latin typeface="Lato Light"/>
-              <a:ea typeface="Lato Light"/>
-              <a:cs typeface="Lato Light"/>
-              <a:sym typeface="Lato Light"/>
+              <a:latin typeface="Lato Light" panose="020F0502020204030203"/>
+              <a:ea typeface="Lato Light" panose="020F0502020204030203"/>
+              <a:cs typeface="Lato Light" panose="020F0502020204030203"/>
+              <a:sym typeface="Lato Light" panose="020F0502020204030203"/>
             </a:endParaRPr>
           </a:p>
         </p:txBody>
@@ -40107,10 +39966,10 @@
                 <a:solidFill>
                   <a:srgbClr val="4A5C65"/>
                 </a:solidFill>
-                <a:latin typeface="Lato Light"/>
-                <a:ea typeface="Lato Light"/>
-                <a:cs typeface="Lato Light"/>
-                <a:sym typeface="Lato Light"/>
+                <a:latin typeface="Lato Light" panose="020F0502020204030203"/>
+                <a:ea typeface="Lato Light" panose="020F0502020204030203"/>
+                <a:cs typeface="Lato Light" panose="020F0502020204030203"/>
+                <a:sym typeface="Lato Light" panose="020F0502020204030203"/>
               </a:rPr>
               <a:t>Mã giảm Giá</a:t>
             </a:r>
@@ -40118,10 +39977,10 @@
               <a:solidFill>
                 <a:srgbClr val="4A5C65"/>
               </a:solidFill>
-              <a:latin typeface="Lato Light"/>
-              <a:ea typeface="Lato Light"/>
-              <a:cs typeface="Lato Light"/>
-              <a:sym typeface="Lato Light"/>
+              <a:latin typeface="Lato Light" panose="020F0502020204030203"/>
+              <a:ea typeface="Lato Light" panose="020F0502020204030203"/>
+              <a:cs typeface="Lato Light" panose="020F0502020204030203"/>
+              <a:sym typeface="Lato Light" panose="020F0502020204030203"/>
             </a:endParaRPr>
           </a:p>
         </p:txBody>
@@ -40171,10 +40030,10 @@
                 <a:solidFill>
                   <a:srgbClr val="4A5C65"/>
                 </a:solidFill>
-                <a:latin typeface="Lato Light"/>
-                <a:ea typeface="Lato Light"/>
-                <a:cs typeface="Lato Light"/>
-                <a:sym typeface="Lato Light"/>
+                <a:latin typeface="Lato Light" panose="020F0502020204030203"/>
+                <a:ea typeface="Lato Light" panose="020F0502020204030203"/>
+                <a:cs typeface="Lato Light" panose="020F0502020204030203"/>
+                <a:sym typeface="Lato Light" panose="020F0502020204030203"/>
               </a:rPr>
               <a:t>Nhà Cung Cấp</a:t>
             </a:r>
@@ -40182,10 +40041,10 @@
               <a:solidFill>
                 <a:srgbClr val="4A5C65"/>
               </a:solidFill>
-              <a:latin typeface="Lato Light"/>
-              <a:ea typeface="Lato Light"/>
-              <a:cs typeface="Lato Light"/>
-              <a:sym typeface="Lato Light"/>
+              <a:latin typeface="Lato Light" panose="020F0502020204030203"/>
+              <a:ea typeface="Lato Light" panose="020F0502020204030203"/>
+              <a:cs typeface="Lato Light" panose="020F0502020204030203"/>
+              <a:sym typeface="Lato Light" panose="020F0502020204030203"/>
             </a:endParaRPr>
           </a:p>
         </p:txBody>
@@ -40195,6 +40054,9 @@
   <p:clrMapOvr>
     <a:masterClrMapping/>
   </p:clrMapOvr>
+  <p:transition>
+    <p:fade thruBlk="1"/>
+  </p:transition>
   <p:timing>
     <p:tnLst>
       <p:par>
@@ -42183,8 +42045,11 @@
       </a:bgFillStyleLst>
     </a:fmtScheme>
   </a:themeElements>
-  <a:objectDefaults/>
-  <a:extraClrSchemeLst/>
+  <a:extLst>
+    <a:ext uri="{05A4C25C-085E-4340-85A3-A5531E510DB2}">
+      <thm15:themeFamily xmlns:thm15="http://schemas.microsoft.com/office/thememl/2012/main" name="Office Theme" id="{62F939B6-93AF-4DB8-9C6B-D6C7DFDC589F}" vid="{4A3C46E8-61CC-4603-A589-7422A47A8E4A}"/>
+    </a:ext>
+  </a:extLst>
 </a:theme>
 </file>
 
@@ -42464,7 +42329,10 @@
       </a:bgFillStyleLst>
     </a:fmtScheme>
   </a:themeElements>
-  <a:objectDefaults/>
-  <a:extraClrSchemeLst/>
+  <a:extLst>
+    <a:ext uri="{05A4C25C-085E-4340-85A3-A5531E510DB2}">
+      <thm15:themeFamily xmlns:thm15="http://schemas.microsoft.com/office/thememl/2012/main" name="Office Theme" id="{62F939B6-93AF-4DB8-9C6B-D6C7DFDC589F}" vid="{4A3C46E8-61CC-4603-A589-7422A47A8E4A}"/>
+    </a:ext>
+  </a:extLst>
 </a:theme>
 </file>
--- a/thuyết trình CSDL.pptx
+++ b/thuyết trình CSDL.pptx
@@ -19,19 +19,20 @@
     <p:sldId id="267" r:id="rId12"/>
     <p:sldId id="281" r:id="rId13"/>
     <p:sldId id="268" r:id="rId14"/>
-    <p:sldId id="284" r:id="rId15"/>
-    <p:sldId id="279" r:id="rId16"/>
+    <p:sldId id="286" r:id="rId15"/>
+    <p:sldId id="284" r:id="rId16"/>
+    <p:sldId id="279" r:id="rId17"/>
   </p:sldIdLst>
   <p:sldSz cx="9144000" cy="5143500" type="screen16x9"/>
   <p:notesSz cx="6858000" cy="9144000"/>
   <p:embeddedFontLst>
     <p:embeddedFont>
       <p:font typeface="Lato Light" panose="020F0502020204030203"/>
-      <p:regular r:id="rId20"/>
+      <p:regular r:id="rId21"/>
     </p:embeddedFont>
     <p:embeddedFont>
       <p:font typeface="Roboto Slab Regular"/>
-      <p:regular r:id="rId21"/>
+      <p:regular r:id="rId22"/>
     </p:embeddedFont>
   </p:embeddedFontLst>
   <p:defaultTextStyle>
@@ -33743,9 +33744,13 @@
             </a:pPr>
             <a:r>
               <a:rPr lang="en-GB" smtClean="0"/>
-              <a:t>2. Mô Tả Tập Thực Thể</a:t>
+              <a:t>2. </a:t>
             </a:r>
-            <a:endParaRPr lang="en-GB" smtClean="0"/>
+            <a:r>
+              <a:rPr lang="en-US" altLang="en-GB" smtClean="0"/>
+              <a:t>LƯỢC ĐỒ QUAN HỆ</a:t>
+            </a:r>
+            <a:endParaRPr lang="en-US" altLang="en-GB" smtClean="0"/>
           </a:p>
         </p:txBody>
       </p:sp>
@@ -33790,1747 +33795,180 @@
           </a:p>
         </p:txBody>
       </p:sp>
-      <p:graphicFrame>
-        <p:nvGraphicFramePr>
-          <p:cNvPr id="3" name="Table 2"/>
-          <p:cNvGraphicFramePr>
-            <a:graphicFrameLocks noGrp="1"/>
-          </p:cNvGraphicFramePr>
+      <p:sp>
+        <p:nvSpPr>
+          <p:cNvPr id="2" name="Text Box 1"/>
+          <p:cNvSpPr txBox="1"/>
           <p:nvPr/>
-        </p:nvGraphicFramePr>
-        <p:xfrm>
-          <a:off x="2438400" y="1276350"/>
-          <a:ext cx="5867398" cy="2960370"/>
-        </p:xfrm>
-        <a:graphic>
-          <a:graphicData uri="http://schemas.openxmlformats.org/drawingml/2006/table">
-            <a:tbl>
-              <a:tblPr firstRow="1" bandRow="1">
-                <a:tableStyleId>{C693C0B1-C3EF-405F-B1E8-830ADC564B1F}</a:tableStyleId>
-              </a:tblPr>
-              <a:tblGrid>
-                <a:gridCol w="1086555"/>
-                <a:gridCol w="1047045"/>
-                <a:gridCol w="836318"/>
-                <a:gridCol w="869244"/>
-                <a:gridCol w="579496"/>
-                <a:gridCol w="724370"/>
-                <a:gridCol w="724370"/>
-              </a:tblGrid>
-              <a:tr h="361315">
-                <a:tc>
-                  <a:txBody>
-                    <a:bodyPr/>
-                    <a:lstStyle/>
-                    <a:p>
-                      <a:r>
-                        <a:rPr lang="en-US" sz="1000" smtClean="0">
-                          <a:solidFill>
-                            <a:schemeClr val="tx1">
-                              <a:lumMod val="50000"/>
-                            </a:schemeClr>
-                          </a:solidFill>
-                        </a:rPr>
-                        <a:t>SANPHAM</a:t>
-                      </a:r>
-                      <a:endParaRPr lang="en-US" sz="1000">
-                        <a:solidFill>
-                          <a:schemeClr val="tx1">
-                            <a:lumMod val="50000"/>
-                          </a:schemeClr>
-                        </a:solidFill>
-                      </a:endParaRPr>
-                    </a:p>
-                  </a:txBody>
-                  <a:tcPr>
-                    <a:solidFill>
-                      <a:schemeClr val="bg1"/>
-                    </a:solidFill>
-                  </a:tcPr>
-                </a:tc>
-                <a:tc>
-                  <a:txBody>
-                    <a:bodyPr/>
-                    <a:lstStyle/>
-                    <a:p>
-                      <a:r>
-                        <a:rPr lang="en-US" sz="1000" smtClean="0">
-                          <a:solidFill>
-                            <a:schemeClr val="accent3">
-                              <a:lumMod val="75000"/>
-                            </a:schemeClr>
-                          </a:solidFill>
-                        </a:rPr>
-                        <a:t>MaSanPham</a:t>
-                      </a:r>
-                      <a:endParaRPr lang="en-US" sz="1000">
-                        <a:solidFill>
-                          <a:schemeClr val="accent3">
-                            <a:lumMod val="75000"/>
-                          </a:schemeClr>
-                        </a:solidFill>
-                      </a:endParaRPr>
-                    </a:p>
-                  </a:txBody>
-                  <a:tcPr>
-                    <a:solidFill>
-                      <a:schemeClr val="accent1">
-                        <a:lumMod val="20000"/>
-                        <a:lumOff val="80000"/>
-                      </a:schemeClr>
-                    </a:solidFill>
-                  </a:tcPr>
-                </a:tc>
-                <a:tc>
-                  <a:txBody>
-                    <a:bodyPr/>
-                    <a:lstStyle/>
-                    <a:p>
-                      <a:r>
-                        <a:rPr lang="en-US" sz="1000" smtClean="0">
-                          <a:solidFill>
-                            <a:schemeClr val="accent3">
-                              <a:lumMod val="75000"/>
-                            </a:schemeClr>
-                          </a:solidFill>
-                        </a:rPr>
-                        <a:t>Ten</a:t>
-                      </a:r>
-                      <a:endParaRPr lang="en-US" sz="1000">
-                        <a:solidFill>
-                          <a:schemeClr val="accent3">
-                            <a:lumMod val="75000"/>
-                          </a:schemeClr>
-                        </a:solidFill>
-                      </a:endParaRPr>
-                    </a:p>
-                  </a:txBody>
-                  <a:tcPr>
-                    <a:solidFill>
-                      <a:schemeClr val="accent1">
-                        <a:lumMod val="20000"/>
-                        <a:lumOff val="80000"/>
-                      </a:schemeClr>
-                    </a:solidFill>
-                  </a:tcPr>
-                </a:tc>
-                <a:tc>
-                  <a:txBody>
-                    <a:bodyPr/>
-                    <a:lstStyle/>
-                    <a:p>
-                      <a:r>
-                        <a:rPr lang="en-US" sz="1000" smtClean="0">
-                          <a:solidFill>
-                            <a:schemeClr val="accent3">
-                              <a:lumMod val="75000"/>
-                            </a:schemeClr>
-                          </a:solidFill>
-                        </a:rPr>
-                        <a:t>SoLuong</a:t>
-                      </a:r>
-                      <a:endParaRPr lang="en-US" sz="1000">
-                        <a:solidFill>
-                          <a:schemeClr val="accent3">
-                            <a:lumMod val="75000"/>
-                          </a:schemeClr>
-                        </a:solidFill>
-                      </a:endParaRPr>
-                    </a:p>
-                  </a:txBody>
-                  <a:tcPr>
-                    <a:solidFill>
-                      <a:schemeClr val="accent1">
-                        <a:lumMod val="20000"/>
-                        <a:lumOff val="80000"/>
-                      </a:schemeClr>
-                    </a:solidFill>
-                  </a:tcPr>
-                </a:tc>
-                <a:tc>
-                  <a:txBody>
-                    <a:bodyPr/>
-                    <a:lstStyle/>
-                    <a:p>
-                      <a:r>
-                        <a:rPr lang="en-US" sz="1000" smtClean="0">
-                          <a:solidFill>
-                            <a:schemeClr val="accent3">
-                              <a:lumMod val="75000"/>
-                            </a:schemeClr>
-                          </a:solidFill>
-                        </a:rPr>
-                        <a:t>Gia</a:t>
-                      </a:r>
-                      <a:endParaRPr lang="en-US" sz="1000">
-                        <a:solidFill>
-                          <a:schemeClr val="accent3">
-                            <a:lumMod val="75000"/>
-                          </a:schemeClr>
-                        </a:solidFill>
-                      </a:endParaRPr>
-                    </a:p>
-                  </a:txBody>
-                  <a:tcPr>
-                    <a:solidFill>
-                      <a:schemeClr val="accent1">
-                        <a:lumMod val="20000"/>
-                        <a:lumOff val="80000"/>
-                      </a:schemeClr>
-                    </a:solidFill>
-                  </a:tcPr>
-                </a:tc>
-                <a:tc>
-                  <a:txBody>
-                    <a:bodyPr/>
-                    <a:lstStyle/>
-                    <a:p>
-                      <a:endParaRPr lang="en-US" sz="1000">
-                        <a:solidFill>
-                          <a:schemeClr val="accent3">
-                            <a:lumMod val="75000"/>
-                          </a:schemeClr>
-                        </a:solidFill>
-                      </a:endParaRPr>
-                    </a:p>
-                  </a:txBody>
-                  <a:tcPr>
-                    <a:solidFill>
-                      <a:schemeClr val="accent1">
-                        <a:lumMod val="20000"/>
-                        <a:lumOff val="80000"/>
-                      </a:schemeClr>
-                    </a:solidFill>
-                  </a:tcPr>
-                </a:tc>
-                <a:tc>
-                  <a:txBody>
-                    <a:bodyPr/>
-                    <a:lstStyle/>
-                    <a:p>
-                      <a:endParaRPr lang="en-US" sz="1000">
-                        <a:solidFill>
-                          <a:schemeClr val="accent3">
-                            <a:lumMod val="75000"/>
-                          </a:schemeClr>
-                        </a:solidFill>
-                      </a:endParaRPr>
-                    </a:p>
-                  </a:txBody>
-                  <a:tcPr>
-                    <a:solidFill>
-                      <a:schemeClr val="accent1">
-                        <a:lumMod val="20000"/>
-                        <a:lumOff val="80000"/>
-                      </a:schemeClr>
-                    </a:solidFill>
-                  </a:tcPr>
-                </a:tc>
-              </a:tr>
-              <a:tr h="361315">
-                <a:tc>
-                  <a:txBody>
-                    <a:bodyPr/>
-                    <a:lstStyle/>
-                    <a:p>
-                      <a:r>
-                        <a:rPr lang="en-US" sz="1000" smtClean="0">
-                          <a:solidFill>
-                            <a:schemeClr val="tx1">
-                              <a:lumMod val="50000"/>
-                            </a:schemeClr>
-                          </a:solidFill>
-                        </a:rPr>
-                        <a:t>NHACUNGCAP</a:t>
-                      </a:r>
-                      <a:endParaRPr lang="en-US" sz="1000">
-                        <a:solidFill>
-                          <a:schemeClr val="tx1">
-                            <a:lumMod val="50000"/>
-                          </a:schemeClr>
-                        </a:solidFill>
-                      </a:endParaRPr>
-                    </a:p>
-                  </a:txBody>
-                  <a:tcPr>
-                    <a:solidFill>
-                      <a:schemeClr val="bg1"/>
-                    </a:solidFill>
-                  </a:tcPr>
-                </a:tc>
-                <a:tc>
-                  <a:txBody>
-                    <a:bodyPr/>
-                    <a:lstStyle/>
-                    <a:p>
-                      <a:r>
-                        <a:rPr lang="en-US" sz="1000" smtClean="0">
-                          <a:solidFill>
-                            <a:schemeClr val="accent3">
-                              <a:lumMod val="75000"/>
-                            </a:schemeClr>
-                          </a:solidFill>
-                        </a:rPr>
-                        <a:t>MaNhaCungCap</a:t>
-                      </a:r>
-                      <a:endParaRPr lang="en-US" sz="1000">
-                        <a:solidFill>
-                          <a:schemeClr val="accent3">
-                            <a:lumMod val="75000"/>
-                          </a:schemeClr>
-                        </a:solidFill>
-                      </a:endParaRPr>
-                    </a:p>
-                  </a:txBody>
-                  <a:tcPr>
-                    <a:solidFill>
-                      <a:schemeClr val="accent1">
-                        <a:lumMod val="20000"/>
-                        <a:lumOff val="80000"/>
-                      </a:schemeClr>
-                    </a:solidFill>
-                  </a:tcPr>
-                </a:tc>
-                <a:tc>
-                  <a:txBody>
-                    <a:bodyPr/>
-                    <a:lstStyle/>
-                    <a:p>
-                      <a:r>
-                        <a:rPr lang="en-US" sz="1000" smtClean="0">
-                          <a:solidFill>
-                            <a:schemeClr val="accent3">
-                              <a:lumMod val="75000"/>
-                            </a:schemeClr>
-                          </a:solidFill>
-                        </a:rPr>
-                        <a:t>Ten</a:t>
-                      </a:r>
-                      <a:endParaRPr lang="en-US" sz="1000">
-                        <a:solidFill>
-                          <a:schemeClr val="accent3">
-                            <a:lumMod val="75000"/>
-                          </a:schemeClr>
-                        </a:solidFill>
-                      </a:endParaRPr>
-                    </a:p>
-                  </a:txBody>
-                  <a:tcPr>
-                    <a:solidFill>
-                      <a:schemeClr val="accent1">
-                        <a:lumMod val="20000"/>
-                        <a:lumOff val="80000"/>
-                      </a:schemeClr>
-                    </a:solidFill>
-                  </a:tcPr>
-                </a:tc>
-                <a:tc>
-                  <a:txBody>
-                    <a:bodyPr/>
-                    <a:lstStyle/>
-                    <a:p>
-                      <a:r>
-                        <a:rPr lang="en-US" sz="1000" smtClean="0">
-                          <a:solidFill>
-                            <a:schemeClr val="accent3">
-                              <a:lumMod val="75000"/>
-                            </a:schemeClr>
-                          </a:solidFill>
-                        </a:rPr>
-                        <a:t>Diachi</a:t>
-                      </a:r>
-                      <a:endParaRPr lang="en-US" sz="1000">
-                        <a:solidFill>
-                          <a:schemeClr val="accent3">
-                            <a:lumMod val="75000"/>
-                          </a:schemeClr>
-                        </a:solidFill>
-                      </a:endParaRPr>
-                    </a:p>
-                  </a:txBody>
-                  <a:tcPr>
-                    <a:solidFill>
-                      <a:schemeClr val="accent1">
-                        <a:lumMod val="20000"/>
-                        <a:lumOff val="80000"/>
-                      </a:schemeClr>
-                    </a:solidFill>
-                  </a:tcPr>
-                </a:tc>
-                <a:tc>
-                  <a:txBody>
-                    <a:bodyPr/>
-                    <a:lstStyle/>
-                    <a:p>
-                      <a:r>
-                        <a:rPr lang="en-US" sz="1000" smtClean="0">
-                          <a:solidFill>
-                            <a:schemeClr val="accent3">
-                              <a:lumMod val="75000"/>
-                            </a:schemeClr>
-                          </a:solidFill>
-                        </a:rPr>
-                        <a:t>SDT</a:t>
-                      </a:r>
-                      <a:endParaRPr lang="en-US" sz="1000">
-                        <a:solidFill>
-                          <a:schemeClr val="accent3">
-                            <a:lumMod val="75000"/>
-                          </a:schemeClr>
-                        </a:solidFill>
-                      </a:endParaRPr>
-                    </a:p>
-                  </a:txBody>
-                  <a:tcPr>
-                    <a:solidFill>
-                      <a:schemeClr val="accent1">
-                        <a:lumMod val="20000"/>
-                        <a:lumOff val="80000"/>
-                      </a:schemeClr>
-                    </a:solidFill>
-                  </a:tcPr>
-                </a:tc>
-                <a:tc>
-                  <a:txBody>
-                    <a:bodyPr/>
-                    <a:lstStyle/>
-                    <a:p>
-                      <a:endParaRPr lang="en-US" sz="1000">
-                        <a:solidFill>
-                          <a:schemeClr val="accent3">
-                            <a:lumMod val="75000"/>
-                          </a:schemeClr>
-                        </a:solidFill>
-                      </a:endParaRPr>
-                    </a:p>
-                  </a:txBody>
-                  <a:tcPr>
-                    <a:solidFill>
-                      <a:schemeClr val="accent1">
-                        <a:lumMod val="20000"/>
-                        <a:lumOff val="80000"/>
-                      </a:schemeClr>
-                    </a:solidFill>
-                  </a:tcPr>
-                </a:tc>
-                <a:tc>
-                  <a:txBody>
-                    <a:bodyPr/>
-                    <a:lstStyle/>
-                    <a:p>
-                      <a:endParaRPr lang="en-US" sz="1000">
-                        <a:solidFill>
-                          <a:schemeClr val="accent3">
-                            <a:lumMod val="75000"/>
-                          </a:schemeClr>
-                        </a:solidFill>
-                      </a:endParaRPr>
-                    </a:p>
-                  </a:txBody>
-                  <a:tcPr>
-                    <a:solidFill>
-                      <a:schemeClr val="accent1">
-                        <a:lumMod val="20000"/>
-                        <a:lumOff val="80000"/>
-                      </a:schemeClr>
-                    </a:solidFill>
-                  </a:tcPr>
-                </a:tc>
-              </a:tr>
-              <a:tr h="361315">
-                <a:tc>
-                  <a:txBody>
-                    <a:bodyPr/>
-                    <a:lstStyle/>
-                    <a:p>
-                      <a:r>
-                        <a:rPr lang="en-US" sz="1000" smtClean="0">
-                          <a:solidFill>
-                            <a:schemeClr val="tx1">
-                              <a:lumMod val="50000"/>
-                            </a:schemeClr>
-                          </a:solidFill>
-                        </a:rPr>
-                        <a:t>HANG</a:t>
-                      </a:r>
-                      <a:endParaRPr lang="en-US" sz="1000">
-                        <a:solidFill>
-                          <a:schemeClr val="tx1">
-                            <a:lumMod val="50000"/>
-                          </a:schemeClr>
-                        </a:solidFill>
-                      </a:endParaRPr>
-                    </a:p>
-                  </a:txBody>
-                  <a:tcPr>
-                    <a:solidFill>
-                      <a:schemeClr val="bg1"/>
-                    </a:solidFill>
-                  </a:tcPr>
-                </a:tc>
-                <a:tc>
-                  <a:txBody>
-                    <a:bodyPr/>
-                    <a:lstStyle/>
-                    <a:p>
-                      <a:r>
-                        <a:rPr lang="en-US" sz="1000" smtClean="0">
-                          <a:solidFill>
-                            <a:schemeClr val="accent3">
-                              <a:lumMod val="75000"/>
-                            </a:schemeClr>
-                          </a:solidFill>
-                        </a:rPr>
-                        <a:t>MaHang</a:t>
-                      </a:r>
-                      <a:endParaRPr lang="en-US" sz="1000">
-                        <a:solidFill>
-                          <a:schemeClr val="accent3">
-                            <a:lumMod val="75000"/>
-                          </a:schemeClr>
-                        </a:solidFill>
-                      </a:endParaRPr>
-                    </a:p>
-                  </a:txBody>
-                  <a:tcPr>
-                    <a:solidFill>
-                      <a:schemeClr val="accent1">
-                        <a:lumMod val="20000"/>
-                        <a:lumOff val="80000"/>
-                      </a:schemeClr>
-                    </a:solidFill>
-                  </a:tcPr>
-                </a:tc>
-                <a:tc>
-                  <a:txBody>
-                    <a:bodyPr/>
-                    <a:lstStyle/>
-                    <a:p>
-                      <a:r>
-                        <a:rPr lang="en-US" sz="1000" smtClean="0">
-                          <a:solidFill>
-                            <a:schemeClr val="accent3">
-                              <a:lumMod val="75000"/>
-                            </a:schemeClr>
-                          </a:solidFill>
-                        </a:rPr>
-                        <a:t>Ten</a:t>
-                      </a:r>
-                      <a:endParaRPr lang="en-US" sz="1000">
-                        <a:solidFill>
-                          <a:schemeClr val="accent3">
-                            <a:lumMod val="75000"/>
-                          </a:schemeClr>
-                        </a:solidFill>
-                      </a:endParaRPr>
-                    </a:p>
-                  </a:txBody>
-                  <a:tcPr>
-                    <a:solidFill>
-                      <a:schemeClr val="accent1">
-                        <a:lumMod val="20000"/>
-                        <a:lumOff val="80000"/>
-                      </a:schemeClr>
-                    </a:solidFill>
-                  </a:tcPr>
-                </a:tc>
-                <a:tc>
-                  <a:txBody>
-                    <a:bodyPr/>
-                    <a:lstStyle/>
-                    <a:p>
-                      <a:endParaRPr lang="en-US" sz="1000">
-                        <a:solidFill>
-                          <a:schemeClr val="accent3">
-                            <a:lumMod val="75000"/>
-                          </a:schemeClr>
-                        </a:solidFill>
-                      </a:endParaRPr>
-                    </a:p>
-                  </a:txBody>
-                  <a:tcPr>
-                    <a:solidFill>
-                      <a:schemeClr val="accent1">
-                        <a:lumMod val="20000"/>
-                        <a:lumOff val="80000"/>
-                      </a:schemeClr>
-                    </a:solidFill>
-                  </a:tcPr>
-                </a:tc>
-                <a:tc>
-                  <a:txBody>
-                    <a:bodyPr/>
-                    <a:lstStyle/>
-                    <a:p>
-                      <a:endParaRPr lang="en-US" sz="1000">
-                        <a:solidFill>
-                          <a:schemeClr val="accent3">
-                            <a:lumMod val="75000"/>
-                          </a:schemeClr>
-                        </a:solidFill>
-                      </a:endParaRPr>
-                    </a:p>
-                  </a:txBody>
-                  <a:tcPr>
-                    <a:solidFill>
-                      <a:schemeClr val="accent1">
-                        <a:lumMod val="20000"/>
-                        <a:lumOff val="80000"/>
-                      </a:schemeClr>
-                    </a:solidFill>
-                  </a:tcPr>
-                </a:tc>
-                <a:tc>
-                  <a:txBody>
-                    <a:bodyPr/>
-                    <a:lstStyle/>
-                    <a:p>
-                      <a:endParaRPr lang="en-US" sz="1000">
-                        <a:solidFill>
-                          <a:schemeClr val="accent3">
-                            <a:lumMod val="75000"/>
-                          </a:schemeClr>
-                        </a:solidFill>
-                      </a:endParaRPr>
-                    </a:p>
-                  </a:txBody>
-                  <a:tcPr>
-                    <a:solidFill>
-                      <a:schemeClr val="accent1">
-                        <a:lumMod val="20000"/>
-                        <a:lumOff val="80000"/>
-                      </a:schemeClr>
-                    </a:solidFill>
-                  </a:tcPr>
-                </a:tc>
-                <a:tc>
-                  <a:txBody>
-                    <a:bodyPr/>
-                    <a:lstStyle/>
-                    <a:p>
-                      <a:endParaRPr lang="en-US" sz="1000">
-                        <a:solidFill>
-                          <a:schemeClr val="accent3">
-                            <a:lumMod val="75000"/>
-                          </a:schemeClr>
-                        </a:solidFill>
-                      </a:endParaRPr>
-                    </a:p>
-                  </a:txBody>
-                  <a:tcPr>
-                    <a:solidFill>
-                      <a:schemeClr val="accent1">
-                        <a:lumMod val="20000"/>
-                        <a:lumOff val="80000"/>
-                      </a:schemeClr>
-                    </a:solidFill>
-                  </a:tcPr>
-                </a:tc>
-              </a:tr>
-              <a:tr h="361315">
-                <a:tc>
-                  <a:txBody>
-                    <a:bodyPr/>
-                    <a:lstStyle/>
-                    <a:p>
-                      <a:r>
-                        <a:rPr lang="en-US" sz="1000" smtClean="0">
-                          <a:solidFill>
-                            <a:schemeClr val="tx1">
-                              <a:lumMod val="50000"/>
-                            </a:schemeClr>
-                          </a:solidFill>
-                        </a:rPr>
-                        <a:t>HOADON</a:t>
-                      </a:r>
-                      <a:endParaRPr lang="en-US" sz="1000">
-                        <a:solidFill>
-                          <a:schemeClr val="tx1">
-                            <a:lumMod val="50000"/>
-                          </a:schemeClr>
-                        </a:solidFill>
-                      </a:endParaRPr>
-                    </a:p>
-                  </a:txBody>
-                  <a:tcPr>
-                    <a:solidFill>
-                      <a:schemeClr val="bg1"/>
-                    </a:solidFill>
-                  </a:tcPr>
-                </a:tc>
-                <a:tc>
-                  <a:txBody>
-                    <a:bodyPr/>
-                    <a:lstStyle/>
-                    <a:p>
-                      <a:r>
-                        <a:rPr lang="en-US" sz="1000" smtClean="0">
-                          <a:solidFill>
-                            <a:schemeClr val="accent3">
-                              <a:lumMod val="75000"/>
-                            </a:schemeClr>
-                          </a:solidFill>
-                        </a:rPr>
-                        <a:t>MaHoaDon</a:t>
-                      </a:r>
-                      <a:endParaRPr lang="en-US" sz="1000">
-                        <a:solidFill>
-                          <a:schemeClr val="accent3">
-                            <a:lumMod val="75000"/>
-                          </a:schemeClr>
-                        </a:solidFill>
-                      </a:endParaRPr>
-                    </a:p>
-                  </a:txBody>
-                  <a:tcPr>
-                    <a:solidFill>
-                      <a:schemeClr val="accent1">
-                        <a:lumMod val="20000"/>
-                        <a:lumOff val="80000"/>
-                      </a:schemeClr>
-                    </a:solidFill>
-                  </a:tcPr>
-                </a:tc>
-                <a:tc>
-                  <a:txBody>
-                    <a:bodyPr/>
-                    <a:lstStyle/>
-                    <a:p>
-                      <a:r>
-                        <a:rPr lang="en-US" sz="1000" smtClean="0">
-                          <a:solidFill>
-                            <a:schemeClr val="accent3">
-                              <a:lumMod val="75000"/>
-                            </a:schemeClr>
-                          </a:solidFill>
-                        </a:rPr>
-                        <a:t>TongTien</a:t>
-                      </a:r>
-                      <a:endParaRPr lang="en-US" sz="1000">
-                        <a:solidFill>
-                          <a:schemeClr val="accent3">
-                            <a:lumMod val="75000"/>
-                          </a:schemeClr>
-                        </a:solidFill>
-                      </a:endParaRPr>
-                    </a:p>
-                  </a:txBody>
-                  <a:tcPr>
-                    <a:solidFill>
-                      <a:schemeClr val="accent1">
-                        <a:lumMod val="20000"/>
-                        <a:lumOff val="80000"/>
-                      </a:schemeClr>
-                    </a:solidFill>
-                  </a:tcPr>
-                </a:tc>
-                <a:tc>
-                  <a:txBody>
-                    <a:bodyPr/>
-                    <a:lstStyle/>
-                    <a:p>
-                      <a:r>
-                        <a:rPr lang="en-US" sz="1000" smtClean="0">
-                          <a:solidFill>
-                            <a:schemeClr val="accent3">
-                              <a:lumMod val="75000"/>
-                            </a:schemeClr>
-                          </a:solidFill>
-                        </a:rPr>
-                        <a:t>DiaChi</a:t>
-                      </a:r>
-                      <a:endParaRPr lang="en-US" sz="1000">
-                        <a:solidFill>
-                          <a:schemeClr val="accent3">
-                            <a:lumMod val="75000"/>
-                          </a:schemeClr>
-                        </a:solidFill>
-                      </a:endParaRPr>
-                    </a:p>
-                  </a:txBody>
-                  <a:tcPr>
-                    <a:solidFill>
-                      <a:schemeClr val="accent1">
-                        <a:lumMod val="20000"/>
-                        <a:lumOff val="80000"/>
-                      </a:schemeClr>
-                    </a:solidFill>
-                  </a:tcPr>
-                </a:tc>
-                <a:tc>
-                  <a:txBody>
-                    <a:bodyPr/>
-                    <a:lstStyle/>
-                    <a:p>
-                      <a:r>
-                        <a:rPr lang="en-US" sz="1000" smtClean="0">
-                          <a:solidFill>
-                            <a:schemeClr val="accent3">
-                              <a:lumMod val="75000"/>
-                            </a:schemeClr>
-                          </a:solidFill>
-                        </a:rPr>
-                        <a:t>Ngay</a:t>
-                      </a:r>
-                      <a:endParaRPr lang="en-US" sz="1000">
-                        <a:solidFill>
-                          <a:schemeClr val="accent3">
-                            <a:lumMod val="75000"/>
-                          </a:schemeClr>
-                        </a:solidFill>
-                      </a:endParaRPr>
-                    </a:p>
-                  </a:txBody>
-                  <a:tcPr>
-                    <a:solidFill>
-                      <a:schemeClr val="accent1">
-                        <a:lumMod val="20000"/>
-                        <a:lumOff val="80000"/>
-                      </a:schemeClr>
-                    </a:solidFill>
-                  </a:tcPr>
-                </a:tc>
-                <a:tc>
-                  <a:txBody>
-                    <a:bodyPr/>
-                    <a:lstStyle/>
-                    <a:p>
-                      <a:r>
-                        <a:rPr lang="en-US" sz="1000" smtClean="0">
-                          <a:solidFill>
-                            <a:schemeClr val="accent3">
-                              <a:lumMod val="75000"/>
-                            </a:schemeClr>
-                          </a:solidFill>
-                        </a:rPr>
-                        <a:t>TienShip</a:t>
-                      </a:r>
-                      <a:endParaRPr lang="en-US" sz="1000">
-                        <a:solidFill>
-                          <a:schemeClr val="accent3">
-                            <a:lumMod val="75000"/>
-                          </a:schemeClr>
-                        </a:solidFill>
-                      </a:endParaRPr>
-                    </a:p>
-                  </a:txBody>
-                  <a:tcPr>
-                    <a:solidFill>
-                      <a:schemeClr val="accent1">
-                        <a:lumMod val="20000"/>
-                        <a:lumOff val="80000"/>
-                      </a:schemeClr>
-                    </a:solidFill>
-                  </a:tcPr>
-                </a:tc>
-                <a:tc>
-                  <a:txBody>
-                    <a:bodyPr/>
-                    <a:lstStyle/>
-                    <a:p>
-                      <a:endParaRPr lang="en-US" sz="1000">
-                        <a:solidFill>
-                          <a:schemeClr val="accent3">
-                            <a:lumMod val="75000"/>
-                          </a:schemeClr>
-                        </a:solidFill>
-                      </a:endParaRPr>
-                    </a:p>
-                  </a:txBody>
-                  <a:tcPr>
-                    <a:solidFill>
-                      <a:schemeClr val="accent1">
-                        <a:lumMod val="20000"/>
-                        <a:lumOff val="80000"/>
-                      </a:schemeClr>
-                    </a:solidFill>
-                  </a:tcPr>
-                </a:tc>
-              </a:tr>
-              <a:tr h="361315">
-                <a:tc>
-                  <a:txBody>
-                    <a:bodyPr/>
-                    <a:lstStyle/>
-                    <a:p>
-                      <a:r>
-                        <a:rPr lang="en-US" sz="1000" smtClean="0">
-                          <a:solidFill>
-                            <a:schemeClr val="tx1">
-                              <a:lumMod val="50000"/>
-                            </a:schemeClr>
-                          </a:solidFill>
-                        </a:rPr>
-                        <a:t>CHITIETHD</a:t>
-                      </a:r>
-                      <a:endParaRPr lang="en-US" sz="1000">
-                        <a:solidFill>
-                          <a:schemeClr val="tx1">
-                            <a:lumMod val="50000"/>
-                          </a:schemeClr>
-                        </a:solidFill>
-                      </a:endParaRPr>
-                    </a:p>
-                  </a:txBody>
-                  <a:tcPr>
-                    <a:solidFill>
-                      <a:schemeClr val="bg1"/>
-                    </a:solidFill>
-                  </a:tcPr>
-                </a:tc>
-                <a:tc>
-                  <a:txBody>
-                    <a:bodyPr/>
-                    <a:lstStyle/>
-                    <a:p>
-                      <a:r>
-                        <a:rPr lang="en-US" sz="1000" smtClean="0">
-                          <a:solidFill>
-                            <a:schemeClr val="accent3">
-                              <a:lumMod val="75000"/>
-                            </a:schemeClr>
-                          </a:solidFill>
-                        </a:rPr>
-                        <a:t>MaChiTietHD</a:t>
-                      </a:r>
-                      <a:endParaRPr lang="en-US" sz="1000">
-                        <a:solidFill>
-                          <a:schemeClr val="accent3">
-                            <a:lumMod val="75000"/>
-                          </a:schemeClr>
-                        </a:solidFill>
-                      </a:endParaRPr>
-                    </a:p>
-                  </a:txBody>
-                  <a:tcPr>
-                    <a:solidFill>
-                      <a:schemeClr val="accent1">
-                        <a:lumMod val="20000"/>
-                        <a:lumOff val="80000"/>
-                      </a:schemeClr>
-                    </a:solidFill>
-                  </a:tcPr>
-                </a:tc>
-                <a:tc>
-                  <a:txBody>
-                    <a:bodyPr/>
-                    <a:lstStyle/>
-                    <a:p>
-                      <a:r>
-                        <a:rPr lang="en-US" sz="1000" smtClean="0">
-                          <a:solidFill>
-                            <a:schemeClr val="accent3">
-                              <a:lumMod val="75000"/>
-                            </a:schemeClr>
-                          </a:solidFill>
-                        </a:rPr>
-                        <a:t>SoLuong</a:t>
-                      </a:r>
-                      <a:endParaRPr lang="en-US" sz="1000">
-                        <a:solidFill>
-                          <a:schemeClr val="accent3">
-                            <a:lumMod val="75000"/>
-                          </a:schemeClr>
-                        </a:solidFill>
-                      </a:endParaRPr>
-                    </a:p>
-                  </a:txBody>
-                  <a:tcPr>
-                    <a:solidFill>
-                      <a:schemeClr val="accent1">
-                        <a:lumMod val="20000"/>
-                        <a:lumOff val="80000"/>
-                      </a:schemeClr>
-                    </a:solidFill>
-                  </a:tcPr>
-                </a:tc>
-                <a:tc>
-                  <a:txBody>
-                    <a:bodyPr/>
-                    <a:lstStyle/>
-                    <a:p>
-                      <a:r>
-                        <a:rPr lang="en-US" sz="1000" smtClean="0">
-                          <a:solidFill>
-                            <a:schemeClr val="accent3">
-                              <a:lumMod val="75000"/>
-                            </a:schemeClr>
-                          </a:solidFill>
-                        </a:rPr>
-                        <a:t>ThanhTien</a:t>
-                      </a:r>
-                      <a:endParaRPr lang="en-US" sz="1000">
-                        <a:solidFill>
-                          <a:schemeClr val="accent3">
-                            <a:lumMod val="75000"/>
-                          </a:schemeClr>
-                        </a:solidFill>
-                      </a:endParaRPr>
-                    </a:p>
-                  </a:txBody>
-                  <a:tcPr>
-                    <a:solidFill>
-                      <a:schemeClr val="accent1">
-                        <a:lumMod val="20000"/>
-                        <a:lumOff val="80000"/>
-                      </a:schemeClr>
-                    </a:solidFill>
-                  </a:tcPr>
-                </a:tc>
-                <a:tc>
-                  <a:txBody>
-                    <a:bodyPr/>
-                    <a:lstStyle/>
-                    <a:p>
-                      <a:endParaRPr lang="en-US" sz="1000">
-                        <a:solidFill>
-                          <a:schemeClr val="accent3">
-                            <a:lumMod val="75000"/>
-                          </a:schemeClr>
-                        </a:solidFill>
-                      </a:endParaRPr>
-                    </a:p>
-                  </a:txBody>
-                  <a:tcPr>
-                    <a:solidFill>
-                      <a:schemeClr val="accent1">
-                        <a:lumMod val="20000"/>
-                        <a:lumOff val="80000"/>
-                      </a:schemeClr>
-                    </a:solidFill>
-                  </a:tcPr>
-                </a:tc>
-                <a:tc>
-                  <a:txBody>
-                    <a:bodyPr/>
-                    <a:lstStyle/>
-                    <a:p>
-                      <a:endParaRPr lang="en-US" sz="1000">
-                        <a:solidFill>
-                          <a:schemeClr val="accent3">
-                            <a:lumMod val="75000"/>
-                          </a:schemeClr>
-                        </a:solidFill>
-                      </a:endParaRPr>
-                    </a:p>
-                  </a:txBody>
-                  <a:tcPr>
-                    <a:solidFill>
-                      <a:schemeClr val="accent1">
-                        <a:lumMod val="20000"/>
-                        <a:lumOff val="80000"/>
-                      </a:schemeClr>
-                    </a:solidFill>
-                  </a:tcPr>
-                </a:tc>
-                <a:tc>
-                  <a:txBody>
-                    <a:bodyPr/>
-                    <a:lstStyle/>
-                    <a:p>
-                      <a:endParaRPr lang="en-US" sz="1000">
-                        <a:solidFill>
-                          <a:schemeClr val="accent3">
-                            <a:lumMod val="75000"/>
-                          </a:schemeClr>
-                        </a:solidFill>
-                      </a:endParaRPr>
-                    </a:p>
-                  </a:txBody>
-                  <a:tcPr>
-                    <a:solidFill>
-                      <a:schemeClr val="accent1">
-                        <a:lumMod val="20000"/>
-                        <a:lumOff val="80000"/>
-                      </a:schemeClr>
-                    </a:solidFill>
-                  </a:tcPr>
-                </a:tc>
-              </a:tr>
-              <a:tr h="361315">
-                <a:tc>
-                  <a:txBody>
-                    <a:bodyPr/>
-                    <a:lstStyle/>
-                    <a:p>
-                      <a:r>
-                        <a:rPr lang="en-US" sz="1000" smtClean="0">
-                          <a:solidFill>
-                            <a:schemeClr val="tx1">
-                              <a:lumMod val="50000"/>
-                            </a:schemeClr>
-                          </a:solidFill>
-                        </a:rPr>
-                        <a:t>MAGIAMGIA</a:t>
-                      </a:r>
-                      <a:endParaRPr lang="en-US" sz="1000">
-                        <a:solidFill>
-                          <a:schemeClr val="tx1">
-                            <a:lumMod val="50000"/>
-                          </a:schemeClr>
-                        </a:solidFill>
-                      </a:endParaRPr>
-                    </a:p>
-                  </a:txBody>
-                  <a:tcPr>
-                    <a:solidFill>
-                      <a:schemeClr val="bg1"/>
-                    </a:solidFill>
-                  </a:tcPr>
-                </a:tc>
-                <a:tc>
-                  <a:txBody>
-                    <a:bodyPr/>
-                    <a:lstStyle/>
-                    <a:p>
-                      <a:r>
-                        <a:rPr lang="en-US" sz="1000" smtClean="0">
-                          <a:solidFill>
-                            <a:schemeClr val="accent3">
-                              <a:lumMod val="75000"/>
-                            </a:schemeClr>
-                          </a:solidFill>
-                        </a:rPr>
-                        <a:t>MaGG</a:t>
-                      </a:r>
-                      <a:endParaRPr lang="en-US" sz="1000">
-                        <a:solidFill>
-                          <a:schemeClr val="accent3">
-                            <a:lumMod val="75000"/>
-                          </a:schemeClr>
-                        </a:solidFill>
-                      </a:endParaRPr>
-                    </a:p>
-                  </a:txBody>
-                  <a:tcPr>
-                    <a:solidFill>
-                      <a:schemeClr val="accent1">
-                        <a:lumMod val="20000"/>
-                        <a:lumOff val="80000"/>
-                      </a:schemeClr>
-                    </a:solidFill>
-                  </a:tcPr>
-                </a:tc>
-                <a:tc>
-                  <a:txBody>
-                    <a:bodyPr/>
-                    <a:lstStyle/>
-                    <a:p>
-                      <a:r>
-                        <a:rPr lang="en-US" sz="1000" smtClean="0">
-                          <a:solidFill>
-                            <a:schemeClr val="accent3">
-                              <a:lumMod val="75000"/>
-                            </a:schemeClr>
-                          </a:solidFill>
-                        </a:rPr>
-                        <a:t>SoLuong</a:t>
-                      </a:r>
-                      <a:endParaRPr lang="en-US" sz="1000">
-                        <a:solidFill>
-                          <a:schemeClr val="accent3">
-                            <a:lumMod val="75000"/>
-                          </a:schemeClr>
-                        </a:solidFill>
-                      </a:endParaRPr>
-                    </a:p>
-                  </a:txBody>
-                  <a:tcPr>
-                    <a:solidFill>
-                      <a:schemeClr val="accent1">
-                        <a:lumMod val="20000"/>
-                        <a:lumOff val="80000"/>
-                      </a:schemeClr>
-                    </a:solidFill>
-                  </a:tcPr>
-                </a:tc>
-                <a:tc>
-                  <a:txBody>
-                    <a:bodyPr/>
-                    <a:lstStyle/>
-                    <a:p>
-                      <a:r>
-                        <a:rPr lang="en-US" sz="1000" smtClean="0">
-                          <a:solidFill>
-                            <a:schemeClr val="accent3">
-                              <a:lumMod val="75000"/>
-                            </a:schemeClr>
-                          </a:solidFill>
-                        </a:rPr>
-                        <a:t>SoTienGiam</a:t>
-                      </a:r>
-                      <a:endParaRPr lang="en-US" sz="1000">
-                        <a:solidFill>
-                          <a:schemeClr val="accent3">
-                            <a:lumMod val="75000"/>
-                          </a:schemeClr>
-                        </a:solidFill>
-                      </a:endParaRPr>
-                    </a:p>
-                  </a:txBody>
-                  <a:tcPr>
-                    <a:solidFill>
-                      <a:schemeClr val="accent1">
-                        <a:lumMod val="20000"/>
-                        <a:lumOff val="80000"/>
-                      </a:schemeClr>
-                    </a:solidFill>
-                  </a:tcPr>
-                </a:tc>
-                <a:tc>
-                  <a:txBody>
-                    <a:bodyPr/>
-                    <a:lstStyle/>
-                    <a:p>
-                      <a:r>
-                        <a:rPr lang="en-US" sz="1000" smtClean="0">
-                          <a:solidFill>
-                            <a:schemeClr val="accent3">
-                              <a:lumMod val="75000"/>
-                            </a:schemeClr>
-                          </a:solidFill>
-                        </a:rPr>
-                        <a:t>HSD</a:t>
-                      </a:r>
-                      <a:endParaRPr lang="en-US" sz="1000">
-                        <a:solidFill>
-                          <a:schemeClr val="accent3">
-                            <a:lumMod val="75000"/>
-                          </a:schemeClr>
-                        </a:solidFill>
-                      </a:endParaRPr>
-                    </a:p>
-                  </a:txBody>
-                  <a:tcPr>
-                    <a:solidFill>
-                      <a:schemeClr val="accent1">
-                        <a:lumMod val="20000"/>
-                        <a:lumOff val="80000"/>
-                      </a:schemeClr>
-                    </a:solidFill>
-                  </a:tcPr>
-                </a:tc>
-                <a:tc>
-                  <a:txBody>
-                    <a:bodyPr/>
-                    <a:lstStyle/>
-                    <a:p>
-                      <a:r>
-                        <a:rPr lang="en-US" sz="1000" smtClean="0">
-                          <a:solidFill>
-                            <a:schemeClr val="accent3">
-                              <a:lumMod val="75000"/>
-                            </a:schemeClr>
-                          </a:solidFill>
-                        </a:rPr>
-                        <a:t>Code</a:t>
-                      </a:r>
-                      <a:endParaRPr lang="en-US" sz="1000">
-                        <a:solidFill>
-                          <a:schemeClr val="accent3">
-                            <a:lumMod val="75000"/>
-                          </a:schemeClr>
-                        </a:solidFill>
-                      </a:endParaRPr>
-                    </a:p>
-                  </a:txBody>
-                  <a:tcPr>
-                    <a:solidFill>
-                      <a:schemeClr val="accent1">
-                        <a:lumMod val="20000"/>
-                        <a:lumOff val="80000"/>
-                      </a:schemeClr>
-                    </a:solidFill>
-                  </a:tcPr>
-                </a:tc>
-                <a:tc>
-                  <a:txBody>
-                    <a:bodyPr/>
-                    <a:lstStyle/>
-                    <a:p>
-                      <a:endParaRPr lang="en-US" sz="1000">
-                        <a:solidFill>
-                          <a:schemeClr val="accent3">
-                            <a:lumMod val="75000"/>
-                          </a:schemeClr>
-                        </a:solidFill>
-                      </a:endParaRPr>
-                    </a:p>
-                  </a:txBody>
-                  <a:tcPr>
-                    <a:solidFill>
-                      <a:schemeClr val="accent1">
-                        <a:lumMod val="20000"/>
-                        <a:lumOff val="80000"/>
-                      </a:schemeClr>
-                    </a:solidFill>
-                  </a:tcPr>
-                </a:tc>
-              </a:tr>
-              <a:tr h="361315">
-                <a:tc>
-                  <a:txBody>
-                    <a:bodyPr/>
-                    <a:lstStyle/>
-                    <a:p>
-                      <a:r>
-                        <a:rPr lang="en-US" sz="1000" smtClean="0">
-                          <a:solidFill>
-                            <a:schemeClr val="tx1">
-                              <a:lumMod val="50000"/>
-                            </a:schemeClr>
-                          </a:solidFill>
-                        </a:rPr>
-                        <a:t>KHACHHANG</a:t>
-                      </a:r>
-                      <a:endParaRPr lang="en-US" sz="1000">
-                        <a:solidFill>
-                          <a:schemeClr val="tx1">
-                            <a:lumMod val="50000"/>
-                          </a:schemeClr>
-                        </a:solidFill>
-                      </a:endParaRPr>
-                    </a:p>
-                  </a:txBody>
-                  <a:tcPr>
-                    <a:solidFill>
-                      <a:schemeClr val="bg1"/>
-                    </a:solidFill>
-                  </a:tcPr>
-                </a:tc>
-                <a:tc>
-                  <a:txBody>
-                    <a:bodyPr/>
-                    <a:lstStyle/>
-                    <a:p>
-                      <a:r>
-                        <a:rPr lang="en-US" sz="1000" smtClean="0">
-                          <a:solidFill>
-                            <a:schemeClr val="accent3">
-                              <a:lumMod val="75000"/>
-                            </a:schemeClr>
-                          </a:solidFill>
-                        </a:rPr>
-                        <a:t>MaKhachHang</a:t>
-                      </a:r>
-                      <a:endParaRPr lang="en-US" sz="1000">
-                        <a:solidFill>
-                          <a:schemeClr val="accent3">
-                            <a:lumMod val="75000"/>
-                          </a:schemeClr>
-                        </a:solidFill>
-                      </a:endParaRPr>
-                    </a:p>
-                  </a:txBody>
-                  <a:tcPr>
-                    <a:solidFill>
-                      <a:schemeClr val="accent1">
-                        <a:lumMod val="20000"/>
-                        <a:lumOff val="80000"/>
-                      </a:schemeClr>
-                    </a:solidFill>
-                  </a:tcPr>
-                </a:tc>
-                <a:tc>
-                  <a:txBody>
-                    <a:bodyPr/>
-                    <a:lstStyle/>
-                    <a:p>
-                      <a:r>
-                        <a:rPr lang="en-US" sz="1000" smtClean="0">
-                          <a:solidFill>
-                            <a:schemeClr val="accent3">
-                              <a:lumMod val="75000"/>
-                            </a:schemeClr>
-                          </a:solidFill>
-                        </a:rPr>
-                        <a:t>Ten</a:t>
-                      </a:r>
-                      <a:endParaRPr lang="en-US" sz="1000">
-                        <a:solidFill>
-                          <a:schemeClr val="accent3">
-                            <a:lumMod val="75000"/>
-                          </a:schemeClr>
-                        </a:solidFill>
-                      </a:endParaRPr>
-                    </a:p>
-                  </a:txBody>
-                  <a:tcPr>
-                    <a:solidFill>
-                      <a:schemeClr val="accent1">
-                        <a:lumMod val="20000"/>
-                        <a:lumOff val="80000"/>
-                      </a:schemeClr>
-                    </a:solidFill>
-                  </a:tcPr>
-                </a:tc>
-                <a:tc>
-                  <a:txBody>
-                    <a:bodyPr/>
-                    <a:lstStyle/>
-                    <a:p>
-                      <a:r>
-                        <a:rPr lang="en-US" sz="1000" smtClean="0">
-                          <a:solidFill>
-                            <a:schemeClr val="accent3">
-                              <a:lumMod val="75000"/>
-                            </a:schemeClr>
-                          </a:solidFill>
-                        </a:rPr>
-                        <a:t>DiaChi</a:t>
-                      </a:r>
-                      <a:endParaRPr lang="en-US" sz="1000">
-                        <a:solidFill>
-                          <a:schemeClr val="accent3">
-                            <a:lumMod val="75000"/>
-                          </a:schemeClr>
-                        </a:solidFill>
-                      </a:endParaRPr>
-                    </a:p>
-                  </a:txBody>
-                  <a:tcPr>
-                    <a:solidFill>
-                      <a:schemeClr val="accent1">
-                        <a:lumMod val="20000"/>
-                        <a:lumOff val="80000"/>
-                      </a:schemeClr>
-                    </a:solidFill>
-                  </a:tcPr>
-                </a:tc>
-                <a:tc>
-                  <a:txBody>
-                    <a:bodyPr/>
-                    <a:lstStyle/>
-                    <a:p>
-                      <a:r>
-                        <a:rPr lang="en-US" sz="1000" smtClean="0">
-                          <a:solidFill>
-                            <a:schemeClr val="accent3">
-                              <a:lumMod val="75000"/>
-                            </a:schemeClr>
-                          </a:solidFill>
-                        </a:rPr>
-                        <a:t>SDT</a:t>
-                      </a:r>
-                      <a:endParaRPr lang="en-US" sz="1000">
-                        <a:solidFill>
-                          <a:schemeClr val="accent3">
-                            <a:lumMod val="75000"/>
-                          </a:schemeClr>
-                        </a:solidFill>
-                      </a:endParaRPr>
-                    </a:p>
-                  </a:txBody>
-                  <a:tcPr>
-                    <a:solidFill>
-                      <a:schemeClr val="accent1">
-                        <a:lumMod val="20000"/>
-                        <a:lumOff val="80000"/>
-                      </a:schemeClr>
-                    </a:solidFill>
-                  </a:tcPr>
-                </a:tc>
-                <a:tc>
-                  <a:txBody>
-                    <a:bodyPr/>
-                    <a:lstStyle/>
-                    <a:p>
-                      <a:r>
-                        <a:rPr lang="en-US" sz="1000" smtClean="0">
-                          <a:solidFill>
-                            <a:schemeClr val="accent3">
-                              <a:lumMod val="75000"/>
-                            </a:schemeClr>
-                          </a:solidFill>
-                        </a:rPr>
-                        <a:t>NamSinh</a:t>
-                      </a:r>
-                      <a:endParaRPr lang="en-US" sz="1000">
-                        <a:solidFill>
-                          <a:schemeClr val="accent3">
-                            <a:lumMod val="75000"/>
-                          </a:schemeClr>
-                        </a:solidFill>
-                      </a:endParaRPr>
-                    </a:p>
-                  </a:txBody>
-                  <a:tcPr>
-                    <a:solidFill>
-                      <a:schemeClr val="accent1">
-                        <a:lumMod val="20000"/>
-                        <a:lumOff val="80000"/>
-                      </a:schemeClr>
-                    </a:solidFill>
-                  </a:tcPr>
-                </a:tc>
-                <a:tc>
-                  <a:txBody>
-                    <a:bodyPr/>
-                    <a:lstStyle/>
-                    <a:p>
-                      <a:r>
-                        <a:rPr lang="en-US" sz="1000" smtClean="0">
-                          <a:solidFill>
-                            <a:schemeClr val="accent3">
-                              <a:lumMod val="75000"/>
-                            </a:schemeClr>
-                          </a:solidFill>
-                        </a:rPr>
-                        <a:t>GioiTinh</a:t>
-                      </a:r>
-                      <a:endParaRPr lang="en-US" sz="1000">
-                        <a:solidFill>
-                          <a:schemeClr val="accent3">
-                            <a:lumMod val="75000"/>
-                          </a:schemeClr>
-                        </a:solidFill>
-                      </a:endParaRPr>
-                    </a:p>
-                  </a:txBody>
-                  <a:tcPr>
-                    <a:solidFill>
-                      <a:schemeClr val="accent1">
-                        <a:lumMod val="20000"/>
-                        <a:lumOff val="80000"/>
-                      </a:schemeClr>
-                    </a:solidFill>
-                  </a:tcPr>
-                </a:tc>
-              </a:tr>
-              <a:tr h="361315">
-                <a:tc>
-                  <a:txBody>
-                    <a:bodyPr/>
-                    <a:lstStyle/>
-                    <a:p>
-                      <a:r>
-                        <a:rPr lang="en-US" sz="1000" smtClean="0">
-                          <a:solidFill>
-                            <a:schemeClr val="tx1">
-                              <a:lumMod val="50000"/>
-                            </a:schemeClr>
-                          </a:solidFill>
-                        </a:rPr>
-                        <a:t>NHANVIEN</a:t>
-                      </a:r>
-                      <a:endParaRPr lang="en-US" sz="1000">
-                        <a:solidFill>
-                          <a:schemeClr val="tx1">
-                            <a:lumMod val="50000"/>
-                          </a:schemeClr>
-                        </a:solidFill>
-                      </a:endParaRPr>
-                    </a:p>
-                  </a:txBody>
-                  <a:tcPr>
-                    <a:solidFill>
-                      <a:schemeClr val="bg1"/>
-                    </a:solidFill>
-                  </a:tcPr>
-                </a:tc>
-                <a:tc>
-                  <a:txBody>
-                    <a:bodyPr/>
-                    <a:lstStyle/>
-                    <a:p>
-                      <a:r>
-                        <a:rPr lang="en-US" sz="1000" smtClean="0">
-                          <a:solidFill>
-                            <a:schemeClr val="accent3">
-                              <a:lumMod val="75000"/>
-                            </a:schemeClr>
-                          </a:solidFill>
-                        </a:rPr>
-                        <a:t>MaNhanVien</a:t>
-                      </a:r>
-                      <a:endParaRPr lang="en-US" sz="1000">
-                        <a:solidFill>
-                          <a:schemeClr val="accent3">
-                            <a:lumMod val="75000"/>
-                          </a:schemeClr>
-                        </a:solidFill>
-                      </a:endParaRPr>
-                    </a:p>
-                  </a:txBody>
-                  <a:tcPr>
-                    <a:solidFill>
-                      <a:schemeClr val="accent1">
-                        <a:lumMod val="20000"/>
-                        <a:lumOff val="80000"/>
-                      </a:schemeClr>
-                    </a:solidFill>
-                  </a:tcPr>
-                </a:tc>
-                <a:tc>
-                  <a:txBody>
-                    <a:bodyPr/>
-                    <a:lstStyle/>
-                    <a:p>
-                      <a:r>
-                        <a:rPr lang="en-US" sz="1000" smtClean="0">
-                          <a:solidFill>
-                            <a:schemeClr val="accent3">
-                              <a:lumMod val="75000"/>
-                            </a:schemeClr>
-                          </a:solidFill>
-                        </a:rPr>
-                        <a:t>Ten</a:t>
-                      </a:r>
-                      <a:endParaRPr lang="en-US" sz="1000">
-                        <a:solidFill>
-                          <a:schemeClr val="accent3">
-                            <a:lumMod val="75000"/>
-                          </a:schemeClr>
-                        </a:solidFill>
-                      </a:endParaRPr>
-                    </a:p>
-                  </a:txBody>
-                  <a:tcPr>
-                    <a:solidFill>
-                      <a:schemeClr val="accent1">
-                        <a:lumMod val="20000"/>
-                        <a:lumOff val="80000"/>
-                      </a:schemeClr>
-                    </a:solidFill>
-                  </a:tcPr>
-                </a:tc>
-                <a:tc>
-                  <a:txBody>
-                    <a:bodyPr/>
-                    <a:lstStyle/>
-                    <a:p>
-                      <a:r>
-                        <a:rPr lang="en-US" sz="1000" smtClean="0">
-                          <a:solidFill>
-                            <a:schemeClr val="accent3">
-                              <a:lumMod val="75000"/>
-                            </a:schemeClr>
-                          </a:solidFill>
-                        </a:rPr>
-                        <a:t>DiaChi</a:t>
-                      </a:r>
-                      <a:endParaRPr lang="en-US" sz="1000">
-                        <a:solidFill>
-                          <a:schemeClr val="accent3">
-                            <a:lumMod val="75000"/>
-                          </a:schemeClr>
-                        </a:solidFill>
-                      </a:endParaRPr>
-                    </a:p>
-                  </a:txBody>
-                  <a:tcPr>
-                    <a:solidFill>
-                      <a:schemeClr val="accent1">
-                        <a:lumMod val="20000"/>
-                        <a:lumOff val="80000"/>
-                      </a:schemeClr>
-                    </a:solidFill>
-                  </a:tcPr>
-                </a:tc>
-                <a:tc>
-                  <a:txBody>
-                    <a:bodyPr/>
-                    <a:lstStyle/>
-                    <a:p>
-                      <a:r>
-                        <a:rPr lang="en-US" sz="1000" smtClean="0">
-                          <a:solidFill>
-                            <a:schemeClr val="accent3">
-                              <a:lumMod val="75000"/>
-                            </a:schemeClr>
-                          </a:solidFill>
-                        </a:rPr>
-                        <a:t>SDT</a:t>
-                      </a:r>
-                      <a:endParaRPr lang="en-US" sz="1000">
-                        <a:solidFill>
-                          <a:schemeClr val="accent3">
-                            <a:lumMod val="75000"/>
-                          </a:schemeClr>
-                        </a:solidFill>
-                      </a:endParaRPr>
-                    </a:p>
-                  </a:txBody>
-                  <a:tcPr>
-                    <a:solidFill>
-                      <a:schemeClr val="accent1">
-                        <a:lumMod val="20000"/>
-                        <a:lumOff val="80000"/>
-                      </a:schemeClr>
-                    </a:solidFill>
-                  </a:tcPr>
-                </a:tc>
-                <a:tc>
-                  <a:txBody>
-                    <a:bodyPr/>
-                    <a:lstStyle/>
-                    <a:p>
-                      <a:r>
-                        <a:rPr lang="en-US" sz="1000" smtClean="0">
-                          <a:solidFill>
-                            <a:schemeClr val="accent3">
-                              <a:lumMod val="75000"/>
-                            </a:schemeClr>
-                          </a:solidFill>
-                        </a:rPr>
-                        <a:t>NamSinh</a:t>
-                      </a:r>
-                      <a:endParaRPr lang="en-US" sz="1000">
-                        <a:solidFill>
-                          <a:schemeClr val="accent3">
-                            <a:lumMod val="75000"/>
-                          </a:schemeClr>
-                        </a:solidFill>
-                      </a:endParaRPr>
-                    </a:p>
-                  </a:txBody>
-                  <a:tcPr>
-                    <a:solidFill>
-                      <a:schemeClr val="accent1">
-                        <a:lumMod val="20000"/>
-                        <a:lumOff val="80000"/>
-                      </a:schemeClr>
-                    </a:solidFill>
-                  </a:tcPr>
-                </a:tc>
-                <a:tc>
-                  <a:txBody>
-                    <a:bodyPr/>
-                    <a:lstStyle/>
-                    <a:p>
-                      <a:r>
-                        <a:rPr lang="en-US" sz="1000" smtClean="0">
-                          <a:solidFill>
-                            <a:schemeClr val="accent3">
-                              <a:lumMod val="75000"/>
-                            </a:schemeClr>
-                          </a:solidFill>
-                        </a:rPr>
-                        <a:t>GioiTinh</a:t>
-                      </a:r>
-                      <a:endParaRPr lang="en-US" sz="1000">
-                        <a:solidFill>
-                          <a:schemeClr val="accent3">
-                            <a:lumMod val="75000"/>
-                          </a:schemeClr>
-                        </a:solidFill>
-                      </a:endParaRPr>
-                    </a:p>
-                  </a:txBody>
-                  <a:tcPr>
-                    <a:solidFill>
-                      <a:schemeClr val="accent1">
-                        <a:lumMod val="20000"/>
-                        <a:lumOff val="80000"/>
-                      </a:schemeClr>
-                    </a:solidFill>
-                  </a:tcPr>
-                </a:tc>
-              </a:tr>
-            </a:tbl>
-          </a:graphicData>
-        </a:graphic>
-      </p:graphicFrame>
+        </p:nvSpPr>
+        <p:spPr>
+          <a:xfrm>
+            <a:off x="2445385" y="1500505"/>
+            <a:ext cx="6343015" cy="2245360"/>
+          </a:xfrm>
+          <a:prstGeom prst="rect">
+            <a:avLst/>
+          </a:prstGeom>
+          <a:noFill/>
+        </p:spPr>
+        <p:txBody>
+          <a:bodyPr wrap="square" rtlCol="0">
+            <a:spAutoFit/>
+          </a:bodyPr>
+          <a:p>
+            <a:r>
+              <a:rPr lang="en-US"/>
+              <a:t>SANPHAM( </a:t>
+            </a:r>
+            <a:r>
+              <a:rPr lang="en-US" b="1" u="sng"/>
+              <a:t>MaSanPham </a:t>
+            </a:r>
+            <a:r>
+              <a:rPr lang="en-US"/>
+              <a:t>, Ten, Gia, SoLuong, </a:t>
+            </a:r>
+            <a:r>
+              <a:rPr lang="en-US" b="1"/>
+              <a:t>MaHang, MaNhaCungCap</a:t>
+            </a:r>
+            <a:r>
+              <a:rPr lang="en-US"/>
+              <a:t>)</a:t>
+            </a:r>
+            <a:endParaRPr lang="en-US"/>
+          </a:p>
+          <a:p>
+            <a:r>
+              <a:rPr lang="en-US"/>
+              <a:t>HANG( </a:t>
+            </a:r>
+            <a:r>
+              <a:rPr lang="en-US" b="1" u="sng"/>
+              <a:t>MaHang</a:t>
+            </a:r>
+            <a:r>
+              <a:rPr lang="en-US"/>
+              <a:t>, Ten)</a:t>
+            </a:r>
+            <a:endParaRPr lang="en-US"/>
+          </a:p>
+          <a:p>
+            <a:r>
+              <a:rPr lang="en-US"/>
+              <a:t>NhaCungCap( </a:t>
+            </a:r>
+            <a:r>
+              <a:rPr lang="en-US" b="1" u="sng"/>
+              <a:t>MaNhaCungCap</a:t>
+            </a:r>
+            <a:r>
+              <a:rPr lang="en-US"/>
+              <a:t>, Ten, SDT, DiaChi) </a:t>
+            </a:r>
+            <a:endParaRPr lang="en-US"/>
+          </a:p>
+          <a:p>
+            <a:r>
+              <a:rPr lang="en-US"/>
+              <a:t>ChiTietHD( </a:t>
+            </a:r>
+            <a:r>
+              <a:rPr lang="en-US" b="1" u="sng"/>
+              <a:t>MaChiTietHD</a:t>
+            </a:r>
+            <a:r>
+              <a:rPr lang="en-US"/>
+              <a:t>, SoLuong, ThanhTien, </a:t>
+            </a:r>
+            <a:r>
+              <a:rPr lang="en-US" b="1"/>
+              <a:t>MaSanPham, MaHoaDon</a:t>
+            </a:r>
+            <a:r>
+              <a:rPr lang="en-US"/>
+              <a:t>)</a:t>
+            </a:r>
+            <a:endParaRPr lang="en-US"/>
+          </a:p>
+          <a:p>
+            <a:r>
+              <a:rPr lang="en-US"/>
+              <a:t>HoaDon( </a:t>
+            </a:r>
+            <a:r>
+              <a:rPr lang="en-US" b="1" u="sng"/>
+              <a:t>MaHoaDon</a:t>
+            </a:r>
+            <a:r>
+              <a:rPr lang="en-US"/>
+              <a:t>, TongTien, Ngay, TienShip, DiaChi, MaKhachHang, </a:t>
+            </a:r>
+            <a:r>
+              <a:rPr lang="en-US" b="1"/>
+              <a:t>MaGG</a:t>
+            </a:r>
+            <a:r>
+              <a:rPr lang="en-US"/>
+              <a:t>)</a:t>
+            </a:r>
+            <a:endParaRPr lang="en-US"/>
+          </a:p>
+          <a:p>
+            <a:r>
+              <a:rPr lang="en-US"/>
+              <a:t>MaGiamGia( </a:t>
+            </a:r>
+            <a:r>
+              <a:rPr lang="en-US" b="1" u="sng"/>
+              <a:t>MaGG</a:t>
+            </a:r>
+            <a:r>
+              <a:rPr lang="en-US"/>
+              <a:t>, SoLuong, SoTienGiam, HanSuDung, Code)</a:t>
+            </a:r>
+            <a:endParaRPr lang="en-US"/>
+          </a:p>
+          <a:p>
+            <a:r>
+              <a:rPr lang="en-US"/>
+              <a:t>KhachHang( </a:t>
+            </a:r>
+            <a:r>
+              <a:rPr lang="en-US" b="1" u="sng"/>
+              <a:t>MaKhachHang</a:t>
+            </a:r>
+            <a:r>
+              <a:rPr lang="en-US"/>
+              <a:t>, Ten, NamSinh, DiaChi, GioiTinh, SDT, </a:t>
+            </a:r>
+            <a:r>
+              <a:rPr lang="en-US" b="1"/>
+              <a:t>MaNhanVien</a:t>
+            </a:r>
+            <a:r>
+              <a:rPr lang="en-US"/>
+              <a:t>) </a:t>
+            </a:r>
+            <a:endParaRPr lang="en-US"/>
+          </a:p>
+          <a:p>
+            <a:r>
+              <a:rPr lang="en-US"/>
+              <a:t>NhanVien( </a:t>
+            </a:r>
+            <a:r>
+              <a:rPr lang="en-US" b="1" u="sng"/>
+              <a:t>MaNhanVien</a:t>
+            </a:r>
+            <a:r>
+              <a:rPr lang="en-US"/>
+              <a:t>, Ten, NamSinh, GioiTinh, SDT, DiaChi)</a:t>
+            </a:r>
+            <a:endParaRPr lang="en-US"/>
+          </a:p>
+        </p:txBody>
+      </p:sp>
     </p:spTree>
   </p:cSld>
   <p:clrMapOvr>
@@ -35542,129 +33980,7 @@
   <p:timing>
     <p:tnLst>
       <p:par>
-        <p:cTn id="1" dur="indefinite" restart="never" nodeType="tmRoot">
-          <p:childTnLst>
-            <p:seq concurrent="1" nextAc="seek">
-              <p:cTn id="2" dur="indefinite" nodeType="mainSeq">
-                <p:childTnLst>
-                  <p:par>
-                    <p:cTn id="3" fill="hold">
-                      <p:stCondLst>
-                        <p:cond delay="indefinite"/>
-                      </p:stCondLst>
-                      <p:childTnLst>
-                        <p:par>
-                          <p:cTn id="4" fill="hold">
-                            <p:stCondLst>
-                              <p:cond delay="0"/>
-                            </p:stCondLst>
-                            <p:childTnLst>
-                              <p:par>
-                                <p:cTn id="5" presetID="45" presetClass="entr" presetSubtype="0" fill="hold" nodeType="clickEffect">
-                                  <p:stCondLst>
-                                    <p:cond delay="0"/>
-                                  </p:stCondLst>
-                                  <p:childTnLst>
-                                    <p:set>
-                                      <p:cBhvr>
-                                        <p:cTn id="6" dur="1" fill="hold">
-                                          <p:stCondLst>
-                                            <p:cond delay="0"/>
-                                          </p:stCondLst>
-                                        </p:cTn>
-                                        <p:tgtEl>
-                                          <p:spTgt spid="3"/>
-                                        </p:tgtEl>
-                                        <p:attrNameLst>
-                                          <p:attrName>style.visibility</p:attrName>
-                                        </p:attrNameLst>
-                                      </p:cBhvr>
-                                      <p:to>
-                                        <p:strVal val="visible"/>
-                                      </p:to>
-                                    </p:set>
-                                    <p:animEffect transition="in" filter="fade">
-                                      <p:cBhvr>
-                                        <p:cTn id="7" dur="2000"/>
-                                        <p:tgtEl>
-                                          <p:spTgt spid="3"/>
-                                        </p:tgtEl>
-                                      </p:cBhvr>
-                                    </p:animEffect>
-                                    <p:anim calcmode="lin" valueType="num">
-                                      <p:cBhvr>
-                                        <p:cTn id="8" dur="2000" fill="hold"/>
-                                        <p:tgtEl>
-                                          <p:spTgt spid="3"/>
-                                        </p:tgtEl>
-                                        <p:attrNameLst>
-                                          <p:attrName>ppt_w</p:attrName>
-                                        </p:attrNameLst>
-                                      </p:cBhvr>
-                                      <p:tavLst>
-                                        <p:tav tm="0" fmla="#ppt_w*sin(2.5*pi*$)">
-                                          <p:val>
-                                            <p:fltVal val="0"/>
-                                          </p:val>
-                                        </p:tav>
-                                        <p:tav tm="100000">
-                                          <p:val>
-                                            <p:fltVal val="1"/>
-                                          </p:val>
-                                        </p:tav>
-                                      </p:tavLst>
-                                    </p:anim>
-                                    <p:anim calcmode="lin" valueType="num">
-                                      <p:cBhvr>
-                                        <p:cTn id="9" dur="2000" fill="hold"/>
-                                        <p:tgtEl>
-                                          <p:spTgt spid="3"/>
-                                        </p:tgtEl>
-                                        <p:attrNameLst>
-                                          <p:attrName>ppt_h</p:attrName>
-                                        </p:attrNameLst>
-                                      </p:cBhvr>
-                                      <p:tavLst>
-                                        <p:tav tm="0">
-                                          <p:val>
-                                            <p:strVal val="#ppt_h"/>
-                                          </p:val>
-                                        </p:tav>
-                                        <p:tav tm="100000">
-                                          <p:val>
-                                            <p:strVal val="#ppt_h"/>
-                                          </p:val>
-                                        </p:tav>
-                                      </p:tavLst>
-                                    </p:anim>
-                                  </p:childTnLst>
-                                </p:cTn>
-                              </p:par>
-                            </p:childTnLst>
-                          </p:cTn>
-                        </p:par>
-                      </p:childTnLst>
-                    </p:cTn>
-                  </p:par>
-                </p:childTnLst>
-              </p:cTn>
-              <p:prevCondLst>
-                <p:cond evt="onPrev" delay="0">
-                  <p:tgtEl>
-                    <p:sldTgt/>
-                  </p:tgtEl>
-                </p:cond>
-              </p:prevCondLst>
-              <p:nextCondLst>
-                <p:cond evt="onNext" delay="0">
-                  <p:tgtEl>
-                    <p:sldTgt/>
-                  </p:tgtEl>
-                </p:cond>
-              </p:nextCondLst>
-            </p:seq>
-          </p:childTnLst>
-        </p:cTn>
+        <p:cTn id="1" dur="indefinite" restart="never" nodeType="tmRoot"/>
       </p:par>
     </p:tnLst>
   </p:timing>
@@ -35711,6 +34027,81 @@
           </a:p>
         </p:txBody>
       </p:sp>
+      <p:pic>
+        <p:nvPicPr>
+          <p:cNvPr id="4" name="Picture 3" descr="ERD"/>
+          <p:cNvPicPr>
+            <a:picLocks noChangeAspect="1"/>
+          </p:cNvPicPr>
+          <p:nvPr/>
+        </p:nvPicPr>
+        <p:blipFill>
+          <a:blip r:embed="rId1"/>
+          <a:stretch>
+            <a:fillRect/>
+          </a:stretch>
+        </p:blipFill>
+        <p:spPr>
+          <a:xfrm>
+            <a:off x="-19050" y="-50165"/>
+            <a:ext cx="9260840" cy="5194300"/>
+          </a:xfrm>
+          <a:prstGeom prst="rect">
+            <a:avLst/>
+          </a:prstGeom>
+        </p:spPr>
+      </p:pic>
+    </p:spTree>
+  </p:cSld>
+  <p:clrMapOvr>
+    <a:masterClrMapping/>
+  </p:clrMapOvr>
+  <p:transition>
+    <p:fade thruBlk="1"/>
+  </p:transition>
+</p:sld>
+</file>
+
+<file path=ppt/slides/slide13.xml><?xml version="1.0" encoding="utf-8"?>
+<p:sld xmlns:a="http://schemas.openxmlformats.org/drawingml/2006/main" xmlns:r="http://schemas.openxmlformats.org/officeDocument/2006/relationships" xmlns:p="http://schemas.openxmlformats.org/presentationml/2006/main">
+  <p:cSld>
+    <p:spTree>
+      <p:nvGrpSpPr>
+        <p:cNvPr id="1" name=""/>
+        <p:cNvGrpSpPr/>
+        <p:nvPr/>
+      </p:nvGrpSpPr>
+      <p:grpSpPr/>
+      <p:sp>
+        <p:nvSpPr>
+          <p:cNvPr id="3" name="Slide Number Placeholder 2"/>
+          <p:cNvSpPr>
+            <a:spLocks noGrp="1"/>
+          </p:cNvSpPr>
+          <p:nvPr>
+            <p:ph type="sldNum" idx="12"/>
+          </p:nvPr>
+        </p:nvSpPr>
+        <p:spPr/>
+        <p:txBody>
+          <a:bodyPr/>
+          <a:p>
+            <a:pPr marL="0" lvl="0" indent="0" algn="r" rtl="0">
+              <a:spcBef>
+                <a:spcPts val="0"/>
+              </a:spcBef>
+              <a:spcAft>
+                <a:spcPts val="0"/>
+              </a:spcAft>
+              <a:buNone/>
+            </a:pPr>
+            <a:fld id="{00000000-1234-1234-1234-123412341234}" type="slidenum">
+              <a:rPr lang="en-GB"/>
+            </a:fld>
+            <a:endParaRPr lang="en-GB"/>
+          </a:p>
+        </p:txBody>
+      </p:sp>
       <p:sp>
         <p:nvSpPr>
           <p:cNvPr id="593" name="Google Shape;593;p38"/>
@@ -35723,8 +34114,8 @@
         </p:nvSpPr>
         <p:spPr>
           <a:xfrm>
-            <a:off x="3257550" y="1420495"/>
-            <a:ext cx="2860675" cy="1828800"/>
+            <a:off x="1992630" y="1420495"/>
+            <a:ext cx="5808980" cy="1828800"/>
           </a:xfrm>
           <a:prstGeom prst="rect">
             <a:avLst/>
@@ -35745,12 +34136,12 @@
               <a:buNone/>
             </a:pPr>
             <a:r>
-              <a:rPr lang="en-US" sz="6000" smtClean="0">
+              <a:rPr lang="en-US" sz="6000">
                 <a:solidFill>
                   <a:srgbClr val="FFFFFF"/>
                 </a:solidFill>
               </a:rPr>
-              <a:t>DEMO</a:t>
+              <a:t>Any Questions?</a:t>
             </a:r>
             <a:endParaRPr lang="en-US" sz="6000">
               <a:solidFill>
@@ -35771,7 +34162,7 @@
 </p:sld>
 </file>
 
-<file path=ppt/slides/slide13.xml><?xml version="1.0" encoding="utf-8"?>
+<file path=ppt/slides/slide14.xml><?xml version="1.0" encoding="utf-8"?>
 <p:sld xmlns:a="http://schemas.openxmlformats.org/drawingml/2006/main" xmlns:r="http://schemas.openxmlformats.org/officeDocument/2006/relationships" xmlns:p="http://schemas.openxmlformats.org/presentationml/2006/main">
   <p:cSld>
     <p:spTree>
